--- a/Equation Drawing.pptx
+++ b/Equation Drawing.pptx
@@ -7624,7 +7624,7 @@
   <p:clrMapOvr>
     <a:masterClrMapping/>
   </p:clrMapOvr>
-  <p:transition spd="med" advTm="44995">
+  <p:transition spd="med">
     <p:wipe/>
   </p:transition>
 </p:sld>

--- a/Equation Drawing.pptx
+++ b/Equation Drawing.pptx
@@ -5,7 +5,7 @@
     <p:sldMasterId id="2147483684" r:id="rId1"/>
   </p:sldMasterIdLst>
   <p:notesMasterIdLst>
-    <p:notesMasterId r:id="rId24"/>
+    <p:notesMasterId r:id="rId26"/>
   </p:notesMasterIdLst>
   <p:sldIdLst>
     <p:sldId id="256" r:id="rId2"/>
@@ -21,15 +21,17 @@
     <p:sldId id="263" r:id="rId12"/>
     <p:sldId id="264" r:id="rId13"/>
     <p:sldId id="266" r:id="rId14"/>
-    <p:sldId id="265" r:id="rId15"/>
-    <p:sldId id="267" r:id="rId16"/>
-    <p:sldId id="268" r:id="rId17"/>
-    <p:sldId id="269" r:id="rId18"/>
-    <p:sldId id="270" r:id="rId19"/>
-    <p:sldId id="271" r:id="rId20"/>
-    <p:sldId id="272" r:id="rId21"/>
-    <p:sldId id="273" r:id="rId22"/>
-    <p:sldId id="278" r:id="rId23"/>
+    <p:sldId id="280" r:id="rId15"/>
+    <p:sldId id="265" r:id="rId16"/>
+    <p:sldId id="267" r:id="rId17"/>
+    <p:sldId id="268" r:id="rId18"/>
+    <p:sldId id="269" r:id="rId19"/>
+    <p:sldId id="270" r:id="rId20"/>
+    <p:sldId id="271" r:id="rId21"/>
+    <p:sldId id="272" r:id="rId22"/>
+    <p:sldId id="279" r:id="rId23"/>
+    <p:sldId id="273" r:id="rId24"/>
+    <p:sldId id="278" r:id="rId25"/>
   </p:sldIdLst>
   <p:sldSz cx="12192000" cy="6858000"/>
   <p:notesSz cx="6858000" cy="9144000"/>
@@ -4566,35 +4568,430 @@
               <a:t>Drawer – </a:t>
             </a:r>
             <a:r>
-              <a:rPr lang="en-US" altLang="zh-TW" dirty="0" err="1"/>
-              <a:t>drawFunction</a:t>
+              <a:rPr lang="zh-TW" altLang="en-US" dirty="0"/>
+              <a:t>繪製函數 </a:t>
+            </a:r>
+            <a:r>
+              <a:rPr lang="en-US" altLang="zh-TW" dirty="0"/>
+              <a:t>1</a:t>
             </a:r>
             <a:endParaRPr lang="zh-TW" altLang="en-US" dirty="0"/>
           </a:p>
         </p:txBody>
       </p:sp>
-      <p:sp>
-        <p:nvSpPr>
-          <p:cNvPr id="4" name="內容版面配置區 3">
-            <a:extLst>
-              <a:ext uri="{FF2B5EF4-FFF2-40B4-BE49-F238E27FC236}">
-                <a16:creationId xmlns:a16="http://schemas.microsoft.com/office/drawing/2014/main" id="{92FAAEC6-7FA1-4035-967B-D8471A9E341D}"/>
-              </a:ext>
-            </a:extLst>
-          </p:cNvPr>
-          <p:cNvSpPr>
-            <a:spLocks noGrp="1"/>
-          </p:cNvSpPr>
+      <p:pic>
+        <p:nvPicPr>
+          <p:cNvPr id="8" name="內容版面配置區 7">
+            <a:extLst>
+              <a:ext uri="{FF2B5EF4-FFF2-40B4-BE49-F238E27FC236}">
+                <a16:creationId xmlns:a16="http://schemas.microsoft.com/office/drawing/2014/main" id="{9D25A742-F19E-4CFD-87AE-A4A0EE5AD0A6}"/>
+              </a:ext>
+            </a:extLst>
+          </p:cNvPr>
+          <p:cNvPicPr>
+            <a:picLocks noGrp="1" noChangeAspect="1"/>
+          </p:cNvPicPr>
           <p:nvPr>
             <p:ph idx="1"/>
           </p:nvPr>
-        </p:nvSpPr>
-        <p:spPr/>
-        <p:txBody>
-          <a:bodyPr/>
-          <a:lstStyle/>
-          <a:p>
-            <a:endParaRPr lang="zh-TW" altLang="en-US"/>
+        </p:nvPicPr>
+        <p:blipFill>
+          <a:blip r:embed="rId2"/>
+          <a:stretch>
+            <a:fillRect/>
+          </a:stretch>
+        </p:blipFill>
+        <p:spPr>
+          <a:xfrm>
+            <a:off x="838200" y="1690687"/>
+            <a:ext cx="7116192" cy="4705869"/>
+          </a:xfrm>
+          <a:prstGeom prst="rect">
+            <a:avLst/>
+          </a:prstGeom>
+        </p:spPr>
+      </p:pic>
+      <p:sp>
+        <p:nvSpPr>
+          <p:cNvPr id="9" name="右中括弧 8">
+            <a:extLst>
+              <a:ext uri="{FF2B5EF4-FFF2-40B4-BE49-F238E27FC236}">
+                <a16:creationId xmlns:a16="http://schemas.microsoft.com/office/drawing/2014/main" id="{F25F1018-16C6-4CAE-987D-3F78ADCF90DF}"/>
+              </a:ext>
+            </a:extLst>
+          </p:cNvPr>
+          <p:cNvSpPr/>
+          <p:nvPr/>
+        </p:nvSpPr>
+        <p:spPr>
+          <a:xfrm>
+            <a:off x="4344176" y="2758019"/>
+            <a:ext cx="218946" cy="473453"/>
+          </a:xfrm>
+          <a:prstGeom prst="rightBracket">
+            <a:avLst/>
+          </a:prstGeom>
+          <a:ln w="38100"/>
+        </p:spPr>
+        <p:style>
+          <a:lnRef idx="1">
+            <a:schemeClr val="accent1"/>
+          </a:lnRef>
+          <a:fillRef idx="0">
+            <a:schemeClr val="accent1"/>
+          </a:fillRef>
+          <a:effectRef idx="0">
+            <a:schemeClr val="accent1"/>
+          </a:effectRef>
+          <a:fontRef idx="minor">
+            <a:schemeClr val="tx1"/>
+          </a:fontRef>
+        </p:style>
+        <p:txBody>
+          <a:bodyPr rtlCol="0" anchor="ctr"/>
+          <a:lstStyle/>
+          <a:p>
+            <a:pPr algn="ctr"/>
+            <a:endParaRPr lang="zh-TW" altLang="en-US">
+              <a:latin typeface="Comic Sans MS" panose="030F0702030302020204" pitchFamily="66" charset="0"/>
+            </a:endParaRPr>
+          </a:p>
+        </p:txBody>
+      </p:sp>
+      <p:sp>
+        <p:nvSpPr>
+          <p:cNvPr id="10" name="文字方塊 9">
+            <a:extLst>
+              <a:ext uri="{FF2B5EF4-FFF2-40B4-BE49-F238E27FC236}">
+                <a16:creationId xmlns:a16="http://schemas.microsoft.com/office/drawing/2014/main" id="{BD889529-7066-4FD8-92E8-978B5B3F9341}"/>
+              </a:ext>
+            </a:extLst>
+          </p:cNvPr>
+          <p:cNvSpPr txBox="1"/>
+          <p:nvPr/>
+        </p:nvSpPr>
+        <p:spPr>
+          <a:xfrm>
+            <a:off x="4563122" y="2845591"/>
+            <a:ext cx="1953088" cy="369332"/>
+          </a:xfrm>
+          <a:prstGeom prst="rect">
+            <a:avLst/>
+          </a:prstGeom>
+          <a:noFill/>
+        </p:spPr>
+        <p:txBody>
+          <a:bodyPr wrap="square" rtlCol="0">
+            <a:spAutoFit/>
+          </a:bodyPr>
+          <a:lstStyle/>
+          <a:p>
+            <a:r>
+              <a:rPr lang="zh-TW" altLang="en-US" dirty="0">
+                <a:latin typeface="Comic Sans MS" panose="030F0702030302020204" pitchFamily="66" charset="0"/>
+                <a:ea typeface="微軟正黑體" panose="020B0604030504040204" pitchFamily="34" charset="-120"/>
+              </a:rPr>
+              <a:t>回傳為函數有誤</a:t>
+            </a:r>
+            <a:endParaRPr lang="en-US" altLang="zh-TW" dirty="0">
+              <a:latin typeface="Comic Sans MS" panose="030F0702030302020204" pitchFamily="66" charset="0"/>
+              <a:ea typeface="微軟正黑體" panose="020B0604030504040204" pitchFamily="34" charset="-120"/>
+            </a:endParaRPr>
+          </a:p>
+        </p:txBody>
+      </p:sp>
+      <p:sp>
+        <p:nvSpPr>
+          <p:cNvPr id="11" name="右中括弧 10">
+            <a:extLst>
+              <a:ext uri="{FF2B5EF4-FFF2-40B4-BE49-F238E27FC236}">
+                <a16:creationId xmlns:a16="http://schemas.microsoft.com/office/drawing/2014/main" id="{970CA282-965C-4069-8B38-1475AC885578}"/>
+              </a:ext>
+            </a:extLst>
+          </p:cNvPr>
+          <p:cNvSpPr/>
+          <p:nvPr/>
+        </p:nvSpPr>
+        <p:spPr>
+          <a:xfrm>
+            <a:off x="4344176" y="3429000"/>
+            <a:ext cx="218946" cy="690239"/>
+          </a:xfrm>
+          <a:prstGeom prst="rightBracket">
+            <a:avLst/>
+          </a:prstGeom>
+          <a:ln w="38100"/>
+        </p:spPr>
+        <p:style>
+          <a:lnRef idx="1">
+            <a:schemeClr val="accent1"/>
+          </a:lnRef>
+          <a:fillRef idx="0">
+            <a:schemeClr val="accent1"/>
+          </a:fillRef>
+          <a:effectRef idx="0">
+            <a:schemeClr val="accent1"/>
+          </a:effectRef>
+          <a:fontRef idx="minor">
+            <a:schemeClr val="tx1"/>
+          </a:fontRef>
+        </p:style>
+        <p:txBody>
+          <a:bodyPr rtlCol="0" anchor="ctr"/>
+          <a:lstStyle/>
+          <a:p>
+            <a:pPr algn="ctr"/>
+            <a:endParaRPr lang="zh-TW" altLang="en-US">
+              <a:latin typeface="Comic Sans MS" panose="030F0702030302020204" pitchFamily="66" charset="0"/>
+            </a:endParaRPr>
+          </a:p>
+        </p:txBody>
+      </p:sp>
+      <p:sp>
+        <p:nvSpPr>
+          <p:cNvPr id="12" name="文字方塊 11">
+            <a:extLst>
+              <a:ext uri="{FF2B5EF4-FFF2-40B4-BE49-F238E27FC236}">
+                <a16:creationId xmlns:a16="http://schemas.microsoft.com/office/drawing/2014/main" id="{57537675-1255-4A5A-9840-8E2207DE8C3C}"/>
+              </a:ext>
+            </a:extLst>
+          </p:cNvPr>
+          <p:cNvSpPr txBox="1"/>
+          <p:nvPr/>
+        </p:nvSpPr>
+        <p:spPr>
+          <a:xfrm>
+            <a:off x="4651543" y="3636213"/>
+            <a:ext cx="1740379" cy="369332"/>
+          </a:xfrm>
+          <a:prstGeom prst="rect">
+            <a:avLst/>
+          </a:prstGeom>
+          <a:noFill/>
+        </p:spPr>
+        <p:txBody>
+          <a:bodyPr wrap="square" rtlCol="0">
+            <a:spAutoFit/>
+          </a:bodyPr>
+          <a:lstStyle/>
+          <a:p>
+            <a:r>
+              <a:rPr lang="zh-TW" altLang="en-US" dirty="0">
+                <a:latin typeface="Comic Sans MS" panose="030F0702030302020204" pitchFamily="66" charset="0"/>
+                <a:ea typeface="微軟正黑體" panose="020B0604030504040204" pitchFamily="34" charset="-120"/>
+              </a:rPr>
+              <a:t>計算放大倍數</a:t>
+            </a:r>
+            <a:endParaRPr lang="en-US" altLang="zh-TW" dirty="0">
+              <a:latin typeface="Comic Sans MS" panose="030F0702030302020204" pitchFamily="66" charset="0"/>
+              <a:ea typeface="微軟正黑體" panose="020B0604030504040204" pitchFamily="34" charset="-120"/>
+            </a:endParaRPr>
+          </a:p>
+        </p:txBody>
+      </p:sp>
+      <p:sp>
+        <p:nvSpPr>
+          <p:cNvPr id="13" name="右中括弧 12">
+            <a:extLst>
+              <a:ext uri="{FF2B5EF4-FFF2-40B4-BE49-F238E27FC236}">
+                <a16:creationId xmlns:a16="http://schemas.microsoft.com/office/drawing/2014/main" id="{095F0CBF-2AE1-4F4C-A53B-E4F4AA1AA2EA}"/>
+              </a:ext>
+            </a:extLst>
+          </p:cNvPr>
+          <p:cNvSpPr/>
+          <p:nvPr/>
+        </p:nvSpPr>
+        <p:spPr>
+          <a:xfrm>
+            <a:off x="5542660" y="4426835"/>
+            <a:ext cx="254457" cy="837623"/>
+          </a:xfrm>
+          <a:prstGeom prst="rightBracket">
+            <a:avLst/>
+          </a:prstGeom>
+          <a:ln w="38100"/>
+        </p:spPr>
+        <p:style>
+          <a:lnRef idx="1">
+            <a:schemeClr val="accent1"/>
+          </a:lnRef>
+          <a:fillRef idx="0">
+            <a:schemeClr val="accent1"/>
+          </a:fillRef>
+          <a:effectRef idx="0">
+            <a:schemeClr val="accent1"/>
+          </a:effectRef>
+          <a:fontRef idx="minor">
+            <a:schemeClr val="tx1"/>
+          </a:fontRef>
+        </p:style>
+        <p:txBody>
+          <a:bodyPr rtlCol="0" anchor="ctr"/>
+          <a:lstStyle/>
+          <a:p>
+            <a:pPr algn="ctr"/>
+            <a:endParaRPr lang="zh-TW" altLang="en-US">
+              <a:latin typeface="Comic Sans MS" panose="030F0702030302020204" pitchFamily="66" charset="0"/>
+            </a:endParaRPr>
+          </a:p>
+        </p:txBody>
+      </p:sp>
+      <p:sp>
+        <p:nvSpPr>
+          <p:cNvPr id="14" name="文字方塊 13">
+            <a:extLst>
+              <a:ext uri="{FF2B5EF4-FFF2-40B4-BE49-F238E27FC236}">
+                <a16:creationId xmlns:a16="http://schemas.microsoft.com/office/drawing/2014/main" id="{816384BC-7226-4470-945D-5899E9B44A4B}"/>
+              </a:ext>
+            </a:extLst>
+          </p:cNvPr>
+          <p:cNvSpPr txBox="1"/>
+          <p:nvPr/>
+        </p:nvSpPr>
+        <p:spPr>
+          <a:xfrm>
+            <a:off x="5941809" y="4660980"/>
+            <a:ext cx="4400675" cy="369332"/>
+          </a:xfrm>
+          <a:prstGeom prst="rect">
+            <a:avLst/>
+          </a:prstGeom>
+          <a:noFill/>
+        </p:spPr>
+        <p:txBody>
+          <a:bodyPr wrap="square" rtlCol="0">
+            <a:spAutoFit/>
+          </a:bodyPr>
+          <a:lstStyle/>
+          <a:p>
+            <a:r>
+              <a:rPr lang="zh-TW" altLang="en-US" dirty="0">
+                <a:latin typeface="Comic Sans MS" panose="030F0702030302020204" pitchFamily="66" charset="0"/>
+                <a:ea typeface="微軟正黑體" panose="020B0604030504040204" pitchFamily="34" charset="-120"/>
+              </a:rPr>
+              <a:t>將</a:t>
+            </a:r>
+            <a:r>
+              <a:rPr lang="en-US" altLang="zh-TW" dirty="0">
+                <a:latin typeface="Comic Sans MS" panose="030F0702030302020204" pitchFamily="66" charset="0"/>
+                <a:ea typeface="微軟正黑體" panose="020B0604030504040204" pitchFamily="34" charset="-120"/>
+              </a:rPr>
+              <a:t>vector</a:t>
+            </a:r>
+            <a:r>
+              <a:rPr lang="zh-TW" altLang="en-US" dirty="0">
+                <a:latin typeface="Comic Sans MS" panose="030F0702030302020204" pitchFamily="66" charset="0"/>
+                <a:ea typeface="微軟正黑體" panose="020B0604030504040204" pitchFamily="34" charset="-120"/>
+              </a:rPr>
+              <a:t>內的點轉換成</a:t>
+            </a:r>
+            <a:r>
+              <a:rPr lang="en-US" altLang="zh-TW" dirty="0" err="1">
+                <a:latin typeface="Comic Sans MS" panose="030F0702030302020204" pitchFamily="66" charset="0"/>
+                <a:ea typeface="微軟正黑體" panose="020B0604030504040204" pitchFamily="34" charset="-120"/>
+              </a:rPr>
+              <a:t>QPointF</a:t>
+            </a:r>
+            <a:r>
+              <a:rPr lang="zh-TW" altLang="en-US" dirty="0">
+                <a:latin typeface="Comic Sans MS" panose="030F0702030302020204" pitchFamily="66" charset="0"/>
+                <a:ea typeface="微軟正黑體" panose="020B0604030504040204" pitchFamily="34" charset="-120"/>
+              </a:rPr>
+              <a:t>型態儲存</a:t>
+            </a:r>
+            <a:endParaRPr lang="en-US" altLang="zh-TW" dirty="0">
+              <a:latin typeface="Comic Sans MS" panose="030F0702030302020204" pitchFamily="66" charset="0"/>
+              <a:ea typeface="微軟正黑體" panose="020B0604030504040204" pitchFamily="34" charset="-120"/>
+            </a:endParaRPr>
+          </a:p>
+        </p:txBody>
+      </p:sp>
+      <p:sp>
+        <p:nvSpPr>
+          <p:cNvPr id="15" name="右中括弧 14">
+            <a:extLst>
+              <a:ext uri="{FF2B5EF4-FFF2-40B4-BE49-F238E27FC236}">
+                <a16:creationId xmlns:a16="http://schemas.microsoft.com/office/drawing/2014/main" id="{7B870281-0769-4CEE-B1FC-5CAEC3D51108}"/>
+              </a:ext>
+            </a:extLst>
+          </p:cNvPr>
+          <p:cNvSpPr/>
+          <p:nvPr/>
+        </p:nvSpPr>
+        <p:spPr>
+          <a:xfrm>
+            <a:off x="7764133" y="5597720"/>
+            <a:ext cx="218946" cy="725750"/>
+          </a:xfrm>
+          <a:prstGeom prst="rightBracket">
+            <a:avLst/>
+          </a:prstGeom>
+          <a:ln w="38100"/>
+        </p:spPr>
+        <p:style>
+          <a:lnRef idx="1">
+            <a:schemeClr val="accent1"/>
+          </a:lnRef>
+          <a:fillRef idx="0">
+            <a:schemeClr val="accent1"/>
+          </a:fillRef>
+          <a:effectRef idx="0">
+            <a:schemeClr val="accent1"/>
+          </a:effectRef>
+          <a:fontRef idx="minor">
+            <a:schemeClr val="tx1"/>
+          </a:fontRef>
+        </p:style>
+        <p:txBody>
+          <a:bodyPr rtlCol="0" anchor="ctr"/>
+          <a:lstStyle/>
+          <a:p>
+            <a:pPr algn="ctr"/>
+            <a:endParaRPr lang="zh-TW" altLang="en-US">
+              <a:latin typeface="Comic Sans MS" panose="030F0702030302020204" pitchFamily="66" charset="0"/>
+            </a:endParaRPr>
+          </a:p>
+        </p:txBody>
+      </p:sp>
+      <p:sp>
+        <p:nvSpPr>
+          <p:cNvPr id="16" name="文字方塊 15">
+            <a:extLst>
+              <a:ext uri="{FF2B5EF4-FFF2-40B4-BE49-F238E27FC236}">
+                <a16:creationId xmlns:a16="http://schemas.microsoft.com/office/drawing/2014/main" id="{B65068B4-65AB-47E4-AF91-B925766E6ED4}"/>
+              </a:ext>
+            </a:extLst>
+          </p:cNvPr>
+          <p:cNvSpPr txBox="1"/>
+          <p:nvPr/>
+        </p:nvSpPr>
+        <p:spPr>
+          <a:xfrm>
+            <a:off x="8046882" y="5750225"/>
+            <a:ext cx="1177017" cy="369332"/>
+          </a:xfrm>
+          <a:prstGeom prst="rect">
+            <a:avLst/>
+          </a:prstGeom>
+          <a:noFill/>
+        </p:spPr>
+        <p:txBody>
+          <a:bodyPr wrap="square" rtlCol="0">
+            <a:spAutoFit/>
+          </a:bodyPr>
+          <a:lstStyle/>
+          <a:p>
+            <a:r>
+              <a:rPr lang="zh-TW" altLang="en-US" dirty="0">
+                <a:latin typeface="Comic Sans MS" panose="030F0702030302020204" pitchFamily="66" charset="0"/>
+                <a:ea typeface="微軟正黑體" panose="020B0604030504040204" pitchFamily="34" charset="-120"/>
+              </a:rPr>
+              <a:t>筆刷設定</a:t>
+            </a:r>
+            <a:endParaRPr lang="en-US" altLang="zh-TW" dirty="0">
+              <a:latin typeface="Comic Sans MS" panose="030F0702030302020204" pitchFamily="66" charset="0"/>
+              <a:ea typeface="微軟正黑體" panose="020B0604030504040204" pitchFamily="34" charset="-120"/>
+            </a:endParaRPr>
           </a:p>
         </p:txBody>
       </p:sp>
@@ -4631,12 +5028,49 @@
           <a:chExt cx="0" cy="0"/>
         </a:xfrm>
       </p:grpSpPr>
+      <p:sp>
+        <p:nvSpPr>
+          <p:cNvPr id="2" name="標題 1">
+            <a:extLst>
+              <a:ext uri="{FF2B5EF4-FFF2-40B4-BE49-F238E27FC236}">
+                <a16:creationId xmlns:a16="http://schemas.microsoft.com/office/drawing/2014/main" id="{BCCDD681-A640-46AD-BCB7-D492A9D08DE4}"/>
+              </a:ext>
+            </a:extLst>
+          </p:cNvPr>
+          <p:cNvSpPr>
+            <a:spLocks noGrp="1"/>
+          </p:cNvSpPr>
+          <p:nvPr>
+            <p:ph type="title"/>
+          </p:nvPr>
+        </p:nvSpPr>
+        <p:spPr/>
+        <p:txBody>
+          <a:bodyPr/>
+          <a:lstStyle/>
+          <a:p>
+            <a:r>
+              <a:rPr lang="en-US" altLang="zh-TW" dirty="0"/>
+              <a:t>Drawer – </a:t>
+            </a:r>
+            <a:r>
+              <a:rPr lang="zh-TW" altLang="en-US" dirty="0"/>
+              <a:t>繪製函數 </a:t>
+            </a:r>
+            <a:r>
+              <a:rPr lang="en-US" altLang="zh-TW" dirty="0"/>
+              <a:t>2</a:t>
+            </a:r>
+            <a:endParaRPr lang="zh-TW" altLang="en-US" dirty="0"/>
+          </a:p>
+        </p:txBody>
+      </p:sp>
       <p:pic>
         <p:nvPicPr>
-          <p:cNvPr id="8" name="內容版面配置區 7">
-            <a:extLst>
-              <a:ext uri="{FF2B5EF4-FFF2-40B4-BE49-F238E27FC236}">
-                <a16:creationId xmlns:a16="http://schemas.microsoft.com/office/drawing/2014/main" id="{CF568E64-6A66-407F-8391-564428551F7A}"/>
+          <p:cNvPr id="6" name="內容版面配置區 5">
+            <a:extLst>
+              <a:ext uri="{FF2B5EF4-FFF2-40B4-BE49-F238E27FC236}">
+                <a16:creationId xmlns:a16="http://schemas.microsoft.com/office/drawing/2014/main" id="{628E9584-735E-4828-91D4-67FDCB5D41EA}"/>
               </a:ext>
             </a:extLst>
           </p:cNvPr>
@@ -4656,7 +5090,7 @@
         <p:spPr>
           <a:xfrm>
             <a:off x="838200" y="1690688"/>
-            <a:ext cx="8785194" cy="4941672"/>
+            <a:ext cx="5811175" cy="4841276"/>
           </a:xfrm>
           <a:prstGeom prst="rect">
             <a:avLst/>
@@ -4665,50 +5099,10 @@
       </p:pic>
       <p:sp>
         <p:nvSpPr>
-          <p:cNvPr id="2" name="標題 1">
-            <a:extLst>
-              <a:ext uri="{FF2B5EF4-FFF2-40B4-BE49-F238E27FC236}">
-                <a16:creationId xmlns:a16="http://schemas.microsoft.com/office/drawing/2014/main" id="{BCCDD681-A640-46AD-BCB7-D492A9D08DE4}"/>
-              </a:ext>
-            </a:extLst>
-          </p:cNvPr>
-          <p:cNvSpPr>
-            <a:spLocks noGrp="1"/>
-          </p:cNvSpPr>
-          <p:nvPr>
-            <p:ph type="title"/>
-          </p:nvPr>
-        </p:nvSpPr>
-        <p:spPr/>
-        <p:txBody>
-          <a:bodyPr/>
-          <a:lstStyle/>
-          <a:p>
-            <a:r>
-              <a:rPr lang="en-US" altLang="zh-TW" dirty="0"/>
-              <a:t>Drawer – </a:t>
-            </a:r>
-            <a:r>
-              <a:rPr lang="en-US" altLang="zh-TW" dirty="0" err="1"/>
-              <a:t>paintEvent</a:t>
-            </a:r>
-            <a:r>
-              <a:rPr lang="en-US" altLang="zh-TW" dirty="0"/>
-              <a:t> </a:t>
-            </a:r>
-            <a:r>
-              <a:rPr lang="zh-TW" altLang="en-US" dirty="0"/>
-              <a:t>改寫</a:t>
-            </a:r>
-          </a:p>
-        </p:txBody>
-      </p:sp>
-      <p:sp>
-        <p:nvSpPr>
-          <p:cNvPr id="4" name="右中括弧 3">
-            <a:extLst>
-              <a:ext uri="{FF2B5EF4-FFF2-40B4-BE49-F238E27FC236}">
-                <a16:creationId xmlns:a16="http://schemas.microsoft.com/office/drawing/2014/main" id="{9519088A-EB5A-40B1-994C-DF6C2E9F0AE0}"/>
+          <p:cNvPr id="7" name="右中括弧 6">
+            <a:extLst>
+              <a:ext uri="{FF2B5EF4-FFF2-40B4-BE49-F238E27FC236}">
+                <a16:creationId xmlns:a16="http://schemas.microsoft.com/office/drawing/2014/main" id="{F0A64836-EAF0-41FF-BF06-31FF69C59AE8}"/>
               </a:ext>
             </a:extLst>
           </p:cNvPr>
@@ -4717,8 +5111,8 @@
         </p:nvSpPr>
         <p:spPr>
           <a:xfrm>
-            <a:off x="9513682" y="3866357"/>
-            <a:ext cx="242878" cy="1504633"/>
+            <a:off x="5817869" y="2139517"/>
+            <a:ext cx="278131" cy="559293"/>
           </a:xfrm>
           <a:prstGeom prst="rightBracket">
             <a:avLst/>
@@ -4750,10 +5144,10 @@
       </p:sp>
       <p:sp>
         <p:nvSpPr>
-          <p:cNvPr id="5" name="文字方塊 4">
-            <a:extLst>
-              <a:ext uri="{FF2B5EF4-FFF2-40B4-BE49-F238E27FC236}">
-                <a16:creationId xmlns:a16="http://schemas.microsoft.com/office/drawing/2014/main" id="{55B68E41-5550-4364-8207-FF08143F77BD}"/>
+          <p:cNvPr id="8" name="文字方塊 7">
+            <a:extLst>
+              <a:ext uri="{FF2B5EF4-FFF2-40B4-BE49-F238E27FC236}">
+                <a16:creationId xmlns:a16="http://schemas.microsoft.com/office/drawing/2014/main" id="{1BA7295E-13CC-4075-85C4-7188E670CDD1}"/>
               </a:ext>
             </a:extLst>
           </p:cNvPr>
@@ -4762,8 +5156,8 @@
         </p:nvSpPr>
         <p:spPr>
           <a:xfrm>
-            <a:off x="9832715" y="4100059"/>
-            <a:ext cx="1848054" cy="923330"/>
+            <a:off x="6096000" y="2234497"/>
+            <a:ext cx="3713825" cy="369332"/>
           </a:xfrm>
           <a:prstGeom prst="rect">
             <a:avLst/>
@@ -4781,7 +5175,7 @@
                 <a:latin typeface="微軟正黑體" panose="020B0604030504040204" pitchFamily="34" charset="-120"/>
                 <a:ea typeface="微軟正黑體" panose="020B0604030504040204" pitchFamily="34" charset="-120"/>
               </a:rPr>
-              <a:t>尋訪列表中的所有函數，並呼叫繪製函數圖形</a:t>
+              <a:t>取出連續兩點，並計算其中點座標</a:t>
             </a:r>
             <a:endParaRPr lang="en-US" altLang="zh-TW" dirty="0">
               <a:latin typeface="微軟正黑體" panose="020B0604030504040204" pitchFamily="34" charset="-120"/>
@@ -4792,10 +5186,10 @@
       </p:sp>
       <p:sp>
         <p:nvSpPr>
-          <p:cNvPr id="12" name="右中括弧 11">
-            <a:extLst>
-              <a:ext uri="{FF2B5EF4-FFF2-40B4-BE49-F238E27FC236}">
-                <a16:creationId xmlns:a16="http://schemas.microsoft.com/office/drawing/2014/main" id="{AF96AB99-27E8-48BC-9381-4C0705AB2FC7}"/>
+          <p:cNvPr id="11" name="右中括弧 10">
+            <a:extLst>
+              <a:ext uri="{FF2B5EF4-FFF2-40B4-BE49-F238E27FC236}">
+                <a16:creationId xmlns:a16="http://schemas.microsoft.com/office/drawing/2014/main" id="{ACAF1E24-2DEC-4D35-A9F1-DF0209169A85}"/>
               </a:ext>
             </a:extLst>
           </p:cNvPr>
@@ -4804,8 +5198,8 @@
         </p:nvSpPr>
         <p:spPr>
           <a:xfrm>
-            <a:off x="2894120" y="5841507"/>
-            <a:ext cx="232299" cy="651368"/>
+            <a:off x="3960956" y="2781639"/>
+            <a:ext cx="278131" cy="559293"/>
           </a:xfrm>
           <a:prstGeom prst="rightBracket">
             <a:avLst/>
@@ -4837,10 +5231,10 @@
       </p:sp>
       <p:sp>
         <p:nvSpPr>
-          <p:cNvPr id="13" name="文字方塊 12">
-            <a:extLst>
-              <a:ext uri="{FF2B5EF4-FFF2-40B4-BE49-F238E27FC236}">
-                <a16:creationId xmlns:a16="http://schemas.microsoft.com/office/drawing/2014/main" id="{00E4B124-D2DE-41F7-B6D6-AF420943863C}"/>
+          <p:cNvPr id="12" name="文字方塊 11">
+            <a:extLst>
+              <a:ext uri="{FF2B5EF4-FFF2-40B4-BE49-F238E27FC236}">
+                <a16:creationId xmlns:a16="http://schemas.microsoft.com/office/drawing/2014/main" id="{84013F82-962A-4EE6-9E33-1D046A7D4315}"/>
               </a:ext>
             </a:extLst>
           </p:cNvPr>
@@ -4849,8 +5243,8 @@
         </p:nvSpPr>
         <p:spPr>
           <a:xfrm>
-            <a:off x="3126419" y="5982525"/>
-            <a:ext cx="4854606" cy="369332"/>
+            <a:off x="4239087" y="2738119"/>
+            <a:ext cx="5357674" cy="646331"/>
           </a:xfrm>
           <a:prstGeom prst="rect">
             <a:avLst/>
@@ -4868,49 +5262,48 @@
                 <a:latin typeface="微軟正黑體" panose="020B0604030504040204" pitchFamily="34" charset="-120"/>
                 <a:ea typeface="微軟正黑體" panose="020B0604030504040204" pitchFamily="34" charset="-120"/>
               </a:rPr>
-              <a:t>將繪製好的座標軸與函數圖形，繪製到視窗上</a:t>
+              <a:t>如果出現</a:t>
+            </a:r>
+            <a:r>
+              <a:rPr lang="en-US" altLang="zh-TW" dirty="0">
+                <a:latin typeface="微軟正黑體" panose="020B0604030504040204" pitchFamily="34" charset="-120"/>
+                <a:ea typeface="微軟正黑體" panose="020B0604030504040204" pitchFamily="34" charset="-120"/>
+              </a:rPr>
+              <a:t>nan</a:t>
+            </a:r>
+            <a:r>
+              <a:rPr lang="zh-TW" altLang="en-US" dirty="0">
+                <a:latin typeface="微軟正黑體" panose="020B0604030504040204" pitchFamily="34" charset="-120"/>
+                <a:ea typeface="微軟正黑體" panose="020B0604030504040204" pitchFamily="34" charset="-120"/>
+              </a:rPr>
+              <a:t>、</a:t>
+            </a:r>
+            <a:r>
+              <a:rPr lang="en-US" altLang="zh-TW" dirty="0">
+                <a:latin typeface="微軟正黑體" panose="020B0604030504040204" pitchFamily="34" charset="-120"/>
+                <a:ea typeface="微軟正黑體" panose="020B0604030504040204" pitchFamily="34" charset="-120"/>
+              </a:rPr>
+              <a:t>inf</a:t>
+            </a:r>
+            <a:r>
+              <a:rPr lang="zh-TW" altLang="en-US" dirty="0">
+                <a:latin typeface="微軟正黑體" panose="020B0604030504040204" pitchFamily="34" charset="-120"/>
+                <a:ea typeface="微軟正黑體" panose="020B0604030504040204" pitchFamily="34" charset="-120"/>
+              </a:rPr>
+              <a:t>則先繪製目前已產生的圖形，</a:t>
             </a:r>
             <a:endParaRPr lang="en-US" altLang="zh-TW" dirty="0">
               <a:latin typeface="微軟正黑體" panose="020B0604030504040204" pitchFamily="34" charset="-120"/>
               <a:ea typeface="微軟正黑體" panose="020B0604030504040204" pitchFamily="34" charset="-120"/>
             </a:endParaRPr>
           </a:p>
-        </p:txBody>
-      </p:sp>
-      <p:sp>
-        <p:nvSpPr>
-          <p:cNvPr id="14" name="文字方塊 13">
-            <a:extLst>
-              <a:ext uri="{FF2B5EF4-FFF2-40B4-BE49-F238E27FC236}">
-                <a16:creationId xmlns:a16="http://schemas.microsoft.com/office/drawing/2014/main" id="{F480A06A-67AE-4783-BB30-2A404D67F4B4}"/>
-              </a:ext>
-            </a:extLst>
-          </p:cNvPr>
-          <p:cNvSpPr txBox="1"/>
-          <p:nvPr/>
-        </p:nvSpPr>
-        <p:spPr>
-          <a:xfrm>
-            <a:off x="2224440" y="2719585"/>
-            <a:ext cx="1104574" cy="369332"/>
-          </a:xfrm>
-          <a:prstGeom prst="rect">
-            <a:avLst/>
-          </a:prstGeom>
-          <a:noFill/>
-        </p:spPr>
-        <p:txBody>
-          <a:bodyPr wrap="square" rtlCol="0">
-            <a:spAutoFit/>
-          </a:bodyPr>
-          <a:lstStyle/>
           <a:p>
             <a:r>
               <a:rPr lang="zh-TW" altLang="en-US" dirty="0">
                 <a:latin typeface="微軟正黑體" panose="020B0604030504040204" pitchFamily="34" charset="-120"/>
                 <a:ea typeface="微軟正黑體" panose="020B0604030504040204" pitchFamily="34" charset="-120"/>
               </a:rPr>
-              <a:t>清空版面</a:t>
+              <a:t>再繼續接下來的繪製</a:t>
             </a:r>
             <a:endParaRPr lang="en-US" altLang="zh-TW" dirty="0">
               <a:latin typeface="微軟正黑體" panose="020B0604030504040204" pitchFamily="34" charset="-120"/>
@@ -4921,10 +5314,10 @@
       </p:sp>
       <p:sp>
         <p:nvSpPr>
-          <p:cNvPr id="15" name="右中括弧 14">
-            <a:extLst>
-              <a:ext uri="{FF2B5EF4-FFF2-40B4-BE49-F238E27FC236}">
-                <a16:creationId xmlns:a16="http://schemas.microsoft.com/office/drawing/2014/main" id="{32674E85-F35B-419F-A5C2-84F59B9BBE09}"/>
+          <p:cNvPr id="13" name="右中括弧 12">
+            <a:extLst>
+              <a:ext uri="{FF2B5EF4-FFF2-40B4-BE49-F238E27FC236}">
+                <a16:creationId xmlns:a16="http://schemas.microsoft.com/office/drawing/2014/main" id="{D8B508A8-A369-4595-BB93-C30C8AEA9BCC}"/>
               </a:ext>
             </a:extLst>
           </p:cNvPr>
@@ -4932,9 +5325,9 @@
           <p:nvPr/>
         </p:nvSpPr>
         <p:spPr>
-          <a:xfrm rot="10800000">
-            <a:off x="1568424" y="4100059"/>
-            <a:ext cx="242878" cy="516329"/>
+          <a:xfrm>
+            <a:off x="6371244" y="3618292"/>
+            <a:ext cx="278131" cy="1406469"/>
           </a:xfrm>
           <a:prstGeom prst="rightBracket">
             <a:avLst/>
@@ -4966,10 +5359,10 @@
       </p:sp>
       <p:sp>
         <p:nvSpPr>
-          <p:cNvPr id="16" name="文字方塊 15">
-            <a:extLst>
-              <a:ext uri="{FF2B5EF4-FFF2-40B4-BE49-F238E27FC236}">
-                <a16:creationId xmlns:a16="http://schemas.microsoft.com/office/drawing/2014/main" id="{D3F5E79A-AED9-4008-99FF-E93012EA7528}"/>
+          <p:cNvPr id="14" name="文字方塊 13">
+            <a:extLst>
+              <a:ext uri="{FF2B5EF4-FFF2-40B4-BE49-F238E27FC236}">
+                <a16:creationId xmlns:a16="http://schemas.microsoft.com/office/drawing/2014/main" id="{7C624B06-98C7-4BAF-AE94-E4EC068D1A02}"/>
               </a:ext>
             </a:extLst>
           </p:cNvPr>
@@ -4978,8 +5371,8 @@
         </p:nvSpPr>
         <p:spPr>
           <a:xfrm>
-            <a:off x="48958" y="4173557"/>
-            <a:ext cx="1737812" cy="369332"/>
+            <a:off x="6649375" y="4034877"/>
+            <a:ext cx="5131293" cy="923330"/>
           </a:xfrm>
           <a:prstGeom prst="rect">
             <a:avLst/>
@@ -4997,106 +5390,66 @@
                 <a:latin typeface="微軟正黑體" panose="020B0604030504040204" pitchFamily="34" charset="-120"/>
                 <a:ea typeface="微軟正黑體" panose="020B0604030504040204" pitchFamily="34" charset="-120"/>
               </a:rPr>
-              <a:t>函數格式錯誤</a:t>
+              <a:t>出現斷點極值</a:t>
+            </a:r>
+            <a:r>
+              <a:rPr lang="en-US" altLang="zh-TW" dirty="0">
+                <a:latin typeface="微軟正黑體" panose="020B0604030504040204" pitchFamily="34" charset="-120"/>
+                <a:ea typeface="微軟正黑體" panose="020B0604030504040204" pitchFamily="34" charset="-120"/>
+              </a:rPr>
+              <a:t>(</a:t>
+            </a:r>
+            <a:r>
+              <a:rPr lang="en-US" altLang="zh-TW" dirty="0" err="1">
+                <a:latin typeface="微軟正黑體" panose="020B0604030504040204" pitchFamily="34" charset="-120"/>
+                <a:ea typeface="微軟正黑體" panose="020B0604030504040204" pitchFamily="34" charset="-120"/>
+              </a:rPr>
+              <a:t>ex.tan</a:t>
+            </a:r>
+            <a:r>
+              <a:rPr lang="en-US" altLang="zh-TW" dirty="0">
+                <a:latin typeface="微軟正黑體" panose="020B0604030504040204" pitchFamily="34" charset="-120"/>
+                <a:ea typeface="微軟正黑體" panose="020B0604030504040204" pitchFamily="34" charset="-120"/>
+              </a:rPr>
+              <a:t>)</a:t>
+            </a:r>
+            <a:r>
+              <a:rPr lang="zh-TW" altLang="en-US" dirty="0">
+                <a:latin typeface="微軟正黑體" panose="020B0604030504040204" pitchFamily="34" charset="-120"/>
+                <a:ea typeface="微軟正黑體" panose="020B0604030504040204" pitchFamily="34" charset="-120"/>
+              </a:rPr>
+              <a:t>先繪製目前已產生的圖形，</a:t>
             </a:r>
             <a:endParaRPr lang="en-US" altLang="zh-TW" dirty="0">
               <a:latin typeface="微軟正黑體" panose="020B0604030504040204" pitchFamily="34" charset="-120"/>
               <a:ea typeface="微軟正黑體" panose="020B0604030504040204" pitchFamily="34" charset="-120"/>
             </a:endParaRPr>
           </a:p>
-        </p:txBody>
-      </p:sp>
-      <p:sp>
-        <p:nvSpPr>
-          <p:cNvPr id="17" name="右中括弧 16">
-            <a:extLst>
-              <a:ext uri="{FF2B5EF4-FFF2-40B4-BE49-F238E27FC236}">
-                <a16:creationId xmlns:a16="http://schemas.microsoft.com/office/drawing/2014/main" id="{1C14180C-9940-401C-8ED3-74B631A09B5F}"/>
-              </a:ext>
-            </a:extLst>
-          </p:cNvPr>
-          <p:cNvSpPr/>
-          <p:nvPr/>
-        </p:nvSpPr>
-        <p:spPr>
-          <a:xfrm rot="10800000">
-            <a:off x="1568424" y="4670163"/>
-            <a:ext cx="242878" cy="516329"/>
-          </a:xfrm>
-          <a:prstGeom prst="rightBracket">
-            <a:avLst/>
-          </a:prstGeom>
-          <a:ln w="38100"/>
-        </p:spPr>
-        <p:style>
-          <a:lnRef idx="1">
-            <a:schemeClr val="accent1"/>
-          </a:lnRef>
-          <a:fillRef idx="0">
-            <a:schemeClr val="accent1"/>
-          </a:fillRef>
-          <a:effectRef idx="0">
-            <a:schemeClr val="accent1"/>
-          </a:effectRef>
-          <a:fontRef idx="minor">
-            <a:schemeClr val="tx1"/>
-          </a:fontRef>
-        </p:style>
-        <p:txBody>
-          <a:bodyPr rtlCol="0" anchor="ctr"/>
-          <a:lstStyle/>
-          <a:p>
-            <a:pPr algn="ctr"/>
-            <a:endParaRPr lang="zh-TW" altLang="en-US"/>
-          </a:p>
-        </p:txBody>
-      </p:sp>
-      <p:sp>
-        <p:nvSpPr>
-          <p:cNvPr id="18" name="文字方塊 17">
-            <a:extLst>
-              <a:ext uri="{FF2B5EF4-FFF2-40B4-BE49-F238E27FC236}">
-                <a16:creationId xmlns:a16="http://schemas.microsoft.com/office/drawing/2014/main" id="{ABB64DF6-19D2-467D-B9BE-8038B5EDA3ED}"/>
-              </a:ext>
-            </a:extLst>
-          </p:cNvPr>
-          <p:cNvSpPr txBox="1"/>
-          <p:nvPr/>
-        </p:nvSpPr>
-        <p:spPr>
-          <a:xfrm>
-            <a:off x="48958" y="4743661"/>
-            <a:ext cx="1737812" cy="369332"/>
-          </a:xfrm>
-          <a:prstGeom prst="rect">
-            <a:avLst/>
-          </a:prstGeom>
-          <a:noFill/>
-        </p:spPr>
-        <p:txBody>
-          <a:bodyPr wrap="square" rtlCol="0">
-            <a:spAutoFit/>
-          </a:bodyPr>
-          <a:lstStyle/>
           <a:p>
             <a:r>
               <a:rPr lang="zh-TW" altLang="en-US" dirty="0">
                 <a:latin typeface="微軟正黑體" panose="020B0604030504040204" pitchFamily="34" charset="-120"/>
                 <a:ea typeface="微軟正黑體" panose="020B0604030504040204" pitchFamily="34" charset="-120"/>
               </a:rPr>
-              <a:t>函數格式正確</a:t>
+              <a:t>再繼續接下來的繪製</a:t>
             </a:r>
             <a:endParaRPr lang="en-US" altLang="zh-TW" dirty="0">
               <a:latin typeface="微軟正黑體" panose="020B0604030504040204" pitchFamily="34" charset="-120"/>
               <a:ea typeface="微軟正黑體" panose="020B0604030504040204" pitchFamily="34" charset="-120"/>
             </a:endParaRPr>
           </a:p>
+          <a:p>
+            <a:endParaRPr lang="en-US" altLang="zh-TW" dirty="0">
+              <a:latin typeface="微軟正黑體" panose="020B0604030504040204" pitchFamily="34" charset="-120"/>
+              <a:ea typeface="微軟正黑體" panose="020B0604030504040204" pitchFamily="34" charset="-120"/>
+            </a:endParaRPr>
+          </a:p>
         </p:txBody>
       </p:sp>
     </p:spTree>
     <p:extLst>
       <p:ext uri="{BB962C8B-B14F-4D97-AF65-F5344CB8AC3E}">
-        <p14:creationId xmlns:p14="http://schemas.microsoft.com/office/powerpoint/2010/main" val="1429452772"/>
+        <p14:creationId xmlns:p14="http://schemas.microsoft.com/office/powerpoint/2010/main" val="2876815757"/>
       </p:ext>
     </p:extLst>
   </p:cSld>
@@ -5126,52 +5479,12 @@
           <a:chExt cx="0" cy="0"/>
         </a:xfrm>
       </p:grpSpPr>
-      <p:sp>
-        <p:nvSpPr>
-          <p:cNvPr id="2" name="標題 1">
-            <a:extLst>
-              <a:ext uri="{FF2B5EF4-FFF2-40B4-BE49-F238E27FC236}">
-                <a16:creationId xmlns:a16="http://schemas.microsoft.com/office/drawing/2014/main" id="{BCCDD681-A640-46AD-BCB7-D492A9D08DE4}"/>
-              </a:ext>
-            </a:extLst>
-          </p:cNvPr>
-          <p:cNvSpPr>
-            <a:spLocks noGrp="1"/>
-          </p:cNvSpPr>
-          <p:nvPr>
-            <p:ph type="title"/>
-          </p:nvPr>
-        </p:nvSpPr>
-        <p:spPr/>
-        <p:txBody>
-          <a:bodyPr/>
-          <a:lstStyle/>
-          <a:p>
-            <a:r>
-              <a:rPr lang="en-US" altLang="zh-TW" dirty="0"/>
-              <a:t>Drawer – </a:t>
-            </a:r>
-            <a:r>
-              <a:rPr lang="en-US" altLang="zh-TW" dirty="0" err="1"/>
-              <a:t>wheelEvent</a:t>
-            </a:r>
-            <a:r>
-              <a:rPr lang="en-US" altLang="zh-TW" dirty="0"/>
-              <a:t> </a:t>
-            </a:r>
-            <a:r>
-              <a:rPr lang="zh-TW" altLang="en-US" dirty="0"/>
-              <a:t>改寫</a:t>
-            </a:r>
-          </a:p>
-        </p:txBody>
-      </p:sp>
       <p:pic>
         <p:nvPicPr>
-          <p:cNvPr id="5" name="內容版面配置區 4">
-            <a:extLst>
-              <a:ext uri="{FF2B5EF4-FFF2-40B4-BE49-F238E27FC236}">
-                <a16:creationId xmlns:a16="http://schemas.microsoft.com/office/drawing/2014/main" id="{8419A2B6-20F4-4E41-AEB5-B46F69C9576E}"/>
+          <p:cNvPr id="8" name="內容版面配置區 7">
+            <a:extLst>
+              <a:ext uri="{FF2B5EF4-FFF2-40B4-BE49-F238E27FC236}">
+                <a16:creationId xmlns:a16="http://schemas.microsoft.com/office/drawing/2014/main" id="{CF568E64-6A66-407F-8391-564428551F7A}"/>
               </a:ext>
             </a:extLst>
           </p:cNvPr>
@@ -5190,8 +5503,8 @@
         </p:blipFill>
         <p:spPr>
           <a:xfrm>
-            <a:off x="838200" y="1690687"/>
-            <a:ext cx="5640744" cy="4683479"/>
+            <a:off x="838200" y="1690688"/>
+            <a:ext cx="8785194" cy="4941672"/>
           </a:xfrm>
           <a:prstGeom prst="rect">
             <a:avLst/>
@@ -5200,10 +5513,50 @@
       </p:pic>
       <p:sp>
         <p:nvSpPr>
+          <p:cNvPr id="2" name="標題 1">
+            <a:extLst>
+              <a:ext uri="{FF2B5EF4-FFF2-40B4-BE49-F238E27FC236}">
+                <a16:creationId xmlns:a16="http://schemas.microsoft.com/office/drawing/2014/main" id="{BCCDD681-A640-46AD-BCB7-D492A9D08DE4}"/>
+              </a:ext>
+            </a:extLst>
+          </p:cNvPr>
+          <p:cNvSpPr>
+            <a:spLocks noGrp="1"/>
+          </p:cNvSpPr>
+          <p:nvPr>
+            <p:ph type="title"/>
+          </p:nvPr>
+        </p:nvSpPr>
+        <p:spPr/>
+        <p:txBody>
+          <a:bodyPr/>
+          <a:lstStyle/>
+          <a:p>
+            <a:r>
+              <a:rPr lang="en-US" altLang="zh-TW" dirty="0"/>
+              <a:t>Drawer – </a:t>
+            </a:r>
+            <a:r>
+              <a:rPr lang="en-US" altLang="zh-TW" dirty="0" err="1"/>
+              <a:t>paintEvent</a:t>
+            </a:r>
+            <a:r>
+              <a:rPr lang="en-US" altLang="zh-TW" dirty="0"/>
+              <a:t> </a:t>
+            </a:r>
+            <a:r>
+              <a:rPr lang="zh-TW" altLang="en-US" dirty="0"/>
+              <a:t>改寫</a:t>
+            </a:r>
+          </a:p>
+        </p:txBody>
+      </p:sp>
+      <p:sp>
+        <p:nvSpPr>
           <p:cNvPr id="4" name="右中括弧 3">
             <a:extLst>
               <a:ext uri="{FF2B5EF4-FFF2-40B4-BE49-F238E27FC236}">
-                <a16:creationId xmlns:a16="http://schemas.microsoft.com/office/drawing/2014/main" id="{33E56273-883D-4876-A33A-490B5C7ED041}"/>
+                <a16:creationId xmlns:a16="http://schemas.microsoft.com/office/drawing/2014/main" id="{9519088A-EB5A-40B1-994C-DF6C2E9F0AE0}"/>
               </a:ext>
             </a:extLst>
           </p:cNvPr>
@@ -5212,8 +5565,8 @@
         </p:nvSpPr>
         <p:spPr>
           <a:xfrm>
-            <a:off x="4746373" y="3097405"/>
-            <a:ext cx="198490" cy="1749803"/>
+            <a:off x="9513682" y="3866357"/>
+            <a:ext cx="242878" cy="1504633"/>
           </a:xfrm>
           <a:prstGeom prst="rightBracket">
             <a:avLst/>
@@ -5239,18 +5592,16 @@
           <a:lstStyle/>
           <a:p>
             <a:pPr algn="ctr"/>
-            <a:endParaRPr lang="zh-TW" altLang="en-US">
-              <a:latin typeface="Comic Sans MS" panose="030F0702030302020204" pitchFamily="66" charset="0"/>
-            </a:endParaRPr>
-          </a:p>
-        </p:txBody>
-      </p:sp>
-      <p:sp>
-        <p:nvSpPr>
-          <p:cNvPr id="6" name="文字方塊 5">
-            <a:extLst>
-              <a:ext uri="{FF2B5EF4-FFF2-40B4-BE49-F238E27FC236}">
-                <a16:creationId xmlns:a16="http://schemas.microsoft.com/office/drawing/2014/main" id="{68C92833-5AA3-4C12-B682-AE0E75BF5A33}"/>
+            <a:endParaRPr lang="zh-TW" altLang="en-US"/>
+          </a:p>
+        </p:txBody>
+      </p:sp>
+      <p:sp>
+        <p:nvSpPr>
+          <p:cNvPr id="5" name="文字方塊 4">
+            <a:extLst>
+              <a:ext uri="{FF2B5EF4-FFF2-40B4-BE49-F238E27FC236}">
+                <a16:creationId xmlns:a16="http://schemas.microsoft.com/office/drawing/2014/main" id="{55B68E41-5550-4364-8207-FF08143F77BD}"/>
               </a:ext>
             </a:extLst>
           </p:cNvPr>
@@ -5259,8 +5610,8 @@
         </p:nvSpPr>
         <p:spPr>
           <a:xfrm>
-            <a:off x="4944863" y="3649140"/>
-            <a:ext cx="3305362" cy="646331"/>
+            <a:off x="9832715" y="4100059"/>
+            <a:ext cx="1848054" cy="923330"/>
           </a:xfrm>
           <a:prstGeom prst="rect">
             <a:avLst/>
@@ -5275,29 +5626,13 @@
           <a:p>
             <a:r>
               <a:rPr lang="zh-TW" altLang="en-US" dirty="0">
-                <a:latin typeface="Comic Sans MS" panose="030F0702030302020204" pitchFamily="66" charset="0"/>
-                <a:ea typeface="微軟正黑體" panose="020B0604030504040204" pitchFamily="34" charset="-120"/>
-              </a:rPr>
-              <a:t>如果基本倍數已縮至最小</a:t>
-            </a:r>
-            <a:r>
-              <a:rPr lang="en-US" altLang="zh-TW" dirty="0">
-                <a:latin typeface="Comic Sans MS" panose="030F0702030302020204" pitchFamily="66" charset="0"/>
-                <a:ea typeface="微軟正黑體" panose="020B0604030504040204" pitchFamily="34" charset="-120"/>
-              </a:rPr>
-              <a:t>(0.5)</a:t>
-            </a:r>
-          </a:p>
-          <a:p>
-            <a:r>
-              <a:rPr lang="zh-TW" altLang="en-US" dirty="0">
-                <a:latin typeface="Comic Sans MS" panose="030F0702030302020204" pitchFamily="66" charset="0"/>
-                <a:ea typeface="微軟正黑體" panose="020B0604030504040204" pitchFamily="34" charset="-120"/>
-              </a:rPr>
-              <a:t>切換為改變次倍數</a:t>
+                <a:latin typeface="微軟正黑體" panose="020B0604030504040204" pitchFamily="34" charset="-120"/>
+                <a:ea typeface="微軟正黑體" panose="020B0604030504040204" pitchFamily="34" charset="-120"/>
+              </a:rPr>
+              <a:t>尋訪列表中的所有函數，並呼叫繪製函數圖形</a:t>
             </a:r>
             <a:endParaRPr lang="en-US" altLang="zh-TW" dirty="0">
-              <a:latin typeface="Comic Sans MS" panose="030F0702030302020204" pitchFamily="66" charset="0"/>
+              <a:latin typeface="微軟正黑體" panose="020B0604030504040204" pitchFamily="34" charset="-120"/>
               <a:ea typeface="微軟正黑體" panose="020B0604030504040204" pitchFamily="34" charset="-120"/>
             </a:endParaRPr>
           </a:p>
@@ -5305,10 +5640,10 @@
       </p:sp>
       <p:sp>
         <p:nvSpPr>
-          <p:cNvPr id="7" name="右中括弧 6">
-            <a:extLst>
-              <a:ext uri="{FF2B5EF4-FFF2-40B4-BE49-F238E27FC236}">
-                <a16:creationId xmlns:a16="http://schemas.microsoft.com/office/drawing/2014/main" id="{3B88F9A6-04FF-4BA5-AF9E-4A2316885817}"/>
+          <p:cNvPr id="12" name="右中括弧 11">
+            <a:extLst>
+              <a:ext uri="{FF2B5EF4-FFF2-40B4-BE49-F238E27FC236}">
+                <a16:creationId xmlns:a16="http://schemas.microsoft.com/office/drawing/2014/main" id="{AF96AB99-27E8-48BC-9381-4C0705AB2FC7}"/>
               </a:ext>
             </a:extLst>
           </p:cNvPr>
@@ -5317,8 +5652,8 @@
         </p:nvSpPr>
         <p:spPr>
           <a:xfrm>
-            <a:off x="6280454" y="5108198"/>
-            <a:ext cx="198490" cy="646332"/>
+            <a:off x="2894120" y="5841507"/>
+            <a:ext cx="232299" cy="651368"/>
           </a:xfrm>
           <a:prstGeom prst="rightBracket">
             <a:avLst/>
@@ -5344,18 +5679,16 @@
           <a:lstStyle/>
           <a:p>
             <a:pPr algn="ctr"/>
-            <a:endParaRPr lang="zh-TW" altLang="en-US">
-              <a:latin typeface="Comic Sans MS" panose="030F0702030302020204" pitchFamily="66" charset="0"/>
-            </a:endParaRPr>
-          </a:p>
-        </p:txBody>
-      </p:sp>
-      <p:sp>
-        <p:nvSpPr>
-          <p:cNvPr id="8" name="文字方塊 7">
-            <a:extLst>
-              <a:ext uri="{FF2B5EF4-FFF2-40B4-BE49-F238E27FC236}">
-                <a16:creationId xmlns:a16="http://schemas.microsoft.com/office/drawing/2014/main" id="{D1AABA42-3E4A-47AA-9053-635E7A923D3D}"/>
+            <a:endParaRPr lang="zh-TW" altLang="en-US"/>
+          </a:p>
+        </p:txBody>
+      </p:sp>
+      <p:sp>
+        <p:nvSpPr>
+          <p:cNvPr id="13" name="文字方塊 12">
+            <a:extLst>
+              <a:ext uri="{FF2B5EF4-FFF2-40B4-BE49-F238E27FC236}">
+                <a16:creationId xmlns:a16="http://schemas.microsoft.com/office/drawing/2014/main" id="{00E4B124-D2DE-41F7-B6D6-AF420943863C}"/>
               </a:ext>
             </a:extLst>
           </p:cNvPr>
@@ -5364,8 +5697,8 @@
         </p:nvSpPr>
         <p:spPr>
           <a:xfrm>
-            <a:off x="6597544" y="5108198"/>
-            <a:ext cx="3305362" cy="646331"/>
+            <a:off x="3126419" y="5982525"/>
+            <a:ext cx="4854606" cy="369332"/>
           </a:xfrm>
           <a:prstGeom prst="rect">
             <a:avLst/>
@@ -5380,26 +5713,229 @@
           <a:p>
             <a:r>
               <a:rPr lang="zh-TW" altLang="en-US" dirty="0">
-                <a:latin typeface="Comic Sans MS" panose="030F0702030302020204" pitchFamily="66" charset="0"/>
-                <a:ea typeface="微軟正黑體" panose="020B0604030504040204" pitchFamily="34" charset="-120"/>
-              </a:rPr>
-              <a:t>依照滾輪滾動的變化值</a:t>
+                <a:latin typeface="微軟正黑體" panose="020B0604030504040204" pitchFamily="34" charset="-120"/>
+                <a:ea typeface="微軟正黑體" panose="020B0604030504040204" pitchFamily="34" charset="-120"/>
+              </a:rPr>
+              <a:t>將繪製好的座標軸與函數圖形，繪製到視窗上</a:t>
             </a:r>
             <a:endParaRPr lang="en-US" altLang="zh-TW" dirty="0">
-              <a:latin typeface="Comic Sans MS" panose="030F0702030302020204" pitchFamily="66" charset="0"/>
+              <a:latin typeface="微軟正黑體" panose="020B0604030504040204" pitchFamily="34" charset="-120"/>
               <a:ea typeface="微軟正黑體" panose="020B0604030504040204" pitchFamily="34" charset="-120"/>
             </a:endParaRPr>
           </a:p>
+        </p:txBody>
+      </p:sp>
+      <p:sp>
+        <p:nvSpPr>
+          <p:cNvPr id="14" name="文字方塊 13">
+            <a:extLst>
+              <a:ext uri="{FF2B5EF4-FFF2-40B4-BE49-F238E27FC236}">
+                <a16:creationId xmlns:a16="http://schemas.microsoft.com/office/drawing/2014/main" id="{F480A06A-67AE-4783-BB30-2A404D67F4B4}"/>
+              </a:ext>
+            </a:extLst>
+          </p:cNvPr>
+          <p:cNvSpPr txBox="1"/>
+          <p:nvPr/>
+        </p:nvSpPr>
+        <p:spPr>
+          <a:xfrm>
+            <a:off x="2224440" y="2719585"/>
+            <a:ext cx="1104574" cy="369332"/>
+          </a:xfrm>
+          <a:prstGeom prst="rect">
+            <a:avLst/>
+          </a:prstGeom>
+          <a:noFill/>
+        </p:spPr>
+        <p:txBody>
+          <a:bodyPr wrap="square" rtlCol="0">
+            <a:spAutoFit/>
+          </a:bodyPr>
+          <a:lstStyle/>
           <a:p>
             <a:r>
               <a:rPr lang="zh-TW" altLang="en-US" dirty="0">
-                <a:latin typeface="Comic Sans MS" panose="030F0702030302020204" pitchFamily="66" charset="0"/>
-                <a:ea typeface="微軟正黑體" panose="020B0604030504040204" pitchFamily="34" charset="-120"/>
-              </a:rPr>
-              <a:t>改變基本倍數</a:t>
+                <a:latin typeface="微軟正黑體" panose="020B0604030504040204" pitchFamily="34" charset="-120"/>
+                <a:ea typeface="微軟正黑體" panose="020B0604030504040204" pitchFamily="34" charset="-120"/>
+              </a:rPr>
+              <a:t>清空版面</a:t>
             </a:r>
             <a:endParaRPr lang="en-US" altLang="zh-TW" dirty="0">
-              <a:latin typeface="Comic Sans MS" panose="030F0702030302020204" pitchFamily="66" charset="0"/>
+              <a:latin typeface="微軟正黑體" panose="020B0604030504040204" pitchFamily="34" charset="-120"/>
+              <a:ea typeface="微軟正黑體" panose="020B0604030504040204" pitchFamily="34" charset="-120"/>
+            </a:endParaRPr>
+          </a:p>
+        </p:txBody>
+      </p:sp>
+      <p:sp>
+        <p:nvSpPr>
+          <p:cNvPr id="15" name="右中括弧 14">
+            <a:extLst>
+              <a:ext uri="{FF2B5EF4-FFF2-40B4-BE49-F238E27FC236}">
+                <a16:creationId xmlns:a16="http://schemas.microsoft.com/office/drawing/2014/main" id="{32674E85-F35B-419F-A5C2-84F59B9BBE09}"/>
+              </a:ext>
+            </a:extLst>
+          </p:cNvPr>
+          <p:cNvSpPr/>
+          <p:nvPr/>
+        </p:nvSpPr>
+        <p:spPr>
+          <a:xfrm rot="10800000">
+            <a:off x="1568424" y="4100059"/>
+            <a:ext cx="242878" cy="516329"/>
+          </a:xfrm>
+          <a:prstGeom prst="rightBracket">
+            <a:avLst/>
+          </a:prstGeom>
+          <a:ln w="38100"/>
+        </p:spPr>
+        <p:style>
+          <a:lnRef idx="1">
+            <a:schemeClr val="accent1"/>
+          </a:lnRef>
+          <a:fillRef idx="0">
+            <a:schemeClr val="accent1"/>
+          </a:fillRef>
+          <a:effectRef idx="0">
+            <a:schemeClr val="accent1"/>
+          </a:effectRef>
+          <a:fontRef idx="minor">
+            <a:schemeClr val="tx1"/>
+          </a:fontRef>
+        </p:style>
+        <p:txBody>
+          <a:bodyPr rtlCol="0" anchor="ctr"/>
+          <a:lstStyle/>
+          <a:p>
+            <a:pPr algn="ctr"/>
+            <a:endParaRPr lang="zh-TW" altLang="en-US"/>
+          </a:p>
+        </p:txBody>
+      </p:sp>
+      <p:sp>
+        <p:nvSpPr>
+          <p:cNvPr id="16" name="文字方塊 15">
+            <a:extLst>
+              <a:ext uri="{FF2B5EF4-FFF2-40B4-BE49-F238E27FC236}">
+                <a16:creationId xmlns:a16="http://schemas.microsoft.com/office/drawing/2014/main" id="{D3F5E79A-AED9-4008-99FF-E93012EA7528}"/>
+              </a:ext>
+            </a:extLst>
+          </p:cNvPr>
+          <p:cNvSpPr txBox="1"/>
+          <p:nvPr/>
+        </p:nvSpPr>
+        <p:spPr>
+          <a:xfrm>
+            <a:off x="48958" y="4173557"/>
+            <a:ext cx="1737812" cy="369332"/>
+          </a:xfrm>
+          <a:prstGeom prst="rect">
+            <a:avLst/>
+          </a:prstGeom>
+          <a:noFill/>
+        </p:spPr>
+        <p:txBody>
+          <a:bodyPr wrap="square" rtlCol="0">
+            <a:spAutoFit/>
+          </a:bodyPr>
+          <a:lstStyle/>
+          <a:p>
+            <a:r>
+              <a:rPr lang="zh-TW" altLang="en-US" dirty="0">
+                <a:latin typeface="微軟正黑體" panose="020B0604030504040204" pitchFamily="34" charset="-120"/>
+                <a:ea typeface="微軟正黑體" panose="020B0604030504040204" pitchFamily="34" charset="-120"/>
+              </a:rPr>
+              <a:t>函數格式錯誤</a:t>
+            </a:r>
+            <a:endParaRPr lang="en-US" altLang="zh-TW" dirty="0">
+              <a:latin typeface="微軟正黑體" panose="020B0604030504040204" pitchFamily="34" charset="-120"/>
+              <a:ea typeface="微軟正黑體" panose="020B0604030504040204" pitchFamily="34" charset="-120"/>
+            </a:endParaRPr>
+          </a:p>
+        </p:txBody>
+      </p:sp>
+      <p:sp>
+        <p:nvSpPr>
+          <p:cNvPr id="17" name="右中括弧 16">
+            <a:extLst>
+              <a:ext uri="{FF2B5EF4-FFF2-40B4-BE49-F238E27FC236}">
+                <a16:creationId xmlns:a16="http://schemas.microsoft.com/office/drawing/2014/main" id="{1C14180C-9940-401C-8ED3-74B631A09B5F}"/>
+              </a:ext>
+            </a:extLst>
+          </p:cNvPr>
+          <p:cNvSpPr/>
+          <p:nvPr/>
+        </p:nvSpPr>
+        <p:spPr>
+          <a:xfrm rot="10800000">
+            <a:off x="1568424" y="4670163"/>
+            <a:ext cx="242878" cy="516329"/>
+          </a:xfrm>
+          <a:prstGeom prst="rightBracket">
+            <a:avLst/>
+          </a:prstGeom>
+          <a:ln w="38100"/>
+        </p:spPr>
+        <p:style>
+          <a:lnRef idx="1">
+            <a:schemeClr val="accent1"/>
+          </a:lnRef>
+          <a:fillRef idx="0">
+            <a:schemeClr val="accent1"/>
+          </a:fillRef>
+          <a:effectRef idx="0">
+            <a:schemeClr val="accent1"/>
+          </a:effectRef>
+          <a:fontRef idx="minor">
+            <a:schemeClr val="tx1"/>
+          </a:fontRef>
+        </p:style>
+        <p:txBody>
+          <a:bodyPr rtlCol="0" anchor="ctr"/>
+          <a:lstStyle/>
+          <a:p>
+            <a:pPr algn="ctr"/>
+            <a:endParaRPr lang="zh-TW" altLang="en-US"/>
+          </a:p>
+        </p:txBody>
+      </p:sp>
+      <p:sp>
+        <p:nvSpPr>
+          <p:cNvPr id="18" name="文字方塊 17">
+            <a:extLst>
+              <a:ext uri="{FF2B5EF4-FFF2-40B4-BE49-F238E27FC236}">
+                <a16:creationId xmlns:a16="http://schemas.microsoft.com/office/drawing/2014/main" id="{ABB64DF6-19D2-467D-B9BE-8038B5EDA3ED}"/>
+              </a:ext>
+            </a:extLst>
+          </p:cNvPr>
+          <p:cNvSpPr txBox="1"/>
+          <p:nvPr/>
+        </p:nvSpPr>
+        <p:spPr>
+          <a:xfrm>
+            <a:off x="48958" y="4743661"/>
+            <a:ext cx="1737812" cy="369332"/>
+          </a:xfrm>
+          <a:prstGeom prst="rect">
+            <a:avLst/>
+          </a:prstGeom>
+          <a:noFill/>
+        </p:spPr>
+        <p:txBody>
+          <a:bodyPr wrap="square" rtlCol="0">
+            <a:spAutoFit/>
+          </a:bodyPr>
+          <a:lstStyle/>
+          <a:p>
+            <a:r>
+              <a:rPr lang="zh-TW" altLang="en-US" dirty="0">
+                <a:latin typeface="微軟正黑體" panose="020B0604030504040204" pitchFamily="34" charset="-120"/>
+                <a:ea typeface="微軟正黑體" panose="020B0604030504040204" pitchFamily="34" charset="-120"/>
+              </a:rPr>
+              <a:t>函數格式正確</a:t>
+            </a:r>
+            <a:endParaRPr lang="en-US" altLang="zh-TW" dirty="0">
+              <a:latin typeface="微軟正黑體" panose="020B0604030504040204" pitchFamily="34" charset="-120"/>
               <a:ea typeface="微軟正黑體" panose="020B0604030504040204" pitchFamily="34" charset="-120"/>
             </a:endParaRPr>
           </a:p>
@@ -5408,7 +5944,7 @@
     </p:spTree>
     <p:extLst>
       <p:ext uri="{BB962C8B-B14F-4D97-AF65-F5344CB8AC3E}">
-        <p14:creationId xmlns:p14="http://schemas.microsoft.com/office/powerpoint/2010/main" val="2125977142"/>
+        <p14:creationId xmlns:p14="http://schemas.microsoft.com/office/powerpoint/2010/main" val="1429452772"/>
       </p:ext>
     </p:extLst>
   </p:cSld>
@@ -5464,8 +6000,8 @@
               <a:t>Drawer – </a:t>
             </a:r>
             <a:r>
-              <a:rPr lang="zh-TW" altLang="en-US" dirty="0"/>
-              <a:t>滑鼠點擊、移動、釋放</a:t>
+              <a:rPr lang="en-US" altLang="zh-TW" dirty="0" err="1"/>
+              <a:t>wheelEvent</a:t>
             </a:r>
             <a:r>
               <a:rPr lang="en-US" altLang="zh-TW" dirty="0"/>
@@ -5480,10 +6016,10 @@
       </p:sp>
       <p:pic>
         <p:nvPicPr>
-          <p:cNvPr id="6" name="內容版面配置區 5">
-            <a:extLst>
-              <a:ext uri="{FF2B5EF4-FFF2-40B4-BE49-F238E27FC236}">
-                <a16:creationId xmlns:a16="http://schemas.microsoft.com/office/drawing/2014/main" id="{1170AD82-B59E-4347-A0D7-8B68F39D2854}"/>
+          <p:cNvPr id="5" name="內容版面配置區 4">
+            <a:extLst>
+              <a:ext uri="{FF2B5EF4-FFF2-40B4-BE49-F238E27FC236}">
+                <a16:creationId xmlns:a16="http://schemas.microsoft.com/office/drawing/2014/main" id="{8419A2B6-20F4-4E41-AEB5-B46F69C9576E}"/>
               </a:ext>
             </a:extLst>
           </p:cNvPr>
@@ -5503,7 +6039,7 @@
         <p:spPr>
           <a:xfrm>
             <a:off x="838200" y="1690687"/>
-            <a:ext cx="5659720" cy="4802187"/>
+            <a:ext cx="5640744" cy="4683479"/>
           </a:xfrm>
           <a:prstGeom prst="rect">
             <a:avLst/>
@@ -5515,7 +6051,7 @@
           <p:cNvPr id="4" name="右中括弧 3">
             <a:extLst>
               <a:ext uri="{FF2B5EF4-FFF2-40B4-BE49-F238E27FC236}">
-                <a16:creationId xmlns:a16="http://schemas.microsoft.com/office/drawing/2014/main" id="{DDB318F5-37FD-4815-B200-89FFFC59FEED}"/>
+                <a16:creationId xmlns:a16="http://schemas.microsoft.com/office/drawing/2014/main" id="{33E56273-883D-4876-A33A-490B5C7ED041}"/>
               </a:ext>
             </a:extLst>
           </p:cNvPr>
@@ -5524,8 +6060,8 @@
         </p:nvSpPr>
         <p:spPr>
           <a:xfrm>
-            <a:off x="6299430" y="5729634"/>
-            <a:ext cx="198490" cy="646332"/>
+            <a:off x="4746373" y="3097405"/>
+            <a:ext cx="198490" cy="1749803"/>
           </a:xfrm>
           <a:prstGeom prst="rightBracket">
             <a:avLst/>
@@ -5559,10 +6095,10 @@
       </p:sp>
       <p:sp>
         <p:nvSpPr>
-          <p:cNvPr id="5" name="文字方塊 4">
-            <a:extLst>
-              <a:ext uri="{FF2B5EF4-FFF2-40B4-BE49-F238E27FC236}">
-                <a16:creationId xmlns:a16="http://schemas.microsoft.com/office/drawing/2014/main" id="{AFABDBEF-0568-4A01-8464-B5CFA439D73F}"/>
+          <p:cNvPr id="6" name="文字方塊 5">
+            <a:extLst>
+              <a:ext uri="{FF2B5EF4-FFF2-40B4-BE49-F238E27FC236}">
+                <a16:creationId xmlns:a16="http://schemas.microsoft.com/office/drawing/2014/main" id="{68C92833-5AA3-4C12-B682-AE0E75BF5A33}"/>
               </a:ext>
             </a:extLst>
           </p:cNvPr>
@@ -5571,8 +6107,8 @@
         </p:nvSpPr>
         <p:spPr>
           <a:xfrm>
-            <a:off x="6616520" y="5729634"/>
-            <a:ext cx="4125461" cy="646331"/>
+            <a:off x="4944863" y="3649140"/>
+            <a:ext cx="3305362" cy="646331"/>
           </a:xfrm>
           <a:prstGeom prst="rect">
             <a:avLst/>
@@ -5590,48 +6126,37 @@
                 <a:latin typeface="Comic Sans MS" panose="030F0702030302020204" pitchFamily="66" charset="0"/>
                 <a:ea typeface="微軟正黑體" panose="020B0604030504040204" pitchFamily="34" charset="-120"/>
               </a:rPr>
-              <a:t>計算位移量</a:t>
+              <a:t>如果基本倍數已縮至最小</a:t>
+            </a:r>
+            <a:r>
+              <a:rPr lang="en-US" altLang="zh-TW" dirty="0">
+                <a:latin typeface="Comic Sans MS" panose="030F0702030302020204" pitchFamily="66" charset="0"/>
+                <a:ea typeface="微軟正黑體" panose="020B0604030504040204" pitchFamily="34" charset="-120"/>
+              </a:rPr>
+              <a:t>(0.5)</a:t>
+            </a:r>
+          </a:p>
+          <a:p>
+            <a:r>
+              <a:rPr lang="zh-TW" altLang="en-US" dirty="0">
+                <a:latin typeface="Comic Sans MS" panose="030F0702030302020204" pitchFamily="66" charset="0"/>
+                <a:ea typeface="微軟正黑體" panose="020B0604030504040204" pitchFamily="34" charset="-120"/>
+              </a:rPr>
+              <a:t>切換為改變次倍數</a:t>
             </a:r>
             <a:endParaRPr lang="en-US" altLang="zh-TW" dirty="0">
               <a:latin typeface="Comic Sans MS" panose="030F0702030302020204" pitchFamily="66" charset="0"/>
               <a:ea typeface="微軟正黑體" panose="020B0604030504040204" pitchFamily="34" charset="-120"/>
             </a:endParaRPr>
           </a:p>
-          <a:p>
-            <a:r>
-              <a:rPr lang="zh-TW" altLang="en-US" dirty="0">
-                <a:latin typeface="Comic Sans MS" panose="030F0702030302020204" pitchFamily="66" charset="0"/>
-                <a:ea typeface="微軟正黑體" panose="020B0604030504040204" pitchFamily="34" charset="-120"/>
-              </a:rPr>
-              <a:t>並將其實時更新至</a:t>
-            </a:r>
-            <a:r>
-              <a:rPr lang="en-US" altLang="zh-TW" dirty="0" err="1">
-                <a:latin typeface="Comic Sans MS" panose="030F0702030302020204" pitchFamily="66" charset="0"/>
-                <a:ea typeface="微軟正黑體" panose="020B0604030504040204" pitchFamily="34" charset="-120"/>
-              </a:rPr>
-              <a:t>movePos</a:t>
-            </a:r>
-            <a:r>
-              <a:rPr lang="zh-TW" altLang="en-US" dirty="0">
-                <a:latin typeface="Comic Sans MS" panose="030F0702030302020204" pitchFamily="66" charset="0"/>
-                <a:ea typeface="微軟正黑體" panose="020B0604030504040204" pitchFamily="34" charset="-120"/>
-              </a:rPr>
-              <a:t>中記錄</a:t>
-            </a:r>
-            <a:endParaRPr lang="en-US" altLang="zh-TW" dirty="0">
-              <a:latin typeface="Comic Sans MS" panose="030F0702030302020204" pitchFamily="66" charset="0"/>
-              <a:ea typeface="微軟正黑體" panose="020B0604030504040204" pitchFamily="34" charset="-120"/>
-            </a:endParaRPr>
-          </a:p>
-        </p:txBody>
-      </p:sp>
-      <p:sp>
-        <p:nvSpPr>
-          <p:cNvPr id="9" name="右中括弧 8">
-            <a:extLst>
-              <a:ext uri="{FF2B5EF4-FFF2-40B4-BE49-F238E27FC236}">
-                <a16:creationId xmlns:a16="http://schemas.microsoft.com/office/drawing/2014/main" id="{24D97D64-555E-4ED6-A639-0C5BD669B61A}"/>
+        </p:txBody>
+      </p:sp>
+      <p:sp>
+        <p:nvSpPr>
+          <p:cNvPr id="7" name="右中括弧 6">
+            <a:extLst>
+              <a:ext uri="{FF2B5EF4-FFF2-40B4-BE49-F238E27FC236}">
+                <a16:creationId xmlns:a16="http://schemas.microsoft.com/office/drawing/2014/main" id="{3B88F9A6-04FF-4BA5-AF9E-4A2316885817}"/>
               </a:ext>
             </a:extLst>
           </p:cNvPr>
@@ -5640,7 +6165,7 @@
         </p:nvSpPr>
         <p:spPr>
           <a:xfrm>
-            <a:off x="5155690" y="4213032"/>
+            <a:off x="6280454" y="5108198"/>
             <a:ext cx="198490" cy="646332"/>
           </a:xfrm>
           <a:prstGeom prst="rightBracket">
@@ -5675,10 +6200,10 @@
       </p:sp>
       <p:sp>
         <p:nvSpPr>
-          <p:cNvPr id="10" name="文字方塊 9">
-            <a:extLst>
-              <a:ext uri="{FF2B5EF4-FFF2-40B4-BE49-F238E27FC236}">
-                <a16:creationId xmlns:a16="http://schemas.microsoft.com/office/drawing/2014/main" id="{3747FF54-8793-45ED-AF11-CFEDB7D1B9FF}"/>
+          <p:cNvPr id="8" name="文字方塊 7">
+            <a:extLst>
+              <a:ext uri="{FF2B5EF4-FFF2-40B4-BE49-F238E27FC236}">
+                <a16:creationId xmlns:a16="http://schemas.microsoft.com/office/drawing/2014/main" id="{D1AABA42-3E4A-47AA-9053-635E7A923D3D}"/>
               </a:ext>
             </a:extLst>
           </p:cNvPr>
@@ -5687,8 +6212,8 @@
         </p:nvSpPr>
         <p:spPr>
           <a:xfrm>
-            <a:off x="5472780" y="4213032"/>
-            <a:ext cx="4125461" cy="646331"/>
+            <a:off x="6597544" y="5108198"/>
+            <a:ext cx="3305362" cy="646331"/>
           </a:xfrm>
           <a:prstGeom prst="rect">
             <a:avLst/>
@@ -5706,21 +6231,7 @@
                 <a:latin typeface="Comic Sans MS" panose="030F0702030302020204" pitchFamily="66" charset="0"/>
                 <a:ea typeface="微軟正黑體" panose="020B0604030504040204" pitchFamily="34" charset="-120"/>
               </a:rPr>
-              <a:t>將所有位移整合至</a:t>
-            </a:r>
-            <a:r>
-              <a:rPr lang="en-US" altLang="zh-TW" dirty="0">
-                <a:latin typeface="Comic Sans MS" panose="030F0702030302020204" pitchFamily="66" charset="0"/>
-                <a:ea typeface="微軟正黑體" panose="020B0604030504040204" pitchFamily="34" charset="-120"/>
-              </a:rPr>
-              <a:t>mid</a:t>
-            </a:r>
-            <a:r>
-              <a:rPr lang="zh-TW" altLang="en-US" dirty="0">
-                <a:latin typeface="Comic Sans MS" panose="030F0702030302020204" pitchFamily="66" charset="0"/>
-                <a:ea typeface="微軟正黑體" panose="020B0604030504040204" pitchFamily="34" charset="-120"/>
-              </a:rPr>
-              <a:t>中</a:t>
+              <a:t>依照滾輪滾動的變化值</a:t>
             </a:r>
             <a:endParaRPr lang="en-US" altLang="zh-TW" dirty="0">
               <a:latin typeface="Comic Sans MS" panose="030F0702030302020204" pitchFamily="66" charset="0"/>
@@ -5733,21 +6244,7 @@
                 <a:latin typeface="Comic Sans MS" panose="030F0702030302020204" pitchFamily="66" charset="0"/>
                 <a:ea typeface="微軟正黑體" panose="020B0604030504040204" pitchFamily="34" charset="-120"/>
               </a:rPr>
-              <a:t>並清空</a:t>
-            </a:r>
-            <a:r>
-              <a:rPr lang="en-US" altLang="zh-TW" dirty="0">
-                <a:latin typeface="Comic Sans MS" panose="030F0702030302020204" pitchFamily="66" charset="0"/>
-                <a:ea typeface="微軟正黑體" panose="020B0604030504040204" pitchFamily="34" charset="-120"/>
-              </a:rPr>
-              <a:t>mid</a:t>
-            </a:r>
-            <a:r>
-              <a:rPr lang="zh-TW" altLang="en-US" dirty="0">
-                <a:latin typeface="Comic Sans MS" panose="030F0702030302020204" pitchFamily="66" charset="0"/>
-                <a:ea typeface="微軟正黑體" panose="020B0604030504040204" pitchFamily="34" charset="-120"/>
-              </a:rPr>
-              <a:t>，以維持移動的動作</a:t>
+              <a:t>改變基本倍數</a:t>
             </a:r>
             <a:endParaRPr lang="en-US" altLang="zh-TW" dirty="0">
               <a:latin typeface="Comic Sans MS" panose="030F0702030302020204" pitchFamily="66" charset="0"/>
@@ -5756,99 +6253,10 @@
           </a:p>
         </p:txBody>
       </p:sp>
-      <p:sp>
-        <p:nvSpPr>
-          <p:cNvPr id="12" name="右中括弧 11">
-            <a:extLst>
-              <a:ext uri="{FF2B5EF4-FFF2-40B4-BE49-F238E27FC236}">
-                <a16:creationId xmlns:a16="http://schemas.microsoft.com/office/drawing/2014/main" id="{2E5C90DF-61A3-4F5E-AA3B-F31462D0B1E2}"/>
-              </a:ext>
-            </a:extLst>
-          </p:cNvPr>
-          <p:cNvSpPr/>
-          <p:nvPr/>
-        </p:nvSpPr>
-        <p:spPr>
-          <a:xfrm>
-            <a:off x="5037090" y="2256355"/>
-            <a:ext cx="198490" cy="646332"/>
-          </a:xfrm>
-          <a:prstGeom prst="rightBracket">
-            <a:avLst/>
-          </a:prstGeom>
-          <a:ln w="38100"/>
-        </p:spPr>
-        <p:style>
-          <a:lnRef idx="1">
-            <a:schemeClr val="accent1"/>
-          </a:lnRef>
-          <a:fillRef idx="0">
-            <a:schemeClr val="accent1"/>
-          </a:fillRef>
-          <a:effectRef idx="0">
-            <a:schemeClr val="accent1"/>
-          </a:effectRef>
-          <a:fontRef idx="minor">
-            <a:schemeClr val="tx1"/>
-          </a:fontRef>
-        </p:style>
-        <p:txBody>
-          <a:bodyPr rtlCol="0" anchor="ctr"/>
-          <a:lstStyle/>
-          <a:p>
-            <a:pPr algn="ctr"/>
-            <a:endParaRPr lang="zh-TW" altLang="en-US">
-              <a:latin typeface="Comic Sans MS" panose="030F0702030302020204" pitchFamily="66" charset="0"/>
-            </a:endParaRPr>
-          </a:p>
-        </p:txBody>
-      </p:sp>
-      <p:sp>
-        <p:nvSpPr>
-          <p:cNvPr id="13" name="文字方塊 12">
-            <a:extLst>
-              <a:ext uri="{FF2B5EF4-FFF2-40B4-BE49-F238E27FC236}">
-                <a16:creationId xmlns:a16="http://schemas.microsoft.com/office/drawing/2014/main" id="{F00A9ABF-F8DE-4160-9CAB-21C3AF16E088}"/>
-              </a:ext>
-            </a:extLst>
-          </p:cNvPr>
-          <p:cNvSpPr txBox="1"/>
-          <p:nvPr/>
-        </p:nvSpPr>
-        <p:spPr>
-          <a:xfrm>
-            <a:off x="5354180" y="2397862"/>
-            <a:ext cx="4125461" cy="369332"/>
-          </a:xfrm>
-          <a:prstGeom prst="rect">
-            <a:avLst/>
-          </a:prstGeom>
-          <a:noFill/>
-        </p:spPr>
-        <p:txBody>
-          <a:bodyPr wrap="square" rtlCol="0">
-            <a:spAutoFit/>
-          </a:bodyPr>
-          <a:lstStyle/>
-          <a:p>
-            <a:r>
-              <a:rPr lang="zh-TW" altLang="en-US" dirty="0">
-                <a:latin typeface="Comic Sans MS" panose="030F0702030302020204" pitchFamily="66" charset="0"/>
-                <a:ea typeface="微軟正黑體" panose="020B0604030504040204" pitchFamily="34" charset="-120"/>
-              </a:rPr>
-              <a:t>滑鼠按下後，紀錄按下位置的座標</a:t>
-            </a:r>
-            <a:endParaRPr lang="en-US" altLang="zh-TW" dirty="0">
-              <a:latin typeface="Comic Sans MS" panose="030F0702030302020204" pitchFamily="66" charset="0"/>
-              <a:ea typeface="微軟正黑體" panose="020B0604030504040204" pitchFamily="34" charset="-120"/>
-            </a:endParaRPr>
-          </a:p>
-        </p:txBody>
-      </p:sp>
     </p:spTree>
     <p:extLst>
       <p:ext uri="{BB962C8B-B14F-4D97-AF65-F5344CB8AC3E}">
-        <p14:creationId xmlns:p14="http://schemas.microsoft.com/office/powerpoint/2010/main" val="2412124799"/>
+        <p14:creationId xmlns:p14="http://schemas.microsoft.com/office/powerpoint/2010/main" val="2125977142"/>
       </p:ext>
     </p:extLst>
   </p:cSld>
@@ -5878,12 +6286,52 @@
           <a:chExt cx="0" cy="0"/>
         </a:xfrm>
       </p:grpSpPr>
+      <p:sp>
+        <p:nvSpPr>
+          <p:cNvPr id="2" name="標題 1">
+            <a:extLst>
+              <a:ext uri="{FF2B5EF4-FFF2-40B4-BE49-F238E27FC236}">
+                <a16:creationId xmlns:a16="http://schemas.microsoft.com/office/drawing/2014/main" id="{BCCDD681-A640-46AD-BCB7-D492A9D08DE4}"/>
+              </a:ext>
+            </a:extLst>
+          </p:cNvPr>
+          <p:cNvSpPr>
+            <a:spLocks noGrp="1"/>
+          </p:cNvSpPr>
+          <p:nvPr>
+            <p:ph type="title"/>
+          </p:nvPr>
+        </p:nvSpPr>
+        <p:spPr/>
+        <p:txBody>
+          <a:bodyPr/>
+          <a:lstStyle/>
+          <a:p>
+            <a:r>
+              <a:rPr lang="en-US" altLang="zh-TW" dirty="0"/>
+              <a:t>Drawer – </a:t>
+            </a:r>
+            <a:r>
+              <a:rPr lang="zh-TW" altLang="en-US" dirty="0"/>
+              <a:t>滑鼠點擊、移動、釋放</a:t>
+            </a:r>
+            <a:r>
+              <a:rPr lang="en-US" altLang="zh-TW" dirty="0"/>
+              <a:t> </a:t>
+            </a:r>
+            <a:r>
+              <a:rPr lang="zh-TW" altLang="en-US" dirty="0"/>
+              <a:t>改寫</a:t>
+            </a:r>
+          </a:p>
+        </p:txBody>
+      </p:sp>
       <p:pic>
         <p:nvPicPr>
-          <p:cNvPr id="13" name="內容版面配置區 12">
-            <a:extLst>
-              <a:ext uri="{FF2B5EF4-FFF2-40B4-BE49-F238E27FC236}">
-                <a16:creationId xmlns:a16="http://schemas.microsoft.com/office/drawing/2014/main" id="{EDC72F28-E0E9-4FC9-8F3D-5B1277AD510A}"/>
+          <p:cNvPr id="6" name="內容版面配置區 5">
+            <a:extLst>
+              <a:ext uri="{FF2B5EF4-FFF2-40B4-BE49-F238E27FC236}">
+                <a16:creationId xmlns:a16="http://schemas.microsoft.com/office/drawing/2014/main" id="{1170AD82-B59E-4347-A0D7-8B68F39D2854}"/>
               </a:ext>
             </a:extLst>
           </p:cNvPr>
@@ -5903,7 +6351,7 @@
         <p:spPr>
           <a:xfrm>
             <a:off x="838200" y="1690687"/>
-            <a:ext cx="6201792" cy="4320921"/>
+            <a:ext cx="5659720" cy="4802187"/>
           </a:xfrm>
           <a:prstGeom prst="rect">
             <a:avLst/>
@@ -5912,47 +6360,10 @@
       </p:pic>
       <p:sp>
         <p:nvSpPr>
-          <p:cNvPr id="2" name="標題 1">
-            <a:extLst>
-              <a:ext uri="{FF2B5EF4-FFF2-40B4-BE49-F238E27FC236}">
-                <a16:creationId xmlns:a16="http://schemas.microsoft.com/office/drawing/2014/main" id="{BCCDD681-A640-46AD-BCB7-D492A9D08DE4}"/>
-              </a:ext>
-            </a:extLst>
-          </p:cNvPr>
-          <p:cNvSpPr>
-            <a:spLocks noGrp="1"/>
-          </p:cNvSpPr>
-          <p:nvPr>
-            <p:ph type="title"/>
-          </p:nvPr>
-        </p:nvSpPr>
-        <p:spPr/>
-        <p:txBody>
-          <a:bodyPr/>
-          <a:lstStyle/>
-          <a:p>
-            <a:r>
-              <a:rPr lang="en-US" altLang="zh-TW" dirty="0"/>
-              <a:t>Drawer – </a:t>
-            </a:r>
-            <a:r>
-              <a:rPr lang="zh-TW" altLang="en-US" dirty="0"/>
-              <a:t>新增、移除 函數</a:t>
-            </a:r>
-            <a:r>
-              <a:rPr lang="en-US" altLang="zh-TW" dirty="0"/>
-              <a:t>(slot)</a:t>
-            </a:r>
-            <a:endParaRPr lang="zh-TW" altLang="en-US" dirty="0"/>
-          </a:p>
-        </p:txBody>
-      </p:sp>
-      <p:sp>
-        <p:nvSpPr>
           <p:cNvPr id="4" name="右中括弧 3">
             <a:extLst>
               <a:ext uri="{FF2B5EF4-FFF2-40B4-BE49-F238E27FC236}">
-                <a16:creationId xmlns:a16="http://schemas.microsoft.com/office/drawing/2014/main" id="{4C55805A-DBF5-44DD-A8B0-7AFFDBB48B68}"/>
+                <a16:creationId xmlns:a16="http://schemas.microsoft.com/office/drawing/2014/main" id="{DDB318F5-37FD-4815-B200-89FFFC59FEED}"/>
               </a:ext>
             </a:extLst>
           </p:cNvPr>
@@ -5961,8 +6372,8 @@
         </p:nvSpPr>
         <p:spPr>
           <a:xfrm>
-            <a:off x="6911248" y="1938868"/>
-            <a:ext cx="216357" cy="1490131"/>
+            <a:off x="6299430" y="5729634"/>
+            <a:ext cx="198490" cy="646332"/>
           </a:xfrm>
           <a:prstGeom prst="rightBracket">
             <a:avLst/>
@@ -5999,7 +6410,7 @@
           <p:cNvPr id="5" name="文字方塊 4">
             <a:extLst>
               <a:ext uri="{FF2B5EF4-FFF2-40B4-BE49-F238E27FC236}">
-                <a16:creationId xmlns:a16="http://schemas.microsoft.com/office/drawing/2014/main" id="{85E9CF0A-C758-4C3C-97E6-39DF571B7E42}"/>
+                <a16:creationId xmlns:a16="http://schemas.microsoft.com/office/drawing/2014/main" id="{AFABDBEF-0568-4A01-8464-B5CFA439D73F}"/>
               </a:ext>
             </a:extLst>
           </p:cNvPr>
@@ -6008,8 +6419,8 @@
         </p:nvSpPr>
         <p:spPr>
           <a:xfrm>
-            <a:off x="7127605" y="2138832"/>
-            <a:ext cx="3854073" cy="646331"/>
+            <a:off x="6616520" y="5729634"/>
+            <a:ext cx="4125461" cy="646331"/>
           </a:xfrm>
           <a:prstGeom prst="rect">
             <a:avLst/>
@@ -6027,7 +6438,7 @@
                 <a:latin typeface="Comic Sans MS" panose="030F0702030302020204" pitchFamily="66" charset="0"/>
                 <a:ea typeface="微軟正黑體" panose="020B0604030504040204" pitchFamily="34" charset="-120"/>
               </a:rPr>
-              <a:t>按鈕按下後</a:t>
+              <a:t>計算位移量</a:t>
             </a:r>
             <a:endParaRPr lang="en-US" altLang="zh-TW" dirty="0">
               <a:latin typeface="Comic Sans MS" panose="030F0702030302020204" pitchFamily="66" charset="0"/>
@@ -6040,21 +6451,21 @@
                 <a:latin typeface="Comic Sans MS" panose="030F0702030302020204" pitchFamily="66" charset="0"/>
                 <a:ea typeface="微軟正黑體" panose="020B0604030504040204" pitchFamily="34" charset="-120"/>
               </a:rPr>
-              <a:t>建立一個</a:t>
-            </a:r>
-            <a:r>
-              <a:rPr lang="en-US" altLang="zh-TW" dirty="0">
+              <a:t>並將其實時更新至</a:t>
+            </a:r>
+            <a:r>
+              <a:rPr lang="en-US" altLang="zh-TW" dirty="0" err="1">
                 <a:latin typeface="Comic Sans MS" panose="030F0702030302020204" pitchFamily="66" charset="0"/>
                 <a:ea typeface="微軟正黑體" panose="020B0604030504040204" pitchFamily="34" charset="-120"/>
               </a:rPr>
-              <a:t>list item</a:t>
+              <a:t>movePos</a:t>
             </a:r>
             <a:r>
               <a:rPr lang="zh-TW" altLang="en-US" dirty="0">
                 <a:latin typeface="Comic Sans MS" panose="030F0702030302020204" pitchFamily="66" charset="0"/>
                 <a:ea typeface="微軟正黑體" panose="020B0604030504040204" pitchFamily="34" charset="-120"/>
               </a:rPr>
-              <a:t>，並套用基本設定</a:t>
+              <a:t>中記錄</a:t>
             </a:r>
             <a:endParaRPr lang="en-US" altLang="zh-TW" dirty="0">
               <a:latin typeface="Comic Sans MS" panose="030F0702030302020204" pitchFamily="66" charset="0"/>
@@ -6065,80 +6476,10 @@
       </p:sp>
       <p:sp>
         <p:nvSpPr>
-          <p:cNvPr id="6" name="文字方塊 5">
-            <a:extLst>
-              <a:ext uri="{FF2B5EF4-FFF2-40B4-BE49-F238E27FC236}">
-                <a16:creationId xmlns:a16="http://schemas.microsoft.com/office/drawing/2014/main" id="{0A6850C2-5623-4BF5-82E0-FB6FC3871A59}"/>
-              </a:ext>
-            </a:extLst>
-          </p:cNvPr>
-          <p:cNvSpPr txBox="1"/>
-          <p:nvPr/>
-        </p:nvSpPr>
-        <p:spPr>
-          <a:xfrm>
-            <a:off x="3982903" y="3652366"/>
-            <a:ext cx="4496813" cy="369332"/>
-          </a:xfrm>
-          <a:prstGeom prst="rect">
-            <a:avLst/>
-          </a:prstGeom>
-          <a:noFill/>
-        </p:spPr>
-        <p:txBody>
-          <a:bodyPr wrap="square" rtlCol="0">
-            <a:spAutoFit/>
-          </a:bodyPr>
-          <a:lstStyle/>
-          <a:p>
-            <a:r>
-              <a:rPr lang="zh-TW" altLang="en-US" dirty="0">
-                <a:latin typeface="Comic Sans MS" panose="030F0702030302020204" pitchFamily="66" charset="0"/>
-                <a:ea typeface="微軟正黑體" panose="020B0604030504040204" pitchFamily="34" charset="-120"/>
-              </a:rPr>
-              <a:t>將建立的</a:t>
-            </a:r>
-            <a:r>
-              <a:rPr lang="en-US" altLang="zh-TW" dirty="0">
-                <a:latin typeface="Comic Sans MS" panose="030F0702030302020204" pitchFamily="66" charset="0"/>
-                <a:ea typeface="微軟正黑體" panose="020B0604030504040204" pitchFamily="34" charset="-120"/>
-              </a:rPr>
-              <a:t>list item</a:t>
-            </a:r>
-            <a:r>
-              <a:rPr lang="zh-TW" altLang="en-US" dirty="0">
-                <a:latin typeface="Comic Sans MS" panose="030F0702030302020204" pitchFamily="66" charset="0"/>
-                <a:ea typeface="微軟正黑體" panose="020B0604030504040204" pitchFamily="34" charset="-120"/>
-              </a:rPr>
-              <a:t>放入</a:t>
-            </a:r>
-            <a:r>
-              <a:rPr lang="en-US" altLang="zh-TW" dirty="0" err="1">
-                <a:latin typeface="Comic Sans MS" panose="030F0702030302020204" pitchFamily="66" charset="0"/>
-                <a:ea typeface="微軟正黑體" panose="020B0604030504040204" pitchFamily="34" charset="-120"/>
-              </a:rPr>
-              <a:t>funcList</a:t>
-            </a:r>
-            <a:r>
-              <a:rPr lang="zh-TW" altLang="en-US" dirty="0">
-                <a:latin typeface="Comic Sans MS" panose="030F0702030302020204" pitchFamily="66" charset="0"/>
-                <a:ea typeface="微軟正黑體" panose="020B0604030504040204" pitchFamily="34" charset="-120"/>
-              </a:rPr>
-              <a:t>中</a:t>
-            </a:r>
-            <a:endParaRPr lang="en-US" altLang="zh-TW" dirty="0">
-              <a:latin typeface="Comic Sans MS" panose="030F0702030302020204" pitchFamily="66" charset="0"/>
-              <a:ea typeface="微軟正黑體" panose="020B0604030504040204" pitchFamily="34" charset="-120"/>
-            </a:endParaRPr>
-          </a:p>
-        </p:txBody>
-      </p:sp>
-      <p:sp>
-        <p:nvSpPr>
-          <p:cNvPr id="8" name="右中括弧 7">
-            <a:extLst>
-              <a:ext uri="{FF2B5EF4-FFF2-40B4-BE49-F238E27FC236}">
-                <a16:creationId xmlns:a16="http://schemas.microsoft.com/office/drawing/2014/main" id="{AAD9FF4F-720E-4CFD-A6F9-9FB4243DBE9C}"/>
+          <p:cNvPr id="9" name="右中括弧 8">
+            <a:extLst>
+              <a:ext uri="{FF2B5EF4-FFF2-40B4-BE49-F238E27FC236}">
+                <a16:creationId xmlns:a16="http://schemas.microsoft.com/office/drawing/2014/main" id="{24D97D64-555E-4ED6-A639-0C5BD669B61A}"/>
               </a:ext>
             </a:extLst>
           </p:cNvPr>
@@ -6147,8 +6488,8 @@
         </p:nvSpPr>
         <p:spPr>
           <a:xfrm>
-            <a:off x="6911248" y="5144180"/>
-            <a:ext cx="236922" cy="622330"/>
+            <a:off x="5155690" y="4213032"/>
+            <a:ext cx="198490" cy="646332"/>
           </a:xfrm>
           <a:prstGeom prst="rightBracket">
             <a:avLst/>
@@ -6182,10 +6523,10 @@
       </p:sp>
       <p:sp>
         <p:nvSpPr>
-          <p:cNvPr id="9" name="文字方塊 8">
-            <a:extLst>
-              <a:ext uri="{FF2B5EF4-FFF2-40B4-BE49-F238E27FC236}">
-                <a16:creationId xmlns:a16="http://schemas.microsoft.com/office/drawing/2014/main" id="{F81F1DD2-CDC1-4484-878C-355CB2B315A0}"/>
+          <p:cNvPr id="10" name="文字方塊 9">
+            <a:extLst>
+              <a:ext uri="{FF2B5EF4-FFF2-40B4-BE49-F238E27FC236}">
+                <a16:creationId xmlns:a16="http://schemas.microsoft.com/office/drawing/2014/main" id="{3747FF54-8793-45ED-AF11-CFEDB7D1B9FF}"/>
               </a:ext>
             </a:extLst>
           </p:cNvPr>
@@ -6194,8 +6535,8 @@
         </p:nvSpPr>
         <p:spPr>
           <a:xfrm>
-            <a:off x="7148170" y="5270679"/>
-            <a:ext cx="4220407" cy="369332"/>
+            <a:off x="5472780" y="4213032"/>
+            <a:ext cx="4125461" cy="646331"/>
           </a:xfrm>
           <a:prstGeom prst="rect">
             <a:avLst/>
@@ -6213,63 +6554,149 @@
                 <a:latin typeface="Comic Sans MS" panose="030F0702030302020204" pitchFamily="66" charset="0"/>
                 <a:ea typeface="微軟正黑體" panose="020B0604030504040204" pitchFamily="34" charset="-120"/>
               </a:rPr>
-              <a:t>取得目前點選的</a:t>
+              <a:t>將所有位移整合至</a:t>
             </a:r>
             <a:r>
               <a:rPr lang="en-US" altLang="zh-TW" dirty="0">
                 <a:latin typeface="Comic Sans MS" panose="030F0702030302020204" pitchFamily="66" charset="0"/>
                 <a:ea typeface="微軟正黑體" panose="020B0604030504040204" pitchFamily="34" charset="-120"/>
               </a:rPr>
-              <a:t>list item</a:t>
+              <a:t>mid</a:t>
             </a:r>
             <a:r>
               <a:rPr lang="zh-TW" altLang="en-US" dirty="0">
                 <a:latin typeface="Comic Sans MS" panose="030F0702030302020204" pitchFamily="66" charset="0"/>
                 <a:ea typeface="微軟正黑體" panose="020B0604030504040204" pitchFamily="34" charset="-120"/>
               </a:rPr>
-              <a:t>，並將其刪除</a:t>
+              <a:t>中</a:t>
             </a:r>
             <a:endParaRPr lang="en-US" altLang="zh-TW" dirty="0">
               <a:latin typeface="Comic Sans MS" panose="030F0702030302020204" pitchFamily="66" charset="0"/>
               <a:ea typeface="微軟正黑體" panose="020B0604030504040204" pitchFamily="34" charset="-120"/>
             </a:endParaRPr>
           </a:p>
-        </p:txBody>
-      </p:sp>
-      <p:pic>
-        <p:nvPicPr>
-          <p:cNvPr id="3" name="圖片 2">
-            <a:extLst>
-              <a:ext uri="{FF2B5EF4-FFF2-40B4-BE49-F238E27FC236}">
-                <a16:creationId xmlns:a16="http://schemas.microsoft.com/office/drawing/2014/main" id="{DD2DA824-BC5F-46FA-98E1-3163D4FE97A3}"/>
-              </a:ext>
-            </a:extLst>
-          </p:cNvPr>
-          <p:cNvPicPr>
-            <a:picLocks noChangeAspect="1"/>
-          </p:cNvPicPr>
+          <a:p>
+            <a:r>
+              <a:rPr lang="zh-TW" altLang="en-US" dirty="0">
+                <a:latin typeface="Comic Sans MS" panose="030F0702030302020204" pitchFamily="66" charset="0"/>
+                <a:ea typeface="微軟正黑體" panose="020B0604030504040204" pitchFamily="34" charset="-120"/>
+              </a:rPr>
+              <a:t>並清空</a:t>
+            </a:r>
+            <a:r>
+              <a:rPr lang="en-US" altLang="zh-TW" dirty="0">
+                <a:latin typeface="Comic Sans MS" panose="030F0702030302020204" pitchFamily="66" charset="0"/>
+                <a:ea typeface="微軟正黑體" panose="020B0604030504040204" pitchFamily="34" charset="-120"/>
+              </a:rPr>
+              <a:t>mid</a:t>
+            </a:r>
+            <a:r>
+              <a:rPr lang="zh-TW" altLang="en-US" dirty="0">
+                <a:latin typeface="Comic Sans MS" panose="030F0702030302020204" pitchFamily="66" charset="0"/>
+                <a:ea typeface="微軟正黑體" panose="020B0604030504040204" pitchFamily="34" charset="-120"/>
+              </a:rPr>
+              <a:t>，以維持移動的動作</a:t>
+            </a:r>
+            <a:endParaRPr lang="en-US" altLang="zh-TW" dirty="0">
+              <a:latin typeface="Comic Sans MS" panose="030F0702030302020204" pitchFamily="66" charset="0"/>
+              <a:ea typeface="微軟正黑體" panose="020B0604030504040204" pitchFamily="34" charset="-120"/>
+            </a:endParaRPr>
+          </a:p>
+        </p:txBody>
+      </p:sp>
+      <p:sp>
+        <p:nvSpPr>
+          <p:cNvPr id="12" name="右中括弧 11">
+            <a:extLst>
+              <a:ext uri="{FF2B5EF4-FFF2-40B4-BE49-F238E27FC236}">
+                <a16:creationId xmlns:a16="http://schemas.microsoft.com/office/drawing/2014/main" id="{2E5C90DF-61A3-4F5E-AA3B-F31462D0B1E2}"/>
+              </a:ext>
+            </a:extLst>
+          </p:cNvPr>
+          <p:cNvSpPr/>
           <p:nvPr/>
-        </p:nvPicPr>
-        <p:blipFill>
-          <a:blip r:embed="rId3"/>
-          <a:stretch>
-            <a:fillRect/>
-          </a:stretch>
-        </p:blipFill>
-        <p:spPr>
-          <a:xfrm>
-            <a:off x="7210040" y="2818570"/>
-            <a:ext cx="4143760" cy="407049"/>
+        </p:nvSpPr>
+        <p:spPr>
+          <a:xfrm>
+            <a:off x="5037090" y="2256355"/>
+            <a:ext cx="198490" cy="646332"/>
+          </a:xfrm>
+          <a:prstGeom prst="rightBracket">
+            <a:avLst/>
+          </a:prstGeom>
+          <a:ln w="38100"/>
+        </p:spPr>
+        <p:style>
+          <a:lnRef idx="1">
+            <a:schemeClr val="accent1"/>
+          </a:lnRef>
+          <a:fillRef idx="0">
+            <a:schemeClr val="accent1"/>
+          </a:fillRef>
+          <a:effectRef idx="0">
+            <a:schemeClr val="accent1"/>
+          </a:effectRef>
+          <a:fontRef idx="minor">
+            <a:schemeClr val="tx1"/>
+          </a:fontRef>
+        </p:style>
+        <p:txBody>
+          <a:bodyPr rtlCol="0" anchor="ctr"/>
+          <a:lstStyle/>
+          <a:p>
+            <a:pPr algn="ctr"/>
+            <a:endParaRPr lang="zh-TW" altLang="en-US">
+              <a:latin typeface="Comic Sans MS" panose="030F0702030302020204" pitchFamily="66" charset="0"/>
+            </a:endParaRPr>
+          </a:p>
+        </p:txBody>
+      </p:sp>
+      <p:sp>
+        <p:nvSpPr>
+          <p:cNvPr id="13" name="文字方塊 12">
+            <a:extLst>
+              <a:ext uri="{FF2B5EF4-FFF2-40B4-BE49-F238E27FC236}">
+                <a16:creationId xmlns:a16="http://schemas.microsoft.com/office/drawing/2014/main" id="{F00A9ABF-F8DE-4160-9CAB-21C3AF16E088}"/>
+              </a:ext>
+            </a:extLst>
+          </p:cNvPr>
+          <p:cNvSpPr txBox="1"/>
+          <p:nvPr/>
+        </p:nvSpPr>
+        <p:spPr>
+          <a:xfrm>
+            <a:off x="5354180" y="2397862"/>
+            <a:ext cx="4125461" cy="369332"/>
           </a:xfrm>
           <a:prstGeom prst="rect">
             <a:avLst/>
           </a:prstGeom>
-        </p:spPr>
-      </p:pic>
+          <a:noFill/>
+        </p:spPr>
+        <p:txBody>
+          <a:bodyPr wrap="square" rtlCol="0">
+            <a:spAutoFit/>
+          </a:bodyPr>
+          <a:lstStyle/>
+          <a:p>
+            <a:r>
+              <a:rPr lang="zh-TW" altLang="en-US" dirty="0">
+                <a:latin typeface="Comic Sans MS" panose="030F0702030302020204" pitchFamily="66" charset="0"/>
+                <a:ea typeface="微軟正黑體" panose="020B0604030504040204" pitchFamily="34" charset="-120"/>
+              </a:rPr>
+              <a:t>滑鼠按下後，紀錄按下位置的座標</a:t>
+            </a:r>
+            <a:endParaRPr lang="en-US" altLang="zh-TW" dirty="0">
+              <a:latin typeface="Comic Sans MS" panose="030F0702030302020204" pitchFamily="66" charset="0"/>
+              <a:ea typeface="微軟正黑體" panose="020B0604030504040204" pitchFamily="34" charset="-120"/>
+            </a:endParaRPr>
+          </a:p>
+        </p:txBody>
+      </p:sp>
     </p:spTree>
     <p:extLst>
       <p:ext uri="{BB962C8B-B14F-4D97-AF65-F5344CB8AC3E}">
-        <p14:creationId xmlns:p14="http://schemas.microsoft.com/office/powerpoint/2010/main" val="916212707"/>
+        <p14:creationId xmlns:p14="http://schemas.microsoft.com/office/powerpoint/2010/main" val="2412124799"/>
       </p:ext>
     </p:extLst>
   </p:cSld>
@@ -6299,49 +6726,12 @@
           <a:chExt cx="0" cy="0"/>
         </a:xfrm>
       </p:grpSpPr>
-      <p:sp>
-        <p:nvSpPr>
-          <p:cNvPr id="2" name="標題 1">
-            <a:extLst>
-              <a:ext uri="{FF2B5EF4-FFF2-40B4-BE49-F238E27FC236}">
-                <a16:creationId xmlns:a16="http://schemas.microsoft.com/office/drawing/2014/main" id="{BCCDD681-A640-46AD-BCB7-D492A9D08DE4}"/>
-              </a:ext>
-            </a:extLst>
-          </p:cNvPr>
-          <p:cNvSpPr>
-            <a:spLocks noGrp="1"/>
-          </p:cNvSpPr>
-          <p:nvPr>
-            <p:ph type="title"/>
-          </p:nvPr>
-        </p:nvSpPr>
-        <p:spPr/>
-        <p:txBody>
-          <a:bodyPr/>
-          <a:lstStyle/>
-          <a:p>
-            <a:r>
-              <a:rPr lang="en-US" altLang="zh-TW" dirty="0"/>
-              <a:t>Drawer – </a:t>
-            </a:r>
-            <a:r>
-              <a:rPr lang="zh-TW" altLang="en-US" dirty="0"/>
-              <a:t>編輯 函數</a:t>
-            </a:r>
-            <a:r>
-              <a:rPr lang="en-US" altLang="zh-TW" dirty="0"/>
-              <a:t>(slot)</a:t>
-            </a:r>
-            <a:endParaRPr lang="zh-TW" altLang="en-US" dirty="0"/>
-          </a:p>
-        </p:txBody>
-      </p:sp>
       <p:pic>
         <p:nvPicPr>
-          <p:cNvPr id="10" name="內容版面配置區 9">
-            <a:extLst>
-              <a:ext uri="{FF2B5EF4-FFF2-40B4-BE49-F238E27FC236}">
-                <a16:creationId xmlns:a16="http://schemas.microsoft.com/office/drawing/2014/main" id="{0536560E-89E7-48CF-B10E-799B7D7FB95B}"/>
+          <p:cNvPr id="13" name="內容版面配置區 12">
+            <a:extLst>
+              <a:ext uri="{FF2B5EF4-FFF2-40B4-BE49-F238E27FC236}">
+                <a16:creationId xmlns:a16="http://schemas.microsoft.com/office/drawing/2014/main" id="{EDC72F28-E0E9-4FC9-8F3D-5B1277AD510A}"/>
               </a:ext>
             </a:extLst>
           </p:cNvPr>
@@ -6360,8 +6750,8 @@
         </p:blipFill>
         <p:spPr>
           <a:xfrm>
-            <a:off x="838199" y="1690687"/>
-            <a:ext cx="5199551" cy="4802187"/>
+            <a:off x="838200" y="1690687"/>
+            <a:ext cx="6201792" cy="4320921"/>
           </a:xfrm>
           <a:prstGeom prst="rect">
             <a:avLst/>
@@ -6370,10 +6760,47 @@
       </p:pic>
       <p:sp>
         <p:nvSpPr>
-          <p:cNvPr id="6" name="右中括弧 5">
-            <a:extLst>
-              <a:ext uri="{FF2B5EF4-FFF2-40B4-BE49-F238E27FC236}">
-                <a16:creationId xmlns:a16="http://schemas.microsoft.com/office/drawing/2014/main" id="{D41425C5-9E64-4C61-8431-77388A85DC0F}"/>
+          <p:cNvPr id="2" name="標題 1">
+            <a:extLst>
+              <a:ext uri="{FF2B5EF4-FFF2-40B4-BE49-F238E27FC236}">
+                <a16:creationId xmlns:a16="http://schemas.microsoft.com/office/drawing/2014/main" id="{BCCDD681-A640-46AD-BCB7-D492A9D08DE4}"/>
+              </a:ext>
+            </a:extLst>
+          </p:cNvPr>
+          <p:cNvSpPr>
+            <a:spLocks noGrp="1"/>
+          </p:cNvSpPr>
+          <p:nvPr>
+            <p:ph type="title"/>
+          </p:nvPr>
+        </p:nvSpPr>
+        <p:spPr/>
+        <p:txBody>
+          <a:bodyPr/>
+          <a:lstStyle/>
+          <a:p>
+            <a:r>
+              <a:rPr lang="en-US" altLang="zh-TW" dirty="0"/>
+              <a:t>Drawer – </a:t>
+            </a:r>
+            <a:r>
+              <a:rPr lang="zh-TW" altLang="en-US" dirty="0"/>
+              <a:t>新增、移除 函數</a:t>
+            </a:r>
+            <a:r>
+              <a:rPr lang="en-US" altLang="zh-TW" dirty="0"/>
+              <a:t>(slot)</a:t>
+            </a:r>
+            <a:endParaRPr lang="zh-TW" altLang="en-US" dirty="0"/>
+          </a:p>
+        </p:txBody>
+      </p:sp>
+      <p:sp>
+        <p:nvSpPr>
+          <p:cNvPr id="4" name="右中括弧 3">
+            <a:extLst>
+              <a:ext uri="{FF2B5EF4-FFF2-40B4-BE49-F238E27FC236}">
+                <a16:creationId xmlns:a16="http://schemas.microsoft.com/office/drawing/2014/main" id="{4C55805A-DBF5-44DD-A8B0-7AFFDBB48B68}"/>
               </a:ext>
             </a:extLst>
           </p:cNvPr>
@@ -6382,8 +6809,8 @@
         </p:nvSpPr>
         <p:spPr>
           <a:xfrm>
-            <a:off x="5009781" y="2058727"/>
-            <a:ext cx="183656" cy="524675"/>
+            <a:off x="6911248" y="1938868"/>
+            <a:ext cx="216357" cy="1490131"/>
           </a:xfrm>
           <a:prstGeom prst="rightBracket">
             <a:avLst/>
@@ -6417,10 +6844,10 @@
       </p:sp>
       <p:sp>
         <p:nvSpPr>
-          <p:cNvPr id="7" name="文字方塊 6">
-            <a:extLst>
-              <a:ext uri="{FF2B5EF4-FFF2-40B4-BE49-F238E27FC236}">
-                <a16:creationId xmlns:a16="http://schemas.microsoft.com/office/drawing/2014/main" id="{09D2BF02-C42F-4F24-9BE9-317DC3587715}"/>
+          <p:cNvPr id="5" name="文字方塊 4">
+            <a:extLst>
+              <a:ext uri="{FF2B5EF4-FFF2-40B4-BE49-F238E27FC236}">
+                <a16:creationId xmlns:a16="http://schemas.microsoft.com/office/drawing/2014/main" id="{85E9CF0A-C758-4C3C-97E6-39DF571B7E42}"/>
               </a:ext>
             </a:extLst>
           </p:cNvPr>
@@ -6429,8 +6856,8 @@
         </p:nvSpPr>
         <p:spPr>
           <a:xfrm>
-            <a:off x="5246703" y="2185226"/>
-            <a:ext cx="2743199" cy="369332"/>
+            <a:off x="7127605" y="2138832"/>
+            <a:ext cx="3854073" cy="646331"/>
           </a:xfrm>
           <a:prstGeom prst="rect">
             <a:avLst/>
@@ -6448,7 +6875,20 @@
                 <a:latin typeface="Comic Sans MS" panose="030F0702030302020204" pitchFamily="66" charset="0"/>
                 <a:ea typeface="微軟正黑體" panose="020B0604030504040204" pitchFamily="34" charset="-120"/>
               </a:rPr>
-              <a:t>取得目前點選的</a:t>
+              <a:t>按鈕按下後</a:t>
+            </a:r>
+            <a:endParaRPr lang="en-US" altLang="zh-TW" dirty="0">
+              <a:latin typeface="Comic Sans MS" panose="030F0702030302020204" pitchFamily="66" charset="0"/>
+              <a:ea typeface="微軟正黑體" panose="020B0604030504040204" pitchFamily="34" charset="-120"/>
+            </a:endParaRPr>
+          </a:p>
+          <a:p>
+            <a:r>
+              <a:rPr lang="zh-TW" altLang="en-US" dirty="0">
+                <a:latin typeface="Comic Sans MS" panose="030F0702030302020204" pitchFamily="66" charset="0"/>
+                <a:ea typeface="微軟正黑體" panose="020B0604030504040204" pitchFamily="34" charset="-120"/>
+              </a:rPr>
+              <a:t>建立一個</a:t>
             </a:r>
             <a:r>
               <a:rPr lang="en-US" altLang="zh-TW" dirty="0">
@@ -6457,6 +6897,87 @@
               </a:rPr>
               <a:t>list item</a:t>
             </a:r>
+            <a:r>
+              <a:rPr lang="zh-TW" altLang="en-US" dirty="0">
+                <a:latin typeface="Comic Sans MS" panose="030F0702030302020204" pitchFamily="66" charset="0"/>
+                <a:ea typeface="微軟正黑體" panose="020B0604030504040204" pitchFamily="34" charset="-120"/>
+              </a:rPr>
+              <a:t>，並套用基本設定</a:t>
+            </a:r>
+            <a:endParaRPr lang="en-US" altLang="zh-TW" dirty="0">
+              <a:latin typeface="Comic Sans MS" panose="030F0702030302020204" pitchFamily="66" charset="0"/>
+              <a:ea typeface="微軟正黑體" panose="020B0604030504040204" pitchFamily="34" charset="-120"/>
+            </a:endParaRPr>
+          </a:p>
+        </p:txBody>
+      </p:sp>
+      <p:sp>
+        <p:nvSpPr>
+          <p:cNvPr id="6" name="文字方塊 5">
+            <a:extLst>
+              <a:ext uri="{FF2B5EF4-FFF2-40B4-BE49-F238E27FC236}">
+                <a16:creationId xmlns:a16="http://schemas.microsoft.com/office/drawing/2014/main" id="{0A6850C2-5623-4BF5-82E0-FB6FC3871A59}"/>
+              </a:ext>
+            </a:extLst>
+          </p:cNvPr>
+          <p:cNvSpPr txBox="1"/>
+          <p:nvPr/>
+        </p:nvSpPr>
+        <p:spPr>
+          <a:xfrm>
+            <a:off x="3982903" y="3652366"/>
+            <a:ext cx="4496813" cy="369332"/>
+          </a:xfrm>
+          <a:prstGeom prst="rect">
+            <a:avLst/>
+          </a:prstGeom>
+          <a:noFill/>
+        </p:spPr>
+        <p:txBody>
+          <a:bodyPr wrap="square" rtlCol="0">
+            <a:spAutoFit/>
+          </a:bodyPr>
+          <a:lstStyle/>
+          <a:p>
+            <a:r>
+              <a:rPr lang="zh-TW" altLang="en-US" dirty="0">
+                <a:latin typeface="Comic Sans MS" panose="030F0702030302020204" pitchFamily="66" charset="0"/>
+                <a:ea typeface="微軟正黑體" panose="020B0604030504040204" pitchFamily="34" charset="-120"/>
+              </a:rPr>
+              <a:t>將建立的</a:t>
+            </a:r>
+            <a:r>
+              <a:rPr lang="en-US" altLang="zh-TW" dirty="0">
+                <a:latin typeface="Comic Sans MS" panose="030F0702030302020204" pitchFamily="66" charset="0"/>
+                <a:ea typeface="微軟正黑體" panose="020B0604030504040204" pitchFamily="34" charset="-120"/>
+              </a:rPr>
+              <a:t>list item</a:t>
+            </a:r>
+            <a:r>
+              <a:rPr lang="zh-TW" altLang="en-US" dirty="0">
+                <a:latin typeface="Comic Sans MS" panose="030F0702030302020204" pitchFamily="66" charset="0"/>
+                <a:ea typeface="微軟正黑體" panose="020B0604030504040204" pitchFamily="34" charset="-120"/>
+              </a:rPr>
+              <a:t>放入</a:t>
+            </a:r>
+            <a:r>
+              <a:rPr lang="en-US" altLang="zh-TW" dirty="0" err="1">
+                <a:latin typeface="Comic Sans MS" panose="030F0702030302020204" pitchFamily="66" charset="0"/>
+                <a:ea typeface="微軟正黑體" panose="020B0604030504040204" pitchFamily="34" charset="-120"/>
+              </a:rPr>
+              <a:t>funcList</a:t>
+            </a:r>
+            <a:r>
+              <a:rPr lang="zh-TW" altLang="en-US" dirty="0">
+                <a:latin typeface="Comic Sans MS" panose="030F0702030302020204" pitchFamily="66" charset="0"/>
+                <a:ea typeface="微軟正黑體" panose="020B0604030504040204" pitchFamily="34" charset="-120"/>
+              </a:rPr>
+              <a:t>中</a:t>
+            </a:r>
+            <a:endParaRPr lang="en-US" altLang="zh-TW" dirty="0">
+              <a:latin typeface="Comic Sans MS" panose="030F0702030302020204" pitchFamily="66" charset="0"/>
+              <a:ea typeface="微軟正黑體" panose="020B0604030504040204" pitchFamily="34" charset="-120"/>
+            </a:endParaRPr>
           </a:p>
         </p:txBody>
       </p:sp>
@@ -6465,7 +6986,7 @@
           <p:cNvPr id="8" name="右中括弧 7">
             <a:extLst>
               <a:ext uri="{FF2B5EF4-FFF2-40B4-BE49-F238E27FC236}">
-                <a16:creationId xmlns:a16="http://schemas.microsoft.com/office/drawing/2014/main" id="{3F9085F7-F2CD-4911-95E7-5AC2BA07C3A7}"/>
+                <a16:creationId xmlns:a16="http://schemas.microsoft.com/office/drawing/2014/main" id="{AAD9FF4F-720E-4CFD-A6F9-9FB4243DBE9C}"/>
               </a:ext>
             </a:extLst>
           </p:cNvPr>
@@ -6474,8 +6995,8 @@
         </p:nvSpPr>
         <p:spPr>
           <a:xfrm>
-            <a:off x="5800828" y="3086343"/>
-            <a:ext cx="236922" cy="695544"/>
+            <a:off x="6911248" y="5144180"/>
+            <a:ext cx="236922" cy="622330"/>
           </a:xfrm>
           <a:prstGeom prst="rightBracket">
             <a:avLst/>
@@ -6512,7 +7033,7 @@
           <p:cNvPr id="9" name="文字方塊 8">
             <a:extLst>
               <a:ext uri="{FF2B5EF4-FFF2-40B4-BE49-F238E27FC236}">
-                <a16:creationId xmlns:a16="http://schemas.microsoft.com/office/drawing/2014/main" id="{E3E91181-CABC-4248-AFE6-77AC4B533A90}"/>
+                <a16:creationId xmlns:a16="http://schemas.microsoft.com/office/drawing/2014/main" id="{F81F1DD2-CDC1-4484-878C-355CB2B315A0}"/>
               </a:ext>
             </a:extLst>
           </p:cNvPr>
@@ -6521,8 +7042,8 @@
         </p:nvSpPr>
         <p:spPr>
           <a:xfrm>
-            <a:off x="6037750" y="3244334"/>
-            <a:ext cx="3638910" cy="369332"/>
+            <a:off x="7148170" y="5270679"/>
+            <a:ext cx="4220407" cy="369332"/>
           </a:xfrm>
           <a:prstGeom prst="rect">
             <a:avLst/>
@@ -6540,7 +7061,7 @@
                 <a:latin typeface="Comic Sans MS" panose="030F0702030302020204" pitchFamily="66" charset="0"/>
                 <a:ea typeface="微軟正黑體" panose="020B0604030504040204" pitchFamily="34" charset="-120"/>
               </a:rPr>
-              <a:t>開啟編輯器，編輯</a:t>
+              <a:t>取得目前點選的</a:t>
             </a:r>
             <a:r>
               <a:rPr lang="en-US" altLang="zh-TW" dirty="0">
@@ -6554,7 +7075,7 @@
                 <a:latin typeface="Comic Sans MS" panose="030F0702030302020204" pitchFamily="66" charset="0"/>
                 <a:ea typeface="微軟正黑體" panose="020B0604030504040204" pitchFamily="34" charset="-120"/>
               </a:rPr>
-              <a:t>的文字</a:t>
+              <a:t>，並將其刪除</a:t>
             </a:r>
             <a:endParaRPr lang="en-US" altLang="zh-TW" dirty="0">
               <a:latin typeface="Comic Sans MS" panose="030F0702030302020204" pitchFamily="66" charset="0"/>
@@ -6563,126 +7084,40 @@
           </a:p>
         </p:txBody>
       </p:sp>
-      <p:sp>
-        <p:nvSpPr>
-          <p:cNvPr id="11" name="右中括弧 10">
-            <a:extLst>
-              <a:ext uri="{FF2B5EF4-FFF2-40B4-BE49-F238E27FC236}">
-                <a16:creationId xmlns:a16="http://schemas.microsoft.com/office/drawing/2014/main" id="{16FD793A-E850-40F6-8011-5A6C6A1763E6}"/>
-              </a:ext>
-            </a:extLst>
-          </p:cNvPr>
-          <p:cNvSpPr/>
+      <p:pic>
+        <p:nvPicPr>
+          <p:cNvPr id="3" name="圖片 2">
+            <a:extLst>
+              <a:ext uri="{FF2B5EF4-FFF2-40B4-BE49-F238E27FC236}">
+                <a16:creationId xmlns:a16="http://schemas.microsoft.com/office/drawing/2014/main" id="{DD2DA824-BC5F-46FA-98E1-3163D4FE97A3}"/>
+              </a:ext>
+            </a:extLst>
+          </p:cNvPr>
+          <p:cNvPicPr>
+            <a:picLocks noChangeAspect="1"/>
+          </p:cNvPicPr>
           <p:nvPr/>
-        </p:nvSpPr>
-        <p:spPr>
-          <a:xfrm>
-            <a:off x="5800828" y="4008346"/>
-            <a:ext cx="236922" cy="1904181"/>
-          </a:xfrm>
-          <a:prstGeom prst="rightBracket">
-            <a:avLst/>
-          </a:prstGeom>
-          <a:ln w="38100"/>
-        </p:spPr>
-        <p:style>
-          <a:lnRef idx="1">
-            <a:schemeClr val="accent1"/>
-          </a:lnRef>
-          <a:fillRef idx="0">
-            <a:schemeClr val="accent1"/>
-          </a:fillRef>
-          <a:effectRef idx="0">
-            <a:schemeClr val="accent1"/>
-          </a:effectRef>
-          <a:fontRef idx="minor">
-            <a:schemeClr val="tx1"/>
-          </a:fontRef>
-        </p:style>
-        <p:txBody>
-          <a:bodyPr rtlCol="0" anchor="ctr"/>
-          <a:lstStyle/>
-          <a:p>
-            <a:pPr algn="ctr"/>
-            <a:endParaRPr lang="zh-TW" altLang="en-US">
-              <a:latin typeface="Comic Sans MS" panose="030F0702030302020204" pitchFamily="66" charset="0"/>
-            </a:endParaRPr>
-          </a:p>
-        </p:txBody>
-      </p:sp>
-      <p:sp>
-        <p:nvSpPr>
-          <p:cNvPr id="12" name="文字方塊 11">
-            <a:extLst>
-              <a:ext uri="{FF2B5EF4-FFF2-40B4-BE49-F238E27FC236}">
-                <a16:creationId xmlns:a16="http://schemas.microsoft.com/office/drawing/2014/main" id="{A8D6F489-C66D-4817-B788-0831734328F1}"/>
-              </a:ext>
-            </a:extLst>
-          </p:cNvPr>
-          <p:cNvSpPr txBox="1"/>
-          <p:nvPr/>
-        </p:nvSpPr>
-        <p:spPr>
-          <a:xfrm>
-            <a:off x="6037750" y="4402207"/>
-            <a:ext cx="4553310" cy="1200329"/>
+        </p:nvPicPr>
+        <p:blipFill>
+          <a:blip r:embed="rId3"/>
+          <a:stretch>
+            <a:fillRect/>
+          </a:stretch>
+        </p:blipFill>
+        <p:spPr>
+          <a:xfrm>
+            <a:off x="7210040" y="2818570"/>
+            <a:ext cx="4143760" cy="407049"/>
           </a:xfrm>
           <a:prstGeom prst="rect">
             <a:avLst/>
           </a:prstGeom>
-          <a:noFill/>
-        </p:spPr>
-        <p:txBody>
-          <a:bodyPr wrap="square" rtlCol="0">
-            <a:spAutoFit/>
-          </a:bodyPr>
-          <a:lstStyle/>
-          <a:p>
-            <a:r>
-              <a:rPr lang="zh-TW" altLang="en-US" dirty="0">
-                <a:latin typeface="Comic Sans MS" panose="030F0702030302020204" pitchFamily="66" charset="0"/>
-                <a:ea typeface="微軟正黑體" panose="020B0604030504040204" pitchFamily="34" charset="-120"/>
-              </a:rPr>
-              <a:t>第二次點選按鈕，檢查是否與初次點選時為同一個</a:t>
-            </a:r>
-            <a:r>
-              <a:rPr lang="en-US" altLang="zh-TW" dirty="0">
-                <a:latin typeface="Comic Sans MS" panose="030F0702030302020204" pitchFamily="66" charset="0"/>
-                <a:ea typeface="微軟正黑體" panose="020B0604030504040204" pitchFamily="34" charset="-120"/>
-              </a:rPr>
-              <a:t>list item</a:t>
-            </a:r>
-            <a:r>
-              <a:rPr lang="zh-TW" altLang="en-US" dirty="0">
-                <a:latin typeface="Comic Sans MS" panose="030F0702030302020204" pitchFamily="66" charset="0"/>
-                <a:ea typeface="微軟正黑體" panose="020B0604030504040204" pitchFamily="34" charset="-120"/>
-              </a:rPr>
-              <a:t>，若是則關閉編輯器。</a:t>
-            </a:r>
-            <a:endParaRPr lang="en-US" altLang="zh-TW" dirty="0">
-              <a:latin typeface="Comic Sans MS" panose="030F0702030302020204" pitchFamily="66" charset="0"/>
-              <a:ea typeface="微軟正黑體" panose="020B0604030504040204" pitchFamily="34" charset="-120"/>
-            </a:endParaRPr>
-          </a:p>
-          <a:p>
-            <a:r>
-              <a:rPr lang="zh-TW" altLang="en-US" dirty="0">
-                <a:latin typeface="Comic Sans MS" panose="030F0702030302020204" pitchFamily="66" charset="0"/>
-                <a:ea typeface="微軟正黑體" panose="020B0604030504040204" pitchFamily="34" charset="-120"/>
-              </a:rPr>
-              <a:t>若不是，則先關閉上一次選取的編輯器，再打開目前選取的編輯器。</a:t>
-            </a:r>
-            <a:endParaRPr lang="en-US" altLang="zh-TW" dirty="0">
-              <a:latin typeface="Comic Sans MS" panose="030F0702030302020204" pitchFamily="66" charset="0"/>
-              <a:ea typeface="微軟正黑體" panose="020B0604030504040204" pitchFamily="34" charset="-120"/>
-            </a:endParaRPr>
-          </a:p>
-        </p:txBody>
-      </p:sp>
+        </p:spPr>
+      </p:pic>
     </p:spTree>
     <p:extLst>
       <p:ext uri="{BB962C8B-B14F-4D97-AF65-F5344CB8AC3E}">
-        <p14:creationId xmlns:p14="http://schemas.microsoft.com/office/powerpoint/2010/main" val="1792102544"/>
+        <p14:creationId xmlns:p14="http://schemas.microsoft.com/office/powerpoint/2010/main" val="916212707"/>
       </p:ext>
     </p:extLst>
   </p:cSld>
@@ -6728,12 +7163,7 @@
             <p:ph type="title"/>
           </p:nvPr>
         </p:nvSpPr>
-        <p:spPr>
-          <a:xfrm>
-            <a:off x="838200" y="365125"/>
-            <a:ext cx="10729404" cy="1325563"/>
-          </a:xfrm>
-        </p:spPr>
+        <p:spPr/>
         <p:txBody>
           <a:bodyPr/>
           <a:lstStyle/>
@@ -6744,15 +7174,7 @@
             </a:r>
             <a:r>
               <a:rPr lang="zh-TW" altLang="en-US" dirty="0"/>
-              <a:t>顯示</a:t>
-            </a:r>
-            <a:r>
-              <a:rPr lang="en-US" altLang="zh-TW" dirty="0"/>
-              <a:t>/</a:t>
-            </a:r>
-            <a:r>
-              <a:rPr lang="zh-TW" altLang="en-US" dirty="0"/>
-              <a:t>隱藏 函數、選擇顏色</a:t>
+              <a:t>編輯 函數</a:t>
             </a:r>
             <a:r>
               <a:rPr lang="en-US" altLang="zh-TW" dirty="0"/>
@@ -6764,10 +7186,10 @@
       </p:sp>
       <p:pic>
         <p:nvPicPr>
-          <p:cNvPr id="5" name="內容版面配置區 4">
-            <a:extLst>
-              <a:ext uri="{FF2B5EF4-FFF2-40B4-BE49-F238E27FC236}">
-                <a16:creationId xmlns:a16="http://schemas.microsoft.com/office/drawing/2014/main" id="{466785FA-7C70-4C32-8FC4-2C0FC67D61C5}"/>
+          <p:cNvPr id="10" name="內容版面配置區 9">
+            <a:extLst>
+              <a:ext uri="{FF2B5EF4-FFF2-40B4-BE49-F238E27FC236}">
+                <a16:creationId xmlns:a16="http://schemas.microsoft.com/office/drawing/2014/main" id="{0536560E-89E7-48CF-B10E-799B7D7FB95B}"/>
               </a:ext>
             </a:extLst>
           </p:cNvPr>
@@ -6787,7 +7209,7 @@
         <p:spPr>
           <a:xfrm>
             <a:off x="838199" y="1690687"/>
-            <a:ext cx="7756193" cy="4630213"/>
+            <a:ext cx="5199551" cy="4802187"/>
           </a:xfrm>
           <a:prstGeom prst="rect">
             <a:avLst/>
@@ -6796,10 +7218,10 @@
       </p:pic>
       <p:sp>
         <p:nvSpPr>
-          <p:cNvPr id="4" name="右中括弧 3">
-            <a:extLst>
-              <a:ext uri="{FF2B5EF4-FFF2-40B4-BE49-F238E27FC236}">
-                <a16:creationId xmlns:a16="http://schemas.microsoft.com/office/drawing/2014/main" id="{ECFC5173-ADD3-4FE3-B107-7B973954F751}"/>
+          <p:cNvPr id="6" name="右中括弧 5">
+            <a:extLst>
+              <a:ext uri="{FF2B5EF4-FFF2-40B4-BE49-F238E27FC236}">
+                <a16:creationId xmlns:a16="http://schemas.microsoft.com/office/drawing/2014/main" id="{D41425C5-9E64-4C61-8431-77388A85DC0F}"/>
               </a:ext>
             </a:extLst>
           </p:cNvPr>
@@ -6808,8 +7230,8 @@
         </p:nvSpPr>
         <p:spPr>
           <a:xfrm>
-            <a:off x="8357470" y="2383732"/>
-            <a:ext cx="236922" cy="1433666"/>
+            <a:off x="5009781" y="2058727"/>
+            <a:ext cx="183656" cy="524675"/>
           </a:xfrm>
           <a:prstGeom prst="rightBracket">
             <a:avLst/>
@@ -6843,10 +7265,10 @@
       </p:sp>
       <p:sp>
         <p:nvSpPr>
-          <p:cNvPr id="6" name="文字方塊 5">
-            <a:extLst>
-              <a:ext uri="{FF2B5EF4-FFF2-40B4-BE49-F238E27FC236}">
-                <a16:creationId xmlns:a16="http://schemas.microsoft.com/office/drawing/2014/main" id="{2E76D639-2983-4064-9E76-0D60CD3ABC21}"/>
+          <p:cNvPr id="7" name="文字方塊 6">
+            <a:extLst>
+              <a:ext uri="{FF2B5EF4-FFF2-40B4-BE49-F238E27FC236}">
+                <a16:creationId xmlns:a16="http://schemas.microsoft.com/office/drawing/2014/main" id="{09D2BF02-C42F-4F24-9BE9-317DC3587715}"/>
               </a:ext>
             </a:extLst>
           </p:cNvPr>
@@ -6855,8 +7277,8 @@
         </p:nvSpPr>
         <p:spPr>
           <a:xfrm>
-            <a:off x="8674291" y="2383732"/>
-            <a:ext cx="3363829" cy="1477328"/>
+            <a:off x="5246703" y="2185226"/>
+            <a:ext cx="2743199" cy="369332"/>
           </a:xfrm>
           <a:prstGeom prst="rect">
             <a:avLst/>
@@ -6874,100 +7296,24 @@
                 <a:latin typeface="Comic Sans MS" panose="030F0702030302020204" pitchFamily="66" charset="0"/>
                 <a:ea typeface="微軟正黑體" panose="020B0604030504040204" pitchFamily="34" charset="-120"/>
               </a:rPr>
-              <a:t>如當前為隱藏，則切換為顯示</a:t>
-            </a:r>
-            <a:endParaRPr lang="en-US" altLang="zh-TW" dirty="0">
-              <a:latin typeface="Comic Sans MS" panose="030F0702030302020204" pitchFamily="66" charset="0"/>
-              <a:ea typeface="微軟正黑體" panose="020B0604030504040204" pitchFamily="34" charset="-120"/>
-            </a:endParaRPr>
-          </a:p>
-          <a:p>
-            <a:r>
-              <a:rPr lang="zh-TW" altLang="en-US" dirty="0">
-                <a:latin typeface="Comic Sans MS" panose="030F0702030302020204" pitchFamily="66" charset="0"/>
-                <a:ea typeface="微軟正黑體" panose="020B0604030504040204" pitchFamily="34" charset="-120"/>
-              </a:rPr>
-              <a:t>如當前為顯示，則切換為隱藏</a:t>
-            </a:r>
-            <a:endParaRPr lang="en-US" altLang="zh-TW" dirty="0">
-              <a:latin typeface="Comic Sans MS" panose="030F0702030302020204" pitchFamily="66" charset="0"/>
-              <a:ea typeface="微軟正黑體" panose="020B0604030504040204" pitchFamily="34" charset="-120"/>
-            </a:endParaRPr>
-          </a:p>
-          <a:p>
-            <a:endParaRPr lang="en-US" altLang="zh-TW" dirty="0">
-              <a:latin typeface="Comic Sans MS" panose="030F0702030302020204" pitchFamily="66" charset="0"/>
-              <a:ea typeface="微軟正黑體" panose="020B0604030504040204" pitchFamily="34" charset="-120"/>
-            </a:endParaRPr>
-          </a:p>
-          <a:p>
-            <a:r>
-              <a:rPr lang="zh-TW" altLang="en-US" dirty="0">
-                <a:latin typeface="Comic Sans MS" panose="030F0702030302020204" pitchFamily="66" charset="0"/>
-                <a:ea typeface="微軟正黑體" panose="020B0604030504040204" pitchFamily="34" charset="-120"/>
-              </a:rPr>
-              <a:t>顯示背景顏色</a:t>
+              <a:t>取得目前點選的</a:t>
             </a:r>
             <a:r>
               <a:rPr lang="en-US" altLang="zh-TW" dirty="0">
                 <a:latin typeface="Comic Sans MS" panose="030F0702030302020204" pitchFamily="66" charset="0"/>
                 <a:ea typeface="微軟正黑體" panose="020B0604030504040204" pitchFamily="34" charset="-120"/>
-                <a:sym typeface="Wingdings" panose="05000000000000000000" pitchFamily="2" charset="2"/>
-              </a:rPr>
-              <a:t></a:t>
-            </a:r>
-            <a:r>
-              <a:rPr lang="zh-TW" altLang="en-US" dirty="0">
-                <a:latin typeface="Comic Sans MS" panose="030F0702030302020204" pitchFamily="66" charset="0"/>
-                <a:ea typeface="微軟正黑體" panose="020B0604030504040204" pitchFamily="34" charset="-120"/>
-                <a:sym typeface="Wingdings" panose="05000000000000000000" pitchFamily="2" charset="2"/>
-              </a:rPr>
-              <a:t>灰色</a:t>
-            </a:r>
-            <a:endParaRPr lang="en-US" altLang="zh-TW" dirty="0">
-              <a:latin typeface="Comic Sans MS" panose="030F0702030302020204" pitchFamily="66" charset="0"/>
-              <a:ea typeface="微軟正黑體" panose="020B0604030504040204" pitchFamily="34" charset="-120"/>
-              <a:sym typeface="Wingdings" panose="05000000000000000000" pitchFamily="2" charset="2"/>
-            </a:endParaRPr>
-          </a:p>
-          <a:p>
-            <a:r>
-              <a:rPr lang="zh-TW" altLang="en-US" dirty="0">
-                <a:latin typeface="Comic Sans MS" panose="030F0702030302020204" pitchFamily="66" charset="0"/>
-                <a:ea typeface="微軟正黑體" panose="020B0604030504040204" pitchFamily="34" charset="-120"/>
-                <a:sym typeface="Wingdings" panose="05000000000000000000" pitchFamily="2" charset="2"/>
-              </a:rPr>
-              <a:t>隱藏背景顏色</a:t>
-            </a:r>
-            <a:r>
-              <a:rPr lang="en-US" altLang="zh-TW" dirty="0">
-                <a:latin typeface="Comic Sans MS" panose="030F0702030302020204" pitchFamily="66" charset="0"/>
-                <a:ea typeface="微軟正黑體" panose="020B0604030504040204" pitchFamily="34" charset="-120"/>
-                <a:sym typeface="Wingdings" panose="05000000000000000000" pitchFamily="2" charset="2"/>
-              </a:rPr>
-              <a:t></a:t>
-            </a:r>
-            <a:r>
-              <a:rPr lang="zh-TW" altLang="en-US" dirty="0">
-                <a:latin typeface="Comic Sans MS" panose="030F0702030302020204" pitchFamily="66" charset="0"/>
-                <a:ea typeface="微軟正黑體" panose="020B0604030504040204" pitchFamily="34" charset="-120"/>
-                <a:sym typeface="Wingdings" panose="05000000000000000000" pitchFamily="2" charset="2"/>
-              </a:rPr>
-              <a:t>白色</a:t>
-            </a:r>
-            <a:endParaRPr lang="en-US" altLang="zh-TW" dirty="0">
-              <a:latin typeface="Comic Sans MS" panose="030F0702030302020204" pitchFamily="66" charset="0"/>
-              <a:ea typeface="微軟正黑體" panose="020B0604030504040204" pitchFamily="34" charset="-120"/>
-            </a:endParaRPr>
-          </a:p>
-        </p:txBody>
-      </p:sp>
-      <p:sp>
-        <p:nvSpPr>
-          <p:cNvPr id="9" name="右中括弧 8">
-            <a:extLst>
-              <a:ext uri="{FF2B5EF4-FFF2-40B4-BE49-F238E27FC236}">
-                <a16:creationId xmlns:a16="http://schemas.microsoft.com/office/drawing/2014/main" id="{A321C6B0-D453-418C-9DFE-8A3AA54DA36F}"/>
+              </a:rPr>
+              <a:t>list item</a:t>
+            </a:r>
+          </a:p>
+        </p:txBody>
+      </p:sp>
+      <p:sp>
+        <p:nvSpPr>
+          <p:cNvPr id="8" name="右中括弧 7">
+            <a:extLst>
+              <a:ext uri="{FF2B5EF4-FFF2-40B4-BE49-F238E27FC236}">
+                <a16:creationId xmlns:a16="http://schemas.microsoft.com/office/drawing/2014/main" id="{3F9085F7-F2CD-4911-95E7-5AC2BA07C3A7}"/>
               </a:ext>
             </a:extLst>
           </p:cNvPr>
@@ -6976,8 +7322,8 @@
         </p:nvSpPr>
         <p:spPr>
           <a:xfrm>
-            <a:off x="5779179" y="5015547"/>
-            <a:ext cx="213248" cy="950247"/>
+            <a:off x="5800828" y="3086343"/>
+            <a:ext cx="236922" cy="695544"/>
           </a:xfrm>
           <a:prstGeom prst="rightBracket">
             <a:avLst/>
@@ -7011,10 +7357,10 @@
       </p:sp>
       <p:sp>
         <p:nvSpPr>
-          <p:cNvPr id="10" name="文字方塊 9">
-            <a:extLst>
-              <a:ext uri="{FF2B5EF4-FFF2-40B4-BE49-F238E27FC236}">
-                <a16:creationId xmlns:a16="http://schemas.microsoft.com/office/drawing/2014/main" id="{91E2B447-369D-4658-9D45-B05BE70DD198}"/>
+          <p:cNvPr id="9" name="文字方塊 8">
+            <a:extLst>
+              <a:ext uri="{FF2B5EF4-FFF2-40B4-BE49-F238E27FC236}">
+                <a16:creationId xmlns:a16="http://schemas.microsoft.com/office/drawing/2014/main" id="{E3E91181-CABC-4248-AFE6-77AC4B533A90}"/>
               </a:ext>
             </a:extLst>
           </p:cNvPr>
@@ -7023,8 +7369,8 @@
         </p:nvSpPr>
         <p:spPr>
           <a:xfrm>
-            <a:off x="6096000" y="5167504"/>
-            <a:ext cx="3971278" cy="646331"/>
+            <a:off x="6037750" y="3244334"/>
+            <a:ext cx="3638910" cy="369332"/>
           </a:xfrm>
           <a:prstGeom prst="rect">
             <a:avLst/>
@@ -7042,91 +7388,149 @@
                 <a:latin typeface="Comic Sans MS" panose="030F0702030302020204" pitchFamily="66" charset="0"/>
                 <a:ea typeface="微軟正黑體" panose="020B0604030504040204" pitchFamily="34" charset="-120"/>
               </a:rPr>
-              <a:t>開啟</a:t>
+              <a:t>開啟編輯器，編輯</a:t>
             </a:r>
             <a:r>
               <a:rPr lang="en-US" altLang="zh-TW" dirty="0">
                 <a:latin typeface="Comic Sans MS" panose="030F0702030302020204" pitchFamily="66" charset="0"/>
                 <a:ea typeface="微軟正黑體" panose="020B0604030504040204" pitchFamily="34" charset="-120"/>
               </a:rPr>
-              <a:t>Qt</a:t>
+              <a:t>list item</a:t>
             </a:r>
             <a:r>
               <a:rPr lang="zh-TW" altLang="en-US" dirty="0">
                 <a:latin typeface="Comic Sans MS" panose="030F0702030302020204" pitchFamily="66" charset="0"/>
                 <a:ea typeface="微軟正黑體" panose="020B0604030504040204" pitchFamily="34" charset="-120"/>
               </a:rPr>
-              <a:t>內建的</a:t>
-            </a:r>
-            <a:r>
-              <a:rPr lang="en-US" altLang="zh-TW" dirty="0">
-                <a:latin typeface="Comic Sans MS" panose="030F0702030302020204" pitchFamily="66" charset="0"/>
-                <a:ea typeface="微軟正黑體" panose="020B0604030504040204" pitchFamily="34" charset="-120"/>
-              </a:rPr>
-              <a:t>color</a:t>
-            </a:r>
-            <a:r>
-              <a:rPr lang="zh-TW" altLang="en-US" dirty="0">
-                <a:latin typeface="Comic Sans MS" panose="030F0702030302020204" pitchFamily="66" charset="0"/>
-                <a:ea typeface="微軟正黑體" panose="020B0604030504040204" pitchFamily="34" charset="-120"/>
-              </a:rPr>
-              <a:t> </a:t>
-            </a:r>
-            <a:r>
-              <a:rPr lang="en-US" altLang="zh-TW" dirty="0">
-                <a:latin typeface="Comic Sans MS" panose="030F0702030302020204" pitchFamily="66" charset="0"/>
-                <a:ea typeface="微軟正黑體" panose="020B0604030504040204" pitchFamily="34" charset="-120"/>
-              </a:rPr>
-              <a:t>picker</a:t>
-            </a:r>
-            <a:r>
-              <a:rPr lang="zh-TW" altLang="en-US" dirty="0">
-                <a:latin typeface="Comic Sans MS" panose="030F0702030302020204" pitchFamily="66" charset="0"/>
-                <a:ea typeface="微軟正黑體" panose="020B0604030504040204" pitchFamily="34" charset="-120"/>
-              </a:rPr>
-              <a:t>選擇顏色</a:t>
+              <a:t>的文字</a:t>
             </a:r>
             <a:endParaRPr lang="en-US" altLang="zh-TW" dirty="0">
               <a:latin typeface="Comic Sans MS" panose="030F0702030302020204" pitchFamily="66" charset="0"/>
               <a:ea typeface="微軟正黑體" panose="020B0604030504040204" pitchFamily="34" charset="-120"/>
             </a:endParaRPr>
           </a:p>
+        </p:txBody>
+      </p:sp>
+      <p:sp>
+        <p:nvSpPr>
+          <p:cNvPr id="11" name="右中括弧 10">
+            <a:extLst>
+              <a:ext uri="{FF2B5EF4-FFF2-40B4-BE49-F238E27FC236}">
+                <a16:creationId xmlns:a16="http://schemas.microsoft.com/office/drawing/2014/main" id="{16FD793A-E850-40F6-8011-5A6C6A1763E6}"/>
+              </a:ext>
+            </a:extLst>
+          </p:cNvPr>
+          <p:cNvSpPr/>
+          <p:nvPr/>
+        </p:nvSpPr>
+        <p:spPr>
+          <a:xfrm>
+            <a:off x="5800828" y="4008346"/>
+            <a:ext cx="236922" cy="1904181"/>
+          </a:xfrm>
+          <a:prstGeom prst="rightBracket">
+            <a:avLst/>
+          </a:prstGeom>
+          <a:ln w="38100"/>
+        </p:spPr>
+        <p:style>
+          <a:lnRef idx="1">
+            <a:schemeClr val="accent1"/>
+          </a:lnRef>
+          <a:fillRef idx="0">
+            <a:schemeClr val="accent1"/>
+          </a:fillRef>
+          <a:effectRef idx="0">
+            <a:schemeClr val="accent1"/>
+          </a:effectRef>
+          <a:fontRef idx="minor">
+            <a:schemeClr val="tx1"/>
+          </a:fontRef>
+        </p:style>
+        <p:txBody>
+          <a:bodyPr rtlCol="0" anchor="ctr"/>
+          <a:lstStyle/>
+          <a:p>
+            <a:pPr algn="ctr"/>
+            <a:endParaRPr lang="zh-TW" altLang="en-US">
+              <a:latin typeface="Comic Sans MS" panose="030F0702030302020204" pitchFamily="66" charset="0"/>
+            </a:endParaRPr>
+          </a:p>
+        </p:txBody>
+      </p:sp>
+      <p:sp>
+        <p:nvSpPr>
+          <p:cNvPr id="12" name="文字方塊 11">
+            <a:extLst>
+              <a:ext uri="{FF2B5EF4-FFF2-40B4-BE49-F238E27FC236}">
+                <a16:creationId xmlns:a16="http://schemas.microsoft.com/office/drawing/2014/main" id="{A8D6F489-C66D-4817-B788-0831734328F1}"/>
+              </a:ext>
+            </a:extLst>
+          </p:cNvPr>
+          <p:cNvSpPr txBox="1"/>
+          <p:nvPr/>
+        </p:nvSpPr>
+        <p:spPr>
+          <a:xfrm>
+            <a:off x="6037750" y="4402207"/>
+            <a:ext cx="4553310" cy="1200329"/>
+          </a:xfrm>
+          <a:prstGeom prst="rect">
+            <a:avLst/>
+          </a:prstGeom>
+          <a:noFill/>
+        </p:spPr>
+        <p:txBody>
+          <a:bodyPr wrap="square" rtlCol="0">
+            <a:spAutoFit/>
+          </a:bodyPr>
+          <a:lstStyle/>
           <a:p>
             <a:r>
               <a:rPr lang="zh-TW" altLang="en-US" dirty="0">
                 <a:latin typeface="Comic Sans MS" panose="030F0702030302020204" pitchFamily="66" charset="0"/>
                 <a:ea typeface="微軟正黑體" panose="020B0604030504040204" pitchFamily="34" charset="-120"/>
               </a:rPr>
-              <a:t>並指定給選定的</a:t>
+              <a:t>第二次點選按鈕，檢查是否與初次點選時為同一個</a:t>
             </a:r>
             <a:r>
               <a:rPr lang="en-US" altLang="zh-TW" dirty="0">
                 <a:latin typeface="Comic Sans MS" panose="030F0702030302020204" pitchFamily="66" charset="0"/>
                 <a:ea typeface="微軟正黑體" panose="020B0604030504040204" pitchFamily="34" charset="-120"/>
               </a:rPr>
-              <a:t>list</a:t>
+              <a:t>list item</a:t>
             </a:r>
             <a:r>
               <a:rPr lang="zh-TW" altLang="en-US" dirty="0">
                 <a:latin typeface="Comic Sans MS" panose="030F0702030302020204" pitchFamily="66" charset="0"/>
                 <a:ea typeface="微軟正黑體" panose="020B0604030504040204" pitchFamily="34" charset="-120"/>
               </a:rPr>
-              <a:t> </a:t>
-            </a:r>
-            <a:r>
-              <a:rPr lang="en-US" altLang="zh-TW" dirty="0">
+              <a:t>，若是則關閉編輯器。</a:t>
+            </a:r>
+            <a:endParaRPr lang="en-US" altLang="zh-TW" dirty="0">
+              <a:latin typeface="Comic Sans MS" panose="030F0702030302020204" pitchFamily="66" charset="0"/>
+              <a:ea typeface="微軟正黑體" panose="020B0604030504040204" pitchFamily="34" charset="-120"/>
+            </a:endParaRPr>
+          </a:p>
+          <a:p>
+            <a:r>
+              <a:rPr lang="zh-TW" altLang="en-US" dirty="0">
                 <a:latin typeface="Comic Sans MS" panose="030F0702030302020204" pitchFamily="66" charset="0"/>
                 <a:ea typeface="微軟正黑體" panose="020B0604030504040204" pitchFamily="34" charset="-120"/>
               </a:rPr>
-              <a:t>item</a:t>
-            </a:r>
+              <a:t>若不是，則先關閉上一次選取的編輯器，再打開目前選取的編輯器。</a:t>
+            </a:r>
+            <a:endParaRPr lang="en-US" altLang="zh-TW" dirty="0">
+              <a:latin typeface="Comic Sans MS" panose="030F0702030302020204" pitchFamily="66" charset="0"/>
+              <a:ea typeface="微軟正黑體" panose="020B0604030504040204" pitchFamily="34" charset="-120"/>
+            </a:endParaRPr>
           </a:p>
         </p:txBody>
       </p:sp>
     </p:spTree>
     <p:extLst>
       <p:ext uri="{BB962C8B-B14F-4D97-AF65-F5344CB8AC3E}">
-        <p14:creationId xmlns:p14="http://schemas.microsoft.com/office/powerpoint/2010/main" val="366640917"/>
+        <p14:creationId xmlns:p14="http://schemas.microsoft.com/office/powerpoint/2010/main" val="1792102544"/>
       </p:ext>
     </p:extLst>
   </p:cSld>
@@ -7386,18 +7790,31 @@
             <p:ph type="title"/>
           </p:nvPr>
         </p:nvSpPr>
-        <p:spPr/>
+        <p:spPr>
+          <a:xfrm>
+            <a:off x="838200" y="365125"/>
+            <a:ext cx="10729404" cy="1325563"/>
+          </a:xfrm>
+        </p:spPr>
         <p:txBody>
           <a:bodyPr/>
           <a:lstStyle/>
           <a:p>
             <a:r>
               <a:rPr lang="en-US" altLang="zh-TW" dirty="0"/>
-              <a:t>Drawer –</a:t>
+              <a:t>Drawer – </a:t>
             </a:r>
             <a:r>
               <a:rPr lang="zh-TW" altLang="en-US" dirty="0"/>
-              <a:t> 新增、移除 變數</a:t>
+              <a:t>顯示</a:t>
+            </a:r>
+            <a:r>
+              <a:rPr lang="en-US" altLang="zh-TW" dirty="0"/>
+              <a:t>/</a:t>
+            </a:r>
+            <a:r>
+              <a:rPr lang="zh-TW" altLang="en-US" dirty="0"/>
+              <a:t>隱藏 函數、選擇顏色</a:t>
             </a:r>
             <a:r>
               <a:rPr lang="en-US" altLang="zh-TW" dirty="0"/>
@@ -7407,35 +7824,371 @@
           </a:p>
         </p:txBody>
       </p:sp>
-      <p:sp>
-        <p:nvSpPr>
-          <p:cNvPr id="7" name="內容版面配置區 6">
-            <a:extLst>
-              <a:ext uri="{FF2B5EF4-FFF2-40B4-BE49-F238E27FC236}">
-                <a16:creationId xmlns:a16="http://schemas.microsoft.com/office/drawing/2014/main" id="{CCDD5811-F882-4BBA-A5F9-7AFC7CEE8D14}"/>
-              </a:ext>
-            </a:extLst>
-          </p:cNvPr>
-          <p:cNvSpPr>
-            <a:spLocks noGrp="1"/>
-          </p:cNvSpPr>
+      <p:pic>
+        <p:nvPicPr>
+          <p:cNvPr id="5" name="內容版面配置區 4">
+            <a:extLst>
+              <a:ext uri="{FF2B5EF4-FFF2-40B4-BE49-F238E27FC236}">
+                <a16:creationId xmlns:a16="http://schemas.microsoft.com/office/drawing/2014/main" id="{466785FA-7C70-4C32-8FC4-2C0FC67D61C5}"/>
+              </a:ext>
+            </a:extLst>
+          </p:cNvPr>
+          <p:cNvPicPr>
+            <a:picLocks noGrp="1" noChangeAspect="1"/>
+          </p:cNvPicPr>
           <p:nvPr>
             <p:ph idx="1"/>
           </p:nvPr>
-        </p:nvSpPr>
-        <p:spPr/>
-        <p:txBody>
-          <a:bodyPr/>
-          <a:lstStyle/>
-          <a:p>
-            <a:endParaRPr lang="zh-TW" altLang="en-US"/>
+        </p:nvPicPr>
+        <p:blipFill>
+          <a:blip r:embed="rId2"/>
+          <a:stretch>
+            <a:fillRect/>
+          </a:stretch>
+        </p:blipFill>
+        <p:spPr>
+          <a:xfrm>
+            <a:off x="838199" y="1690687"/>
+            <a:ext cx="7756193" cy="4630213"/>
+          </a:xfrm>
+          <a:prstGeom prst="rect">
+            <a:avLst/>
+          </a:prstGeom>
+        </p:spPr>
+      </p:pic>
+      <p:sp>
+        <p:nvSpPr>
+          <p:cNvPr id="4" name="右中括弧 3">
+            <a:extLst>
+              <a:ext uri="{FF2B5EF4-FFF2-40B4-BE49-F238E27FC236}">
+                <a16:creationId xmlns:a16="http://schemas.microsoft.com/office/drawing/2014/main" id="{ECFC5173-ADD3-4FE3-B107-7B973954F751}"/>
+              </a:ext>
+            </a:extLst>
+          </p:cNvPr>
+          <p:cNvSpPr/>
+          <p:nvPr/>
+        </p:nvSpPr>
+        <p:spPr>
+          <a:xfrm>
+            <a:off x="8357470" y="2383732"/>
+            <a:ext cx="236922" cy="1433666"/>
+          </a:xfrm>
+          <a:prstGeom prst="rightBracket">
+            <a:avLst/>
+          </a:prstGeom>
+          <a:ln w="38100"/>
+        </p:spPr>
+        <p:style>
+          <a:lnRef idx="1">
+            <a:schemeClr val="accent1"/>
+          </a:lnRef>
+          <a:fillRef idx="0">
+            <a:schemeClr val="accent1"/>
+          </a:fillRef>
+          <a:effectRef idx="0">
+            <a:schemeClr val="accent1"/>
+          </a:effectRef>
+          <a:fontRef idx="minor">
+            <a:schemeClr val="tx1"/>
+          </a:fontRef>
+        </p:style>
+        <p:txBody>
+          <a:bodyPr rtlCol="0" anchor="ctr"/>
+          <a:lstStyle/>
+          <a:p>
+            <a:pPr algn="ctr"/>
+            <a:endParaRPr lang="zh-TW" altLang="en-US">
+              <a:latin typeface="Comic Sans MS" panose="030F0702030302020204" pitchFamily="66" charset="0"/>
+            </a:endParaRPr>
+          </a:p>
+        </p:txBody>
+      </p:sp>
+      <p:sp>
+        <p:nvSpPr>
+          <p:cNvPr id="6" name="文字方塊 5">
+            <a:extLst>
+              <a:ext uri="{FF2B5EF4-FFF2-40B4-BE49-F238E27FC236}">
+                <a16:creationId xmlns:a16="http://schemas.microsoft.com/office/drawing/2014/main" id="{2E76D639-2983-4064-9E76-0D60CD3ABC21}"/>
+              </a:ext>
+            </a:extLst>
+          </p:cNvPr>
+          <p:cNvSpPr txBox="1"/>
+          <p:nvPr/>
+        </p:nvSpPr>
+        <p:spPr>
+          <a:xfrm>
+            <a:off x="8674291" y="2383732"/>
+            <a:ext cx="3363829" cy="1477328"/>
+          </a:xfrm>
+          <a:prstGeom prst="rect">
+            <a:avLst/>
+          </a:prstGeom>
+          <a:noFill/>
+        </p:spPr>
+        <p:txBody>
+          <a:bodyPr wrap="square" rtlCol="0">
+            <a:spAutoFit/>
+          </a:bodyPr>
+          <a:lstStyle/>
+          <a:p>
+            <a:r>
+              <a:rPr lang="zh-TW" altLang="en-US" dirty="0">
+                <a:latin typeface="Comic Sans MS" panose="030F0702030302020204" pitchFamily="66" charset="0"/>
+                <a:ea typeface="微軟正黑體" panose="020B0604030504040204" pitchFamily="34" charset="-120"/>
+              </a:rPr>
+              <a:t>如當前為隱藏，則切換為顯示</a:t>
+            </a:r>
+            <a:endParaRPr lang="en-US" altLang="zh-TW" dirty="0">
+              <a:latin typeface="Comic Sans MS" panose="030F0702030302020204" pitchFamily="66" charset="0"/>
+              <a:ea typeface="微軟正黑體" panose="020B0604030504040204" pitchFamily="34" charset="-120"/>
+            </a:endParaRPr>
+          </a:p>
+          <a:p>
+            <a:r>
+              <a:rPr lang="zh-TW" altLang="en-US" dirty="0">
+                <a:latin typeface="Comic Sans MS" panose="030F0702030302020204" pitchFamily="66" charset="0"/>
+                <a:ea typeface="微軟正黑體" panose="020B0604030504040204" pitchFamily="34" charset="-120"/>
+              </a:rPr>
+              <a:t>如當前為顯示，則切換為隱藏</a:t>
+            </a:r>
+            <a:endParaRPr lang="en-US" altLang="zh-TW" dirty="0">
+              <a:latin typeface="Comic Sans MS" panose="030F0702030302020204" pitchFamily="66" charset="0"/>
+              <a:ea typeface="微軟正黑體" panose="020B0604030504040204" pitchFamily="34" charset="-120"/>
+            </a:endParaRPr>
+          </a:p>
+          <a:p>
+            <a:endParaRPr lang="en-US" altLang="zh-TW" dirty="0">
+              <a:latin typeface="Comic Sans MS" panose="030F0702030302020204" pitchFamily="66" charset="0"/>
+              <a:ea typeface="微軟正黑體" panose="020B0604030504040204" pitchFamily="34" charset="-120"/>
+            </a:endParaRPr>
+          </a:p>
+          <a:p>
+            <a:r>
+              <a:rPr lang="zh-TW" altLang="en-US" dirty="0">
+                <a:latin typeface="Comic Sans MS" panose="030F0702030302020204" pitchFamily="66" charset="0"/>
+                <a:ea typeface="微軟正黑體" panose="020B0604030504040204" pitchFamily="34" charset="-120"/>
+              </a:rPr>
+              <a:t>顯示背景顏色</a:t>
+            </a:r>
+            <a:r>
+              <a:rPr lang="en-US" altLang="zh-TW" dirty="0">
+                <a:latin typeface="Comic Sans MS" panose="030F0702030302020204" pitchFamily="66" charset="0"/>
+                <a:ea typeface="微軟正黑體" panose="020B0604030504040204" pitchFamily="34" charset="-120"/>
+                <a:sym typeface="Wingdings" panose="05000000000000000000" pitchFamily="2" charset="2"/>
+              </a:rPr>
+              <a:t></a:t>
+            </a:r>
+            <a:r>
+              <a:rPr lang="zh-TW" altLang="en-US" dirty="0">
+                <a:latin typeface="Comic Sans MS" panose="030F0702030302020204" pitchFamily="66" charset="0"/>
+                <a:ea typeface="微軟正黑體" panose="020B0604030504040204" pitchFamily="34" charset="-120"/>
+                <a:sym typeface="Wingdings" panose="05000000000000000000" pitchFamily="2" charset="2"/>
+              </a:rPr>
+              <a:t>灰色</a:t>
+            </a:r>
+            <a:endParaRPr lang="en-US" altLang="zh-TW" dirty="0">
+              <a:latin typeface="Comic Sans MS" panose="030F0702030302020204" pitchFamily="66" charset="0"/>
+              <a:ea typeface="微軟正黑體" panose="020B0604030504040204" pitchFamily="34" charset="-120"/>
+              <a:sym typeface="Wingdings" panose="05000000000000000000" pitchFamily="2" charset="2"/>
+            </a:endParaRPr>
+          </a:p>
+          <a:p>
+            <a:r>
+              <a:rPr lang="zh-TW" altLang="en-US" dirty="0">
+                <a:latin typeface="Comic Sans MS" panose="030F0702030302020204" pitchFamily="66" charset="0"/>
+                <a:ea typeface="微軟正黑體" panose="020B0604030504040204" pitchFamily="34" charset="-120"/>
+                <a:sym typeface="Wingdings" panose="05000000000000000000" pitchFamily="2" charset="2"/>
+              </a:rPr>
+              <a:t>隱藏背景顏色</a:t>
+            </a:r>
+            <a:r>
+              <a:rPr lang="en-US" altLang="zh-TW" dirty="0">
+                <a:latin typeface="Comic Sans MS" panose="030F0702030302020204" pitchFamily="66" charset="0"/>
+                <a:ea typeface="微軟正黑體" panose="020B0604030504040204" pitchFamily="34" charset="-120"/>
+                <a:sym typeface="Wingdings" panose="05000000000000000000" pitchFamily="2" charset="2"/>
+              </a:rPr>
+              <a:t></a:t>
+            </a:r>
+            <a:r>
+              <a:rPr lang="zh-TW" altLang="en-US" dirty="0">
+                <a:latin typeface="Comic Sans MS" panose="030F0702030302020204" pitchFamily="66" charset="0"/>
+                <a:ea typeface="微軟正黑體" panose="020B0604030504040204" pitchFamily="34" charset="-120"/>
+                <a:sym typeface="Wingdings" panose="05000000000000000000" pitchFamily="2" charset="2"/>
+              </a:rPr>
+              <a:t>白色</a:t>
+            </a:r>
+            <a:endParaRPr lang="en-US" altLang="zh-TW" dirty="0">
+              <a:latin typeface="Comic Sans MS" panose="030F0702030302020204" pitchFamily="66" charset="0"/>
+              <a:ea typeface="微軟正黑體" panose="020B0604030504040204" pitchFamily="34" charset="-120"/>
+            </a:endParaRPr>
+          </a:p>
+        </p:txBody>
+      </p:sp>
+      <p:sp>
+        <p:nvSpPr>
+          <p:cNvPr id="9" name="右中括弧 8">
+            <a:extLst>
+              <a:ext uri="{FF2B5EF4-FFF2-40B4-BE49-F238E27FC236}">
+                <a16:creationId xmlns:a16="http://schemas.microsoft.com/office/drawing/2014/main" id="{A321C6B0-D453-418C-9DFE-8A3AA54DA36F}"/>
+              </a:ext>
+            </a:extLst>
+          </p:cNvPr>
+          <p:cNvSpPr/>
+          <p:nvPr/>
+        </p:nvSpPr>
+        <p:spPr>
+          <a:xfrm>
+            <a:off x="5779179" y="5015547"/>
+            <a:ext cx="213248" cy="950247"/>
+          </a:xfrm>
+          <a:prstGeom prst="rightBracket">
+            <a:avLst/>
+          </a:prstGeom>
+          <a:ln w="38100"/>
+        </p:spPr>
+        <p:style>
+          <a:lnRef idx="1">
+            <a:schemeClr val="accent1"/>
+          </a:lnRef>
+          <a:fillRef idx="0">
+            <a:schemeClr val="accent1"/>
+          </a:fillRef>
+          <a:effectRef idx="0">
+            <a:schemeClr val="accent1"/>
+          </a:effectRef>
+          <a:fontRef idx="minor">
+            <a:schemeClr val="tx1"/>
+          </a:fontRef>
+        </p:style>
+        <p:txBody>
+          <a:bodyPr rtlCol="0" anchor="ctr"/>
+          <a:lstStyle/>
+          <a:p>
+            <a:pPr algn="ctr"/>
+            <a:endParaRPr lang="zh-TW" altLang="en-US">
+              <a:latin typeface="Comic Sans MS" panose="030F0702030302020204" pitchFamily="66" charset="0"/>
+            </a:endParaRPr>
+          </a:p>
+        </p:txBody>
+      </p:sp>
+      <p:sp>
+        <p:nvSpPr>
+          <p:cNvPr id="10" name="文字方塊 9">
+            <a:extLst>
+              <a:ext uri="{FF2B5EF4-FFF2-40B4-BE49-F238E27FC236}">
+                <a16:creationId xmlns:a16="http://schemas.microsoft.com/office/drawing/2014/main" id="{91E2B447-369D-4658-9D45-B05BE70DD198}"/>
+              </a:ext>
+            </a:extLst>
+          </p:cNvPr>
+          <p:cNvSpPr txBox="1"/>
+          <p:nvPr/>
+        </p:nvSpPr>
+        <p:spPr>
+          <a:xfrm>
+            <a:off x="6096000" y="5167504"/>
+            <a:ext cx="3971278" cy="646331"/>
+          </a:xfrm>
+          <a:prstGeom prst="rect">
+            <a:avLst/>
+          </a:prstGeom>
+          <a:noFill/>
+        </p:spPr>
+        <p:txBody>
+          <a:bodyPr wrap="square" rtlCol="0">
+            <a:spAutoFit/>
+          </a:bodyPr>
+          <a:lstStyle/>
+          <a:p>
+            <a:r>
+              <a:rPr lang="zh-TW" altLang="en-US" dirty="0">
+                <a:latin typeface="Comic Sans MS" panose="030F0702030302020204" pitchFamily="66" charset="0"/>
+                <a:ea typeface="微軟正黑體" panose="020B0604030504040204" pitchFamily="34" charset="-120"/>
+              </a:rPr>
+              <a:t>開啟</a:t>
+            </a:r>
+            <a:r>
+              <a:rPr lang="en-US" altLang="zh-TW" dirty="0">
+                <a:latin typeface="Comic Sans MS" panose="030F0702030302020204" pitchFamily="66" charset="0"/>
+                <a:ea typeface="微軟正黑體" panose="020B0604030504040204" pitchFamily="34" charset="-120"/>
+              </a:rPr>
+              <a:t>Qt</a:t>
+            </a:r>
+            <a:r>
+              <a:rPr lang="zh-TW" altLang="en-US" dirty="0">
+                <a:latin typeface="Comic Sans MS" panose="030F0702030302020204" pitchFamily="66" charset="0"/>
+                <a:ea typeface="微軟正黑體" panose="020B0604030504040204" pitchFamily="34" charset="-120"/>
+              </a:rPr>
+              <a:t>內建的</a:t>
+            </a:r>
+            <a:r>
+              <a:rPr lang="en-US" altLang="zh-TW" dirty="0">
+                <a:latin typeface="Comic Sans MS" panose="030F0702030302020204" pitchFamily="66" charset="0"/>
+                <a:ea typeface="微軟正黑體" panose="020B0604030504040204" pitchFamily="34" charset="-120"/>
+              </a:rPr>
+              <a:t>color</a:t>
+            </a:r>
+            <a:r>
+              <a:rPr lang="zh-TW" altLang="en-US" dirty="0">
+                <a:latin typeface="Comic Sans MS" panose="030F0702030302020204" pitchFamily="66" charset="0"/>
+                <a:ea typeface="微軟正黑體" panose="020B0604030504040204" pitchFamily="34" charset="-120"/>
+              </a:rPr>
+              <a:t> </a:t>
+            </a:r>
+            <a:r>
+              <a:rPr lang="en-US" altLang="zh-TW" dirty="0">
+                <a:latin typeface="Comic Sans MS" panose="030F0702030302020204" pitchFamily="66" charset="0"/>
+                <a:ea typeface="微軟正黑體" panose="020B0604030504040204" pitchFamily="34" charset="-120"/>
+              </a:rPr>
+              <a:t>picker</a:t>
+            </a:r>
+            <a:r>
+              <a:rPr lang="zh-TW" altLang="en-US" dirty="0">
+                <a:latin typeface="Comic Sans MS" panose="030F0702030302020204" pitchFamily="66" charset="0"/>
+                <a:ea typeface="微軟正黑體" panose="020B0604030504040204" pitchFamily="34" charset="-120"/>
+              </a:rPr>
+              <a:t>選擇顏色</a:t>
+            </a:r>
+            <a:endParaRPr lang="en-US" altLang="zh-TW" dirty="0">
+              <a:latin typeface="Comic Sans MS" panose="030F0702030302020204" pitchFamily="66" charset="0"/>
+              <a:ea typeface="微軟正黑體" panose="020B0604030504040204" pitchFamily="34" charset="-120"/>
+            </a:endParaRPr>
+          </a:p>
+          <a:p>
+            <a:r>
+              <a:rPr lang="zh-TW" altLang="en-US" dirty="0">
+                <a:latin typeface="Comic Sans MS" panose="030F0702030302020204" pitchFamily="66" charset="0"/>
+                <a:ea typeface="微軟正黑體" panose="020B0604030504040204" pitchFamily="34" charset="-120"/>
+              </a:rPr>
+              <a:t>並指定給選定的</a:t>
+            </a:r>
+            <a:r>
+              <a:rPr lang="en-US" altLang="zh-TW" dirty="0">
+                <a:latin typeface="Comic Sans MS" panose="030F0702030302020204" pitchFamily="66" charset="0"/>
+                <a:ea typeface="微軟正黑體" panose="020B0604030504040204" pitchFamily="34" charset="-120"/>
+              </a:rPr>
+              <a:t>list</a:t>
+            </a:r>
+            <a:r>
+              <a:rPr lang="zh-TW" altLang="en-US" dirty="0">
+                <a:latin typeface="Comic Sans MS" panose="030F0702030302020204" pitchFamily="66" charset="0"/>
+                <a:ea typeface="微軟正黑體" panose="020B0604030504040204" pitchFamily="34" charset="-120"/>
+              </a:rPr>
+              <a:t> </a:t>
+            </a:r>
+            <a:r>
+              <a:rPr lang="en-US" altLang="zh-TW" dirty="0">
+                <a:latin typeface="Comic Sans MS" panose="030F0702030302020204" pitchFamily="66" charset="0"/>
+                <a:ea typeface="微軟正黑體" panose="020B0604030504040204" pitchFamily="34" charset="-120"/>
+              </a:rPr>
+              <a:t>item</a:t>
+            </a:r>
           </a:p>
         </p:txBody>
       </p:sp>
     </p:spTree>
     <p:extLst>
       <p:ext uri="{BB962C8B-B14F-4D97-AF65-F5344CB8AC3E}">
-        <p14:creationId xmlns:p14="http://schemas.microsoft.com/office/powerpoint/2010/main" val="2901123346"/>
+        <p14:creationId xmlns:p14="http://schemas.microsoft.com/office/powerpoint/2010/main" val="366640917"/>
       </p:ext>
     </p:extLst>
   </p:cSld>
@@ -7488,11 +8241,11 @@
           <a:p>
             <a:r>
               <a:rPr lang="en-US" altLang="zh-TW" dirty="0"/>
-              <a:t>Drawer – </a:t>
+              <a:t>Drawer –</a:t>
             </a:r>
             <a:r>
               <a:rPr lang="zh-TW" altLang="en-US" dirty="0"/>
-              <a:t>編輯 變數</a:t>
+              <a:t> 新增 變數</a:t>
             </a:r>
             <a:r>
               <a:rPr lang="en-US" altLang="zh-TW" dirty="0"/>
@@ -7502,12 +8255,322 @@
           </a:p>
         </p:txBody>
       </p:sp>
-      <p:sp>
-        <p:nvSpPr>
-          <p:cNvPr id="7" name="內容版面配置區 6">
-            <a:extLst>
-              <a:ext uri="{FF2B5EF4-FFF2-40B4-BE49-F238E27FC236}">
-                <a16:creationId xmlns:a16="http://schemas.microsoft.com/office/drawing/2014/main" id="{13E19CD3-CADC-43E1-837F-51051B58AB28}"/>
+      <p:pic>
+        <p:nvPicPr>
+          <p:cNvPr id="3" name="內容版面配置區 2">
+            <a:extLst>
+              <a:ext uri="{FF2B5EF4-FFF2-40B4-BE49-F238E27FC236}">
+                <a16:creationId xmlns:a16="http://schemas.microsoft.com/office/drawing/2014/main" id="{AEBCEE2E-1D6B-4628-8BCA-CB19BA3B727D}"/>
+              </a:ext>
+            </a:extLst>
+          </p:cNvPr>
+          <p:cNvPicPr>
+            <a:picLocks noGrp="1" noChangeAspect="1"/>
+          </p:cNvPicPr>
+          <p:nvPr>
+            <p:ph idx="1"/>
+          </p:nvPr>
+        </p:nvPicPr>
+        <p:blipFill>
+          <a:blip r:embed="rId2"/>
+          <a:stretch>
+            <a:fillRect/>
+          </a:stretch>
+        </p:blipFill>
+        <p:spPr>
+          <a:xfrm>
+            <a:off x="838200" y="1690688"/>
+            <a:ext cx="7917423" cy="4594702"/>
+          </a:xfrm>
+          <a:prstGeom prst="rect">
+            <a:avLst/>
+          </a:prstGeom>
+        </p:spPr>
+      </p:pic>
+      <p:sp>
+        <p:nvSpPr>
+          <p:cNvPr id="5" name="右中括弧 4">
+            <a:extLst>
+              <a:ext uri="{FF2B5EF4-FFF2-40B4-BE49-F238E27FC236}">
+                <a16:creationId xmlns:a16="http://schemas.microsoft.com/office/drawing/2014/main" id="{24C20024-2F1C-4C4E-B1EB-F8C663B8C6B3}"/>
+              </a:ext>
+            </a:extLst>
+          </p:cNvPr>
+          <p:cNvSpPr/>
+          <p:nvPr/>
+        </p:nvSpPr>
+        <p:spPr>
+          <a:xfrm>
+            <a:off x="6422976" y="1858969"/>
+            <a:ext cx="216357" cy="1490131"/>
+          </a:xfrm>
+          <a:prstGeom prst="rightBracket">
+            <a:avLst/>
+          </a:prstGeom>
+          <a:ln w="38100"/>
+        </p:spPr>
+        <p:style>
+          <a:lnRef idx="1">
+            <a:schemeClr val="accent1"/>
+          </a:lnRef>
+          <a:fillRef idx="0">
+            <a:schemeClr val="accent1"/>
+          </a:fillRef>
+          <a:effectRef idx="0">
+            <a:schemeClr val="accent1"/>
+          </a:effectRef>
+          <a:fontRef idx="minor">
+            <a:schemeClr val="tx1"/>
+          </a:fontRef>
+        </p:style>
+        <p:txBody>
+          <a:bodyPr rtlCol="0" anchor="ctr"/>
+          <a:lstStyle/>
+          <a:p>
+            <a:pPr algn="ctr"/>
+            <a:endParaRPr lang="zh-TW" altLang="en-US">
+              <a:latin typeface="Comic Sans MS" panose="030F0702030302020204" pitchFamily="66" charset="0"/>
+            </a:endParaRPr>
+          </a:p>
+        </p:txBody>
+      </p:sp>
+      <p:sp>
+        <p:nvSpPr>
+          <p:cNvPr id="6" name="文字方塊 5">
+            <a:extLst>
+              <a:ext uri="{FF2B5EF4-FFF2-40B4-BE49-F238E27FC236}">
+                <a16:creationId xmlns:a16="http://schemas.microsoft.com/office/drawing/2014/main" id="{8B10BBE3-42A6-4BB0-9A6A-D141C272F297}"/>
+              </a:ext>
+            </a:extLst>
+          </p:cNvPr>
+          <p:cNvSpPr txBox="1"/>
+          <p:nvPr/>
+        </p:nvSpPr>
+        <p:spPr>
+          <a:xfrm>
+            <a:off x="6639333" y="2189336"/>
+            <a:ext cx="3854073" cy="646331"/>
+          </a:xfrm>
+          <a:prstGeom prst="rect">
+            <a:avLst/>
+          </a:prstGeom>
+          <a:noFill/>
+        </p:spPr>
+        <p:txBody>
+          <a:bodyPr wrap="square" rtlCol="0">
+            <a:spAutoFit/>
+          </a:bodyPr>
+          <a:lstStyle/>
+          <a:p>
+            <a:r>
+              <a:rPr lang="zh-TW" altLang="en-US" dirty="0">
+                <a:latin typeface="Comic Sans MS" panose="030F0702030302020204" pitchFamily="66" charset="0"/>
+                <a:ea typeface="微軟正黑體" panose="020B0604030504040204" pitchFamily="34" charset="-120"/>
+              </a:rPr>
+              <a:t>按鈕按下後</a:t>
+            </a:r>
+            <a:endParaRPr lang="en-US" altLang="zh-TW" dirty="0">
+              <a:latin typeface="Comic Sans MS" panose="030F0702030302020204" pitchFamily="66" charset="0"/>
+              <a:ea typeface="微軟正黑體" panose="020B0604030504040204" pitchFamily="34" charset="-120"/>
+            </a:endParaRPr>
+          </a:p>
+          <a:p>
+            <a:r>
+              <a:rPr lang="zh-TW" altLang="en-US" dirty="0">
+                <a:latin typeface="Comic Sans MS" panose="030F0702030302020204" pitchFamily="66" charset="0"/>
+                <a:ea typeface="微軟正黑體" panose="020B0604030504040204" pitchFamily="34" charset="-120"/>
+              </a:rPr>
+              <a:t>建立一個</a:t>
+            </a:r>
+            <a:r>
+              <a:rPr lang="en-US" altLang="zh-TW" dirty="0">
+                <a:latin typeface="Comic Sans MS" panose="030F0702030302020204" pitchFamily="66" charset="0"/>
+                <a:ea typeface="微軟正黑體" panose="020B0604030504040204" pitchFamily="34" charset="-120"/>
+              </a:rPr>
+              <a:t>list item</a:t>
+            </a:r>
+            <a:r>
+              <a:rPr lang="zh-TW" altLang="en-US" dirty="0">
+                <a:latin typeface="Comic Sans MS" panose="030F0702030302020204" pitchFamily="66" charset="0"/>
+                <a:ea typeface="微軟正黑體" panose="020B0604030504040204" pitchFamily="34" charset="-120"/>
+              </a:rPr>
+              <a:t>，並套用基本設定</a:t>
+            </a:r>
+            <a:endParaRPr lang="en-US" altLang="zh-TW" dirty="0">
+              <a:latin typeface="Comic Sans MS" panose="030F0702030302020204" pitchFamily="66" charset="0"/>
+              <a:ea typeface="微軟正黑體" panose="020B0604030504040204" pitchFamily="34" charset="-120"/>
+            </a:endParaRPr>
+          </a:p>
+        </p:txBody>
+      </p:sp>
+      <p:sp>
+        <p:nvSpPr>
+          <p:cNvPr id="11" name="右中括弧 10">
+            <a:extLst>
+              <a:ext uri="{FF2B5EF4-FFF2-40B4-BE49-F238E27FC236}">
+                <a16:creationId xmlns:a16="http://schemas.microsoft.com/office/drawing/2014/main" id="{39E44236-666D-42ED-AD84-67191DCB92B0}"/>
+              </a:ext>
+            </a:extLst>
+          </p:cNvPr>
+          <p:cNvSpPr/>
+          <p:nvPr/>
+        </p:nvSpPr>
+        <p:spPr>
+          <a:xfrm>
+            <a:off x="8539266" y="3677181"/>
+            <a:ext cx="216357" cy="1835852"/>
+          </a:xfrm>
+          <a:prstGeom prst="rightBracket">
+            <a:avLst/>
+          </a:prstGeom>
+          <a:ln w="38100"/>
+        </p:spPr>
+        <p:style>
+          <a:lnRef idx="1">
+            <a:schemeClr val="accent1"/>
+          </a:lnRef>
+          <a:fillRef idx="0">
+            <a:schemeClr val="accent1"/>
+          </a:fillRef>
+          <a:effectRef idx="0">
+            <a:schemeClr val="accent1"/>
+          </a:effectRef>
+          <a:fontRef idx="minor">
+            <a:schemeClr val="tx1"/>
+          </a:fontRef>
+        </p:style>
+        <p:txBody>
+          <a:bodyPr rtlCol="0" anchor="ctr"/>
+          <a:lstStyle/>
+          <a:p>
+            <a:pPr algn="ctr"/>
+            <a:endParaRPr lang="zh-TW" altLang="en-US">
+              <a:latin typeface="Comic Sans MS" panose="030F0702030302020204" pitchFamily="66" charset="0"/>
+            </a:endParaRPr>
+          </a:p>
+        </p:txBody>
+      </p:sp>
+      <p:sp>
+        <p:nvSpPr>
+          <p:cNvPr id="12" name="文字方塊 11">
+            <a:extLst>
+              <a:ext uri="{FF2B5EF4-FFF2-40B4-BE49-F238E27FC236}">
+                <a16:creationId xmlns:a16="http://schemas.microsoft.com/office/drawing/2014/main" id="{1BC793DC-B10C-4A92-8CDF-13B6E260A4A0}"/>
+              </a:ext>
+            </a:extLst>
+          </p:cNvPr>
+          <p:cNvSpPr txBox="1"/>
+          <p:nvPr/>
+        </p:nvSpPr>
+        <p:spPr>
+          <a:xfrm>
+            <a:off x="8755623" y="3856443"/>
+            <a:ext cx="3309130" cy="1477328"/>
+          </a:xfrm>
+          <a:prstGeom prst="rect">
+            <a:avLst/>
+          </a:prstGeom>
+          <a:noFill/>
+        </p:spPr>
+        <p:txBody>
+          <a:bodyPr wrap="square" rtlCol="0">
+            <a:spAutoFit/>
+          </a:bodyPr>
+          <a:lstStyle/>
+          <a:p>
+            <a:r>
+              <a:rPr lang="zh-TW" altLang="en-US" dirty="0">
+                <a:latin typeface="Comic Sans MS" panose="030F0702030302020204" pitchFamily="66" charset="0"/>
+                <a:ea typeface="微軟正黑體" panose="020B0604030504040204" pitchFamily="34" charset="-120"/>
+              </a:rPr>
+              <a:t>先清空所有已設定的變數</a:t>
+            </a:r>
+            <a:endParaRPr lang="en-US" altLang="zh-TW" dirty="0">
+              <a:latin typeface="Comic Sans MS" panose="030F0702030302020204" pitchFamily="66" charset="0"/>
+              <a:ea typeface="微軟正黑體" panose="020B0604030504040204" pitchFamily="34" charset="-120"/>
+            </a:endParaRPr>
+          </a:p>
+          <a:p>
+            <a:r>
+              <a:rPr lang="zh-TW" altLang="en-US" dirty="0">
+                <a:latin typeface="Comic Sans MS" panose="030F0702030302020204" pitchFamily="66" charset="0"/>
+                <a:ea typeface="微軟正黑體" panose="020B0604030504040204" pitchFamily="34" charset="-120"/>
+              </a:rPr>
+              <a:t>再重新讀取</a:t>
+            </a:r>
+            <a:r>
+              <a:rPr lang="en-US" altLang="zh-TW" dirty="0">
+                <a:latin typeface="Comic Sans MS" panose="030F0702030302020204" pitchFamily="66" charset="0"/>
+                <a:ea typeface="微軟正黑體" panose="020B0604030504040204" pitchFamily="34" charset="-120"/>
+              </a:rPr>
+              <a:t>list</a:t>
+            </a:r>
+            <a:r>
+              <a:rPr lang="zh-TW" altLang="en-US" dirty="0">
+                <a:latin typeface="Comic Sans MS" panose="030F0702030302020204" pitchFamily="66" charset="0"/>
+                <a:ea typeface="微軟正黑體" panose="020B0604030504040204" pitchFamily="34" charset="-120"/>
+              </a:rPr>
+              <a:t> 中所有的項目進行設定。</a:t>
+            </a:r>
+            <a:endParaRPr lang="en-US" altLang="zh-TW" dirty="0">
+              <a:latin typeface="Comic Sans MS" panose="030F0702030302020204" pitchFamily="66" charset="0"/>
+              <a:ea typeface="微軟正黑體" panose="020B0604030504040204" pitchFamily="34" charset="-120"/>
+            </a:endParaRPr>
+          </a:p>
+          <a:p>
+            <a:r>
+              <a:rPr lang="zh-TW" altLang="en-US" dirty="0">
+                <a:latin typeface="Comic Sans MS" panose="030F0702030302020204" pitchFamily="66" charset="0"/>
+                <a:ea typeface="微軟正黑體" panose="020B0604030504040204" pitchFamily="34" charset="-120"/>
+              </a:rPr>
+              <a:t>如出現循環定義，則改變背景顏色。</a:t>
+            </a:r>
+            <a:endParaRPr lang="en-US" altLang="zh-TW" dirty="0">
+              <a:latin typeface="Comic Sans MS" panose="030F0702030302020204" pitchFamily="66" charset="0"/>
+              <a:ea typeface="微軟正黑體" panose="020B0604030504040204" pitchFamily="34" charset="-120"/>
+            </a:endParaRPr>
+          </a:p>
+        </p:txBody>
+      </p:sp>
+    </p:spTree>
+    <p:extLst>
+      <p:ext uri="{BB962C8B-B14F-4D97-AF65-F5344CB8AC3E}">
+        <p14:creationId xmlns:p14="http://schemas.microsoft.com/office/powerpoint/2010/main" val="2901123346"/>
+      </p:ext>
+    </p:extLst>
+  </p:cSld>
+  <p:clrMapOvr>
+    <a:masterClrMapping/>
+  </p:clrMapOvr>
+  <p:transition spd="med">
+    <p:wipe/>
+  </p:transition>
+</p:sld>
+</file>
+
+<file path=ppt/slides/slide22.xml><?xml version="1.0" encoding="utf-8"?>
+<p:sld xmlns:a="http://schemas.openxmlformats.org/drawingml/2006/main" xmlns:r="http://schemas.openxmlformats.org/officeDocument/2006/relationships" xmlns:p="http://schemas.openxmlformats.org/presentationml/2006/main">
+  <p:cSld>
+    <p:spTree>
+      <p:nvGrpSpPr>
+        <p:cNvPr id="1" name=""/>
+        <p:cNvGrpSpPr/>
+        <p:nvPr/>
+      </p:nvGrpSpPr>
+      <p:grpSpPr>
+        <a:xfrm>
+          <a:off x="0" y="0"/>
+          <a:ext cx="0" cy="0"/>
+          <a:chOff x="0" y="0"/>
+          <a:chExt cx="0" cy="0"/>
+        </a:xfrm>
+      </p:grpSpPr>
+      <p:sp>
+        <p:nvSpPr>
+          <p:cNvPr id="2" name="標題 1">
+            <a:extLst>
+              <a:ext uri="{FF2B5EF4-FFF2-40B4-BE49-F238E27FC236}">
+                <a16:creationId xmlns:a16="http://schemas.microsoft.com/office/drawing/2014/main" id="{BCCDD681-A640-46AD-BCB7-D492A9D08DE4}"/>
               </a:ext>
             </a:extLst>
           </p:cNvPr>
@@ -7515,15 +8578,732 @@
             <a:spLocks noGrp="1"/>
           </p:cNvSpPr>
           <p:nvPr>
+            <p:ph type="title"/>
+          </p:nvPr>
+        </p:nvSpPr>
+        <p:spPr/>
+        <p:txBody>
+          <a:bodyPr/>
+          <a:lstStyle/>
+          <a:p>
+            <a:r>
+              <a:rPr lang="en-US" altLang="zh-TW" dirty="0"/>
+              <a:t>Drawer –</a:t>
+            </a:r>
+            <a:r>
+              <a:rPr lang="zh-TW" altLang="en-US" dirty="0"/>
+              <a:t>移除 變數</a:t>
+            </a:r>
+            <a:r>
+              <a:rPr lang="en-US" altLang="zh-TW" dirty="0"/>
+              <a:t>(slot)</a:t>
+            </a:r>
+            <a:endParaRPr lang="zh-TW" altLang="en-US" dirty="0"/>
+          </a:p>
+        </p:txBody>
+      </p:sp>
+      <p:pic>
+        <p:nvPicPr>
+          <p:cNvPr id="6" name="內容版面配置區 5">
+            <a:extLst>
+              <a:ext uri="{FF2B5EF4-FFF2-40B4-BE49-F238E27FC236}">
+                <a16:creationId xmlns:a16="http://schemas.microsoft.com/office/drawing/2014/main" id="{77F35139-EF82-438E-9FCD-E5A0CB5BCA64}"/>
+              </a:ext>
+            </a:extLst>
+          </p:cNvPr>
+          <p:cNvPicPr>
+            <a:picLocks noGrp="1" noChangeAspect="1"/>
+          </p:cNvPicPr>
+          <p:nvPr>
             <p:ph idx="1"/>
           </p:nvPr>
+        </p:nvPicPr>
+        <p:blipFill>
+          <a:blip r:embed="rId2"/>
+          <a:stretch>
+            <a:fillRect/>
+          </a:stretch>
+        </p:blipFill>
+        <p:spPr>
+          <a:xfrm>
+            <a:off x="838200" y="1690688"/>
+            <a:ext cx="8163757" cy="3653832"/>
+          </a:xfrm>
+          <a:prstGeom prst="rect">
+            <a:avLst/>
+          </a:prstGeom>
+        </p:spPr>
+      </p:pic>
+      <p:sp>
+        <p:nvSpPr>
+          <p:cNvPr id="8" name="右中括弧 7">
+            <a:extLst>
+              <a:ext uri="{FF2B5EF4-FFF2-40B4-BE49-F238E27FC236}">
+                <a16:creationId xmlns:a16="http://schemas.microsoft.com/office/drawing/2014/main" id="{5B59E51D-F3C3-4868-9871-4C491AC53861}"/>
+              </a:ext>
+            </a:extLst>
+          </p:cNvPr>
+          <p:cNvSpPr/>
+          <p:nvPr/>
+        </p:nvSpPr>
+        <p:spPr>
+          <a:xfrm>
+            <a:off x="7284110" y="2071191"/>
+            <a:ext cx="236922" cy="622330"/>
+          </a:xfrm>
+          <a:prstGeom prst="rightBracket">
+            <a:avLst/>
+          </a:prstGeom>
+          <a:ln w="38100"/>
+        </p:spPr>
+        <p:style>
+          <a:lnRef idx="1">
+            <a:schemeClr val="accent1"/>
+          </a:lnRef>
+          <a:fillRef idx="0">
+            <a:schemeClr val="accent1"/>
+          </a:fillRef>
+          <a:effectRef idx="0">
+            <a:schemeClr val="accent1"/>
+          </a:effectRef>
+          <a:fontRef idx="minor">
+            <a:schemeClr val="tx1"/>
+          </a:fontRef>
+        </p:style>
+        <p:txBody>
+          <a:bodyPr rtlCol="0" anchor="ctr"/>
+          <a:lstStyle/>
+          <a:p>
+            <a:pPr algn="ctr"/>
+            <a:endParaRPr lang="zh-TW" altLang="en-US">
+              <a:latin typeface="Comic Sans MS" panose="030F0702030302020204" pitchFamily="66" charset="0"/>
+            </a:endParaRPr>
+          </a:p>
+        </p:txBody>
+      </p:sp>
+      <p:sp>
+        <p:nvSpPr>
+          <p:cNvPr id="9" name="文字方塊 8">
+            <a:extLst>
+              <a:ext uri="{FF2B5EF4-FFF2-40B4-BE49-F238E27FC236}">
+                <a16:creationId xmlns:a16="http://schemas.microsoft.com/office/drawing/2014/main" id="{B235C810-05F3-4A41-9D52-D3BEBF3FA44A}"/>
+              </a:ext>
+            </a:extLst>
+          </p:cNvPr>
+          <p:cNvSpPr txBox="1"/>
+          <p:nvPr/>
+        </p:nvSpPr>
+        <p:spPr>
+          <a:xfrm>
+            <a:off x="7521032" y="2197690"/>
+            <a:ext cx="4220407" cy="369332"/>
+          </a:xfrm>
+          <a:prstGeom prst="rect">
+            <a:avLst/>
+          </a:prstGeom>
+          <a:noFill/>
+        </p:spPr>
+        <p:txBody>
+          <a:bodyPr wrap="square" rtlCol="0">
+            <a:spAutoFit/>
+          </a:bodyPr>
+          <a:lstStyle/>
+          <a:p>
+            <a:r>
+              <a:rPr lang="zh-TW" altLang="en-US" dirty="0">
+                <a:latin typeface="Comic Sans MS" panose="030F0702030302020204" pitchFamily="66" charset="0"/>
+                <a:ea typeface="微軟正黑體" panose="020B0604030504040204" pitchFamily="34" charset="-120"/>
+              </a:rPr>
+              <a:t>取得目前點選的</a:t>
+            </a:r>
+            <a:r>
+              <a:rPr lang="en-US" altLang="zh-TW" dirty="0">
+                <a:latin typeface="Comic Sans MS" panose="030F0702030302020204" pitchFamily="66" charset="0"/>
+                <a:ea typeface="微軟正黑體" panose="020B0604030504040204" pitchFamily="34" charset="-120"/>
+              </a:rPr>
+              <a:t>list item</a:t>
+            </a:r>
+            <a:r>
+              <a:rPr lang="zh-TW" altLang="en-US" dirty="0">
+                <a:latin typeface="Comic Sans MS" panose="030F0702030302020204" pitchFamily="66" charset="0"/>
+                <a:ea typeface="微軟正黑體" panose="020B0604030504040204" pitchFamily="34" charset="-120"/>
+              </a:rPr>
+              <a:t>，並將其刪除</a:t>
+            </a:r>
+            <a:endParaRPr lang="en-US" altLang="zh-TW" dirty="0">
+              <a:latin typeface="Comic Sans MS" panose="030F0702030302020204" pitchFamily="66" charset="0"/>
+              <a:ea typeface="微軟正黑體" panose="020B0604030504040204" pitchFamily="34" charset="-120"/>
+            </a:endParaRPr>
+          </a:p>
+        </p:txBody>
+      </p:sp>
+      <p:sp>
+        <p:nvSpPr>
+          <p:cNvPr id="11" name="右中括弧 10">
+            <a:extLst>
+              <a:ext uri="{FF2B5EF4-FFF2-40B4-BE49-F238E27FC236}">
+                <a16:creationId xmlns:a16="http://schemas.microsoft.com/office/drawing/2014/main" id="{4E62F148-4B96-4AFE-AB6C-1BEA6D010A68}"/>
+              </a:ext>
+            </a:extLst>
+          </p:cNvPr>
+          <p:cNvSpPr/>
+          <p:nvPr/>
+        </p:nvSpPr>
+        <p:spPr>
+          <a:xfrm>
+            <a:off x="8856365" y="3249738"/>
+            <a:ext cx="216357" cy="1835852"/>
+          </a:xfrm>
+          <a:prstGeom prst="rightBracket">
+            <a:avLst/>
+          </a:prstGeom>
+          <a:ln w="38100"/>
+        </p:spPr>
+        <p:style>
+          <a:lnRef idx="1">
+            <a:schemeClr val="accent1"/>
+          </a:lnRef>
+          <a:fillRef idx="0">
+            <a:schemeClr val="accent1"/>
+          </a:fillRef>
+          <a:effectRef idx="0">
+            <a:schemeClr val="accent1"/>
+          </a:effectRef>
+          <a:fontRef idx="minor">
+            <a:schemeClr val="tx1"/>
+          </a:fontRef>
+        </p:style>
+        <p:txBody>
+          <a:bodyPr rtlCol="0" anchor="ctr"/>
+          <a:lstStyle/>
+          <a:p>
+            <a:pPr algn="ctr"/>
+            <a:endParaRPr lang="zh-TW" altLang="en-US">
+              <a:latin typeface="Comic Sans MS" panose="030F0702030302020204" pitchFamily="66" charset="0"/>
+            </a:endParaRPr>
+          </a:p>
+        </p:txBody>
+      </p:sp>
+      <p:sp>
+        <p:nvSpPr>
+          <p:cNvPr id="12" name="文字方塊 11">
+            <a:extLst>
+              <a:ext uri="{FF2B5EF4-FFF2-40B4-BE49-F238E27FC236}">
+                <a16:creationId xmlns:a16="http://schemas.microsoft.com/office/drawing/2014/main" id="{ABD999E8-4D29-41CB-A398-C9514E8780ED}"/>
+              </a:ext>
+            </a:extLst>
+          </p:cNvPr>
+          <p:cNvSpPr txBox="1"/>
+          <p:nvPr/>
+        </p:nvSpPr>
+        <p:spPr>
+          <a:xfrm>
+            <a:off x="9072722" y="3429000"/>
+            <a:ext cx="3309130" cy="1477328"/>
+          </a:xfrm>
+          <a:prstGeom prst="rect">
+            <a:avLst/>
+          </a:prstGeom>
+          <a:noFill/>
+        </p:spPr>
+        <p:txBody>
+          <a:bodyPr wrap="square" rtlCol="0">
+            <a:spAutoFit/>
+          </a:bodyPr>
+          <a:lstStyle/>
+          <a:p>
+            <a:r>
+              <a:rPr lang="zh-TW" altLang="en-US" dirty="0">
+                <a:latin typeface="Comic Sans MS" panose="030F0702030302020204" pitchFamily="66" charset="0"/>
+                <a:ea typeface="微軟正黑體" panose="020B0604030504040204" pitchFamily="34" charset="-120"/>
+              </a:rPr>
+              <a:t>先清空所有已設定的變數</a:t>
+            </a:r>
+            <a:endParaRPr lang="en-US" altLang="zh-TW" dirty="0">
+              <a:latin typeface="Comic Sans MS" panose="030F0702030302020204" pitchFamily="66" charset="0"/>
+              <a:ea typeface="微軟正黑體" panose="020B0604030504040204" pitchFamily="34" charset="-120"/>
+            </a:endParaRPr>
+          </a:p>
+          <a:p>
+            <a:r>
+              <a:rPr lang="zh-TW" altLang="en-US" dirty="0">
+                <a:latin typeface="Comic Sans MS" panose="030F0702030302020204" pitchFamily="66" charset="0"/>
+                <a:ea typeface="微軟正黑體" panose="020B0604030504040204" pitchFamily="34" charset="-120"/>
+              </a:rPr>
+              <a:t>再重新讀取</a:t>
+            </a:r>
+            <a:r>
+              <a:rPr lang="en-US" altLang="zh-TW" dirty="0">
+                <a:latin typeface="Comic Sans MS" panose="030F0702030302020204" pitchFamily="66" charset="0"/>
+                <a:ea typeface="微軟正黑體" panose="020B0604030504040204" pitchFamily="34" charset="-120"/>
+              </a:rPr>
+              <a:t>list</a:t>
+            </a:r>
+            <a:r>
+              <a:rPr lang="zh-TW" altLang="en-US" dirty="0">
+                <a:latin typeface="Comic Sans MS" panose="030F0702030302020204" pitchFamily="66" charset="0"/>
+                <a:ea typeface="微軟正黑體" panose="020B0604030504040204" pitchFamily="34" charset="-120"/>
+              </a:rPr>
+              <a:t> 中所有的項目進行設定。</a:t>
+            </a:r>
+            <a:endParaRPr lang="en-US" altLang="zh-TW" dirty="0">
+              <a:latin typeface="Comic Sans MS" panose="030F0702030302020204" pitchFamily="66" charset="0"/>
+              <a:ea typeface="微軟正黑體" panose="020B0604030504040204" pitchFamily="34" charset="-120"/>
+            </a:endParaRPr>
+          </a:p>
+          <a:p>
+            <a:r>
+              <a:rPr lang="zh-TW" altLang="en-US" dirty="0">
+                <a:latin typeface="Comic Sans MS" panose="030F0702030302020204" pitchFamily="66" charset="0"/>
+                <a:ea typeface="微軟正黑體" panose="020B0604030504040204" pitchFamily="34" charset="-120"/>
+              </a:rPr>
+              <a:t>如出現循環定義，則改變背景顏色。</a:t>
+            </a:r>
+            <a:endParaRPr lang="en-US" altLang="zh-TW" dirty="0">
+              <a:latin typeface="Comic Sans MS" panose="030F0702030302020204" pitchFamily="66" charset="0"/>
+              <a:ea typeface="微軟正黑體" panose="020B0604030504040204" pitchFamily="34" charset="-120"/>
+            </a:endParaRPr>
+          </a:p>
+        </p:txBody>
+      </p:sp>
+    </p:spTree>
+    <p:extLst>
+      <p:ext uri="{BB962C8B-B14F-4D97-AF65-F5344CB8AC3E}">
+        <p14:creationId xmlns:p14="http://schemas.microsoft.com/office/powerpoint/2010/main" val="2185665607"/>
+      </p:ext>
+    </p:extLst>
+  </p:cSld>
+  <p:clrMapOvr>
+    <a:masterClrMapping/>
+  </p:clrMapOvr>
+  <p:transition spd="med">
+    <p:wipe/>
+  </p:transition>
+</p:sld>
+</file>
+
+<file path=ppt/slides/slide23.xml><?xml version="1.0" encoding="utf-8"?>
+<p:sld xmlns:a="http://schemas.openxmlformats.org/drawingml/2006/main" xmlns:r="http://schemas.openxmlformats.org/officeDocument/2006/relationships" xmlns:p="http://schemas.openxmlformats.org/presentationml/2006/main">
+  <p:cSld>
+    <p:spTree>
+      <p:nvGrpSpPr>
+        <p:cNvPr id="1" name=""/>
+        <p:cNvGrpSpPr/>
+        <p:nvPr/>
+      </p:nvGrpSpPr>
+      <p:grpSpPr>
+        <a:xfrm>
+          <a:off x="0" y="0"/>
+          <a:ext cx="0" cy="0"/>
+          <a:chOff x="0" y="0"/>
+          <a:chExt cx="0" cy="0"/>
+        </a:xfrm>
+      </p:grpSpPr>
+      <p:sp>
+        <p:nvSpPr>
+          <p:cNvPr id="2" name="標題 1">
+            <a:extLst>
+              <a:ext uri="{FF2B5EF4-FFF2-40B4-BE49-F238E27FC236}">
+                <a16:creationId xmlns:a16="http://schemas.microsoft.com/office/drawing/2014/main" id="{BCCDD681-A640-46AD-BCB7-D492A9D08DE4}"/>
+              </a:ext>
+            </a:extLst>
+          </p:cNvPr>
+          <p:cNvSpPr>
+            <a:spLocks noGrp="1"/>
+          </p:cNvSpPr>
+          <p:nvPr>
+            <p:ph type="title"/>
+          </p:nvPr>
         </p:nvSpPr>
         <p:spPr/>
         <p:txBody>
           <a:bodyPr/>
           <a:lstStyle/>
           <a:p>
+            <a:r>
+              <a:rPr lang="en-US" altLang="zh-TW" dirty="0"/>
+              <a:t>Drawer – </a:t>
+            </a:r>
+            <a:r>
+              <a:rPr lang="zh-TW" altLang="en-US" dirty="0"/>
+              <a:t>編輯 變數</a:t>
+            </a:r>
+            <a:r>
+              <a:rPr lang="en-US" altLang="zh-TW" dirty="0"/>
+              <a:t>(slot)</a:t>
+            </a:r>
             <a:endParaRPr lang="zh-TW" altLang="en-US" dirty="0"/>
+          </a:p>
+        </p:txBody>
+      </p:sp>
+      <p:pic>
+        <p:nvPicPr>
+          <p:cNvPr id="3" name="內容版面配置區 2">
+            <a:extLst>
+              <a:ext uri="{FF2B5EF4-FFF2-40B4-BE49-F238E27FC236}">
+                <a16:creationId xmlns:a16="http://schemas.microsoft.com/office/drawing/2014/main" id="{B8C23B00-7FEF-4482-8A3C-1F6DF45B2CAA}"/>
+              </a:ext>
+            </a:extLst>
+          </p:cNvPr>
+          <p:cNvPicPr>
+            <a:picLocks noGrp="1" noChangeAspect="1"/>
+          </p:cNvPicPr>
+          <p:nvPr>
+            <p:ph idx="1"/>
+          </p:nvPr>
+        </p:nvPicPr>
+        <p:blipFill rotWithShape="1">
+          <a:blip r:embed="rId2"/>
+          <a:srcRect b="29499"/>
+          <a:stretch/>
+        </p:blipFill>
+        <p:spPr>
+          <a:xfrm>
+            <a:off x="493197" y="1690688"/>
+            <a:ext cx="5602803" cy="4351339"/>
+          </a:xfrm>
+          <a:prstGeom prst="rect">
+            <a:avLst/>
+          </a:prstGeom>
+        </p:spPr>
+      </p:pic>
+      <p:pic>
+        <p:nvPicPr>
+          <p:cNvPr id="4" name="圖片 3">
+            <a:extLst>
+              <a:ext uri="{FF2B5EF4-FFF2-40B4-BE49-F238E27FC236}">
+                <a16:creationId xmlns:a16="http://schemas.microsoft.com/office/drawing/2014/main" id="{8D54D293-896E-4FEB-B67D-3717F9B00886}"/>
+              </a:ext>
+            </a:extLst>
+          </p:cNvPr>
+          <p:cNvPicPr>
+            <a:picLocks noChangeAspect="1"/>
+          </p:cNvPicPr>
+          <p:nvPr/>
+        </p:nvPicPr>
+        <p:blipFill rotWithShape="1">
+          <a:blip r:embed="rId2"/>
+          <a:srcRect t="70501"/>
+          <a:stretch/>
+        </p:blipFill>
+        <p:spPr>
+          <a:xfrm>
+            <a:off x="6096000" y="1690688"/>
+            <a:ext cx="5649485" cy="1835844"/>
+          </a:xfrm>
+          <a:prstGeom prst="rect">
+            <a:avLst/>
+          </a:prstGeom>
+        </p:spPr>
+      </p:pic>
+      <p:sp>
+        <p:nvSpPr>
+          <p:cNvPr id="6" name="右中括弧 5">
+            <a:extLst>
+              <a:ext uri="{FF2B5EF4-FFF2-40B4-BE49-F238E27FC236}">
+                <a16:creationId xmlns:a16="http://schemas.microsoft.com/office/drawing/2014/main" id="{81E412E6-C16D-476D-B225-A4477EA0BB61}"/>
+              </a:ext>
+            </a:extLst>
+          </p:cNvPr>
+          <p:cNvSpPr/>
+          <p:nvPr/>
+        </p:nvSpPr>
+        <p:spPr>
+          <a:xfrm>
+            <a:off x="4326200" y="2040972"/>
+            <a:ext cx="183656" cy="524675"/>
+          </a:xfrm>
+          <a:prstGeom prst="rightBracket">
+            <a:avLst/>
+          </a:prstGeom>
+          <a:ln w="38100"/>
+        </p:spPr>
+        <p:style>
+          <a:lnRef idx="1">
+            <a:schemeClr val="accent1"/>
+          </a:lnRef>
+          <a:fillRef idx="0">
+            <a:schemeClr val="accent1"/>
+          </a:fillRef>
+          <a:effectRef idx="0">
+            <a:schemeClr val="accent1"/>
+          </a:effectRef>
+          <a:fontRef idx="minor">
+            <a:schemeClr val="tx1"/>
+          </a:fontRef>
+        </p:style>
+        <p:txBody>
+          <a:bodyPr rtlCol="0" anchor="ctr"/>
+          <a:lstStyle/>
+          <a:p>
+            <a:pPr algn="ctr"/>
+            <a:endParaRPr lang="zh-TW" altLang="en-US">
+              <a:latin typeface="Comic Sans MS" panose="030F0702030302020204" pitchFamily="66" charset="0"/>
+            </a:endParaRPr>
+          </a:p>
+        </p:txBody>
+      </p:sp>
+      <p:sp>
+        <p:nvSpPr>
+          <p:cNvPr id="8" name="文字方塊 7">
+            <a:extLst>
+              <a:ext uri="{FF2B5EF4-FFF2-40B4-BE49-F238E27FC236}">
+                <a16:creationId xmlns:a16="http://schemas.microsoft.com/office/drawing/2014/main" id="{059DAEDD-3927-4533-982B-B10D5E8FF620}"/>
+              </a:ext>
+            </a:extLst>
+          </p:cNvPr>
+          <p:cNvSpPr txBox="1"/>
+          <p:nvPr/>
+        </p:nvSpPr>
+        <p:spPr>
+          <a:xfrm>
+            <a:off x="4563122" y="2167471"/>
+            <a:ext cx="2743199" cy="369332"/>
+          </a:xfrm>
+          <a:prstGeom prst="rect">
+            <a:avLst/>
+          </a:prstGeom>
+          <a:noFill/>
+        </p:spPr>
+        <p:txBody>
+          <a:bodyPr wrap="square" rtlCol="0">
+            <a:spAutoFit/>
+          </a:bodyPr>
+          <a:lstStyle/>
+          <a:p>
+            <a:r>
+              <a:rPr lang="zh-TW" altLang="en-US" dirty="0">
+                <a:latin typeface="Comic Sans MS" panose="030F0702030302020204" pitchFamily="66" charset="0"/>
+                <a:ea typeface="微軟正黑體" panose="020B0604030504040204" pitchFamily="34" charset="-120"/>
+              </a:rPr>
+              <a:t>取得目前點選的</a:t>
+            </a:r>
+            <a:r>
+              <a:rPr lang="en-US" altLang="zh-TW" dirty="0">
+                <a:latin typeface="Comic Sans MS" panose="030F0702030302020204" pitchFamily="66" charset="0"/>
+                <a:ea typeface="微軟正黑體" panose="020B0604030504040204" pitchFamily="34" charset="-120"/>
+              </a:rPr>
+              <a:t>list item</a:t>
+            </a:r>
+          </a:p>
+        </p:txBody>
+      </p:sp>
+      <p:sp>
+        <p:nvSpPr>
+          <p:cNvPr id="9" name="右中括弧 8">
+            <a:extLst>
+              <a:ext uri="{FF2B5EF4-FFF2-40B4-BE49-F238E27FC236}">
+                <a16:creationId xmlns:a16="http://schemas.microsoft.com/office/drawing/2014/main" id="{B09BC20E-AE51-45E0-A2B4-1521A660611A}"/>
+              </a:ext>
+            </a:extLst>
+          </p:cNvPr>
+          <p:cNvSpPr/>
+          <p:nvPr/>
+        </p:nvSpPr>
+        <p:spPr>
+          <a:xfrm>
+            <a:off x="5081736" y="2944301"/>
+            <a:ext cx="236922" cy="695544"/>
+          </a:xfrm>
+          <a:prstGeom prst="rightBracket">
+            <a:avLst/>
+          </a:prstGeom>
+          <a:ln w="38100"/>
+        </p:spPr>
+        <p:style>
+          <a:lnRef idx="1">
+            <a:schemeClr val="accent1"/>
+          </a:lnRef>
+          <a:fillRef idx="0">
+            <a:schemeClr val="accent1"/>
+          </a:fillRef>
+          <a:effectRef idx="0">
+            <a:schemeClr val="accent1"/>
+          </a:effectRef>
+          <a:fontRef idx="minor">
+            <a:schemeClr val="tx1"/>
+          </a:fontRef>
+        </p:style>
+        <p:txBody>
+          <a:bodyPr rtlCol="0" anchor="ctr"/>
+          <a:lstStyle/>
+          <a:p>
+            <a:pPr algn="ctr"/>
+            <a:endParaRPr lang="zh-TW" altLang="en-US">
+              <a:latin typeface="Comic Sans MS" panose="030F0702030302020204" pitchFamily="66" charset="0"/>
+            </a:endParaRPr>
+          </a:p>
+        </p:txBody>
+      </p:sp>
+      <p:sp>
+        <p:nvSpPr>
+          <p:cNvPr id="10" name="文字方塊 9">
+            <a:extLst>
+              <a:ext uri="{FF2B5EF4-FFF2-40B4-BE49-F238E27FC236}">
+                <a16:creationId xmlns:a16="http://schemas.microsoft.com/office/drawing/2014/main" id="{2FA731D9-F578-4A00-BA0E-0C5369B2FEE0}"/>
+              </a:ext>
+            </a:extLst>
+          </p:cNvPr>
+          <p:cNvSpPr txBox="1"/>
+          <p:nvPr/>
+        </p:nvSpPr>
+        <p:spPr>
+          <a:xfrm>
+            <a:off x="5318658" y="3102292"/>
+            <a:ext cx="3638910" cy="369332"/>
+          </a:xfrm>
+          <a:prstGeom prst="rect">
+            <a:avLst/>
+          </a:prstGeom>
+          <a:noFill/>
+        </p:spPr>
+        <p:txBody>
+          <a:bodyPr wrap="square" rtlCol="0">
+            <a:spAutoFit/>
+          </a:bodyPr>
+          <a:lstStyle/>
+          <a:p>
+            <a:r>
+              <a:rPr lang="zh-TW" altLang="en-US" dirty="0">
+                <a:latin typeface="Comic Sans MS" panose="030F0702030302020204" pitchFamily="66" charset="0"/>
+                <a:ea typeface="微軟正黑體" panose="020B0604030504040204" pitchFamily="34" charset="-120"/>
+              </a:rPr>
+              <a:t>開啟編輯器，編輯</a:t>
+            </a:r>
+            <a:r>
+              <a:rPr lang="en-US" altLang="zh-TW" dirty="0">
+                <a:latin typeface="Comic Sans MS" panose="030F0702030302020204" pitchFamily="66" charset="0"/>
+                <a:ea typeface="微軟正黑體" panose="020B0604030504040204" pitchFamily="34" charset="-120"/>
+              </a:rPr>
+              <a:t>list item</a:t>
+            </a:r>
+            <a:r>
+              <a:rPr lang="zh-TW" altLang="en-US" dirty="0">
+                <a:latin typeface="Comic Sans MS" panose="030F0702030302020204" pitchFamily="66" charset="0"/>
+                <a:ea typeface="微軟正黑體" panose="020B0604030504040204" pitchFamily="34" charset="-120"/>
+              </a:rPr>
+              <a:t>的文字</a:t>
+            </a:r>
+            <a:endParaRPr lang="en-US" altLang="zh-TW" dirty="0">
+              <a:latin typeface="Comic Sans MS" panose="030F0702030302020204" pitchFamily="66" charset="0"/>
+              <a:ea typeface="微軟正黑體" panose="020B0604030504040204" pitchFamily="34" charset="-120"/>
+            </a:endParaRPr>
+          </a:p>
+        </p:txBody>
+      </p:sp>
+      <p:sp>
+        <p:nvSpPr>
+          <p:cNvPr id="11" name="右中括弧 10">
+            <a:extLst>
+              <a:ext uri="{FF2B5EF4-FFF2-40B4-BE49-F238E27FC236}">
+                <a16:creationId xmlns:a16="http://schemas.microsoft.com/office/drawing/2014/main" id="{2DF65A5D-6FF2-4F57-BA6E-BF3F2C7EB42E}"/>
+              </a:ext>
+            </a:extLst>
+          </p:cNvPr>
+          <p:cNvSpPr/>
+          <p:nvPr/>
+        </p:nvSpPr>
+        <p:spPr>
+          <a:xfrm>
+            <a:off x="5081736" y="3866304"/>
+            <a:ext cx="236922" cy="1904181"/>
+          </a:xfrm>
+          <a:prstGeom prst="rightBracket">
+            <a:avLst/>
+          </a:prstGeom>
+          <a:ln w="38100"/>
+        </p:spPr>
+        <p:style>
+          <a:lnRef idx="1">
+            <a:schemeClr val="accent1"/>
+          </a:lnRef>
+          <a:fillRef idx="0">
+            <a:schemeClr val="accent1"/>
+          </a:fillRef>
+          <a:effectRef idx="0">
+            <a:schemeClr val="accent1"/>
+          </a:effectRef>
+          <a:fontRef idx="minor">
+            <a:schemeClr val="tx1"/>
+          </a:fontRef>
+        </p:style>
+        <p:txBody>
+          <a:bodyPr rtlCol="0" anchor="ctr"/>
+          <a:lstStyle/>
+          <a:p>
+            <a:pPr algn="ctr"/>
+            <a:endParaRPr lang="zh-TW" altLang="en-US">
+              <a:latin typeface="Comic Sans MS" panose="030F0702030302020204" pitchFamily="66" charset="0"/>
+            </a:endParaRPr>
+          </a:p>
+        </p:txBody>
+      </p:sp>
+      <p:sp>
+        <p:nvSpPr>
+          <p:cNvPr id="12" name="文字方塊 11">
+            <a:extLst>
+              <a:ext uri="{FF2B5EF4-FFF2-40B4-BE49-F238E27FC236}">
+                <a16:creationId xmlns:a16="http://schemas.microsoft.com/office/drawing/2014/main" id="{74B57F48-44B4-4E49-BB1B-659889474CE3}"/>
+              </a:ext>
+            </a:extLst>
+          </p:cNvPr>
+          <p:cNvSpPr txBox="1"/>
+          <p:nvPr/>
+        </p:nvSpPr>
+        <p:spPr>
+          <a:xfrm>
+            <a:off x="5318658" y="4260165"/>
+            <a:ext cx="4553310" cy="1200329"/>
+          </a:xfrm>
+          <a:prstGeom prst="rect">
+            <a:avLst/>
+          </a:prstGeom>
+          <a:noFill/>
+        </p:spPr>
+        <p:txBody>
+          <a:bodyPr wrap="square" rtlCol="0">
+            <a:spAutoFit/>
+          </a:bodyPr>
+          <a:lstStyle/>
+          <a:p>
+            <a:r>
+              <a:rPr lang="zh-TW" altLang="en-US" dirty="0">
+                <a:latin typeface="Comic Sans MS" panose="030F0702030302020204" pitchFamily="66" charset="0"/>
+                <a:ea typeface="微軟正黑體" panose="020B0604030504040204" pitchFamily="34" charset="-120"/>
+              </a:rPr>
+              <a:t>第二次點選按鈕，檢查是否與初次點選時為同一個</a:t>
+            </a:r>
+            <a:r>
+              <a:rPr lang="en-US" altLang="zh-TW" dirty="0">
+                <a:latin typeface="Comic Sans MS" panose="030F0702030302020204" pitchFamily="66" charset="0"/>
+                <a:ea typeface="微軟正黑體" panose="020B0604030504040204" pitchFamily="34" charset="-120"/>
+              </a:rPr>
+              <a:t>list item</a:t>
+            </a:r>
+            <a:r>
+              <a:rPr lang="zh-TW" altLang="en-US" dirty="0">
+                <a:latin typeface="Comic Sans MS" panose="030F0702030302020204" pitchFamily="66" charset="0"/>
+                <a:ea typeface="微軟正黑體" panose="020B0604030504040204" pitchFamily="34" charset="-120"/>
+              </a:rPr>
+              <a:t>，若是則關閉編輯器。</a:t>
+            </a:r>
+            <a:endParaRPr lang="en-US" altLang="zh-TW" dirty="0">
+              <a:latin typeface="Comic Sans MS" panose="030F0702030302020204" pitchFamily="66" charset="0"/>
+              <a:ea typeface="微軟正黑體" panose="020B0604030504040204" pitchFamily="34" charset="-120"/>
+            </a:endParaRPr>
+          </a:p>
+          <a:p>
+            <a:r>
+              <a:rPr lang="zh-TW" altLang="en-US" dirty="0">
+                <a:latin typeface="Comic Sans MS" panose="030F0702030302020204" pitchFamily="66" charset="0"/>
+                <a:ea typeface="微軟正黑體" panose="020B0604030504040204" pitchFamily="34" charset="-120"/>
+              </a:rPr>
+              <a:t>若不是，則先關閉上一次選取的編輯器，再打開目前選取的編輯器。</a:t>
+            </a:r>
+            <a:endParaRPr lang="en-US" altLang="zh-TW" dirty="0">
+              <a:latin typeface="Comic Sans MS" panose="030F0702030302020204" pitchFamily="66" charset="0"/>
+              <a:ea typeface="微軟正黑體" panose="020B0604030504040204" pitchFamily="34" charset="-120"/>
+            </a:endParaRPr>
           </a:p>
         </p:txBody>
       </p:sp>
@@ -7543,7 +9323,7 @@
 </p:sld>
 </file>
 
-<file path=ppt/slides/slide22.xml><?xml version="1.0" encoding="utf-8"?>
+<file path=ppt/slides/slide24.xml><?xml version="1.0" encoding="utf-8"?>
 <p:sld xmlns:a="http://schemas.openxmlformats.org/drawingml/2006/main" xmlns:r="http://schemas.openxmlformats.org/officeDocument/2006/relationships" xmlns:p="http://schemas.openxmlformats.org/presentationml/2006/main">
   <p:cSld>
     <p:spTree>
